--- a/Slide_Code4Fun_TruongPhucBinh_FoodEats.pptx
+++ b/Slide_Code4Fun_TruongPhucBinh_FoodEats.pptx
@@ -6902,7 +6902,7 @@
           <p:spPr>
             <a:xfrm>
               <a:off x="929177" y="1329272"/>
-              <a:ext cx="6465227" cy="4274514"/>
+              <a:ext cx="6465227" cy="4028896"/>
             </a:xfrm>
             <a:prstGeom prst="rect">
               <a:avLst/>
@@ -7002,6 +7002,16 @@
             </a:p>
             <a:p>
               <a:r>
+                <a:rPr lang="en-US" sz="1600" b="1" dirty="0">
+                  <a:solidFill>
+                    <a:srgbClr val="FFFFFF"/>
+                  </a:solidFill>
+                  <a:latin typeface="Microsoft YaHei" panose="020B0503020204020204" pitchFamily="34" charset="-122"/>
+                  <a:ea typeface="Microsoft YaHei" panose="020B0503020204020204" pitchFamily="34" charset="-122"/>
+                </a:rPr>
+                <a:t>- Homepage:</a:t>
+              </a:r>
+              <a:r>
                 <a:rPr lang="en-US" sz="1600" dirty="0">
                   <a:solidFill>
                     <a:srgbClr val="FFFFFF"/>
@@ -7009,7 +7019,7 @@
                   <a:latin typeface="Microsoft YaHei" panose="020B0503020204020204" pitchFamily="34" charset="-122"/>
                   <a:ea typeface="Microsoft YaHei" panose="020B0503020204020204" pitchFamily="34" charset="-122"/>
                 </a:rPr>
-                <a:t>- Homepage: Gồm tóm tắt các dịch vụ và hình ảnh những người sáng lập ra cửa hàng; Câu chuyện về cuộc phiêu lưu kinh doanh của ba sinh viên du học ở Việt Nam; Sứ mệnh và các thống kê - đánh giá từ khách hàng. </a:t>
+                <a:t> Tóm tắt các dịch vụ của shop và hình ảnh những người sáng lập shop; Story của ba sinh viên du học ở Việt Nam; Sứ mệnh và các thống kê/đánh giá từ khách hàng. </a:t>
               </a:r>
               <a:endParaRPr lang="en-US" sz="1600" dirty="0">
                 <a:solidFill>
@@ -7030,6 +7040,16 @@
             </a:p>
             <a:p>
               <a:r>
+                <a:rPr lang="en-US" sz="1600" b="1" dirty="0">
+                  <a:solidFill>
+                    <a:srgbClr val="FFFFFF"/>
+                  </a:solidFill>
+                  <a:latin typeface="Microsoft YaHei" panose="020B0503020204020204" pitchFamily="34" charset="-122"/>
+                  <a:ea typeface="Microsoft YaHei" panose="020B0503020204020204" pitchFamily="34" charset="-122"/>
+                </a:rPr>
+                <a:t>- About Us:</a:t>
+              </a:r>
+              <a:r>
                 <a:rPr lang="en-US" sz="1600" dirty="0">
                   <a:solidFill>
                     <a:srgbClr val="FFFFFF"/>
@@ -7037,7 +7057,7 @@
                   <a:latin typeface="Microsoft YaHei" panose="020B0503020204020204" pitchFamily="34" charset="-122"/>
                   <a:ea typeface="Microsoft YaHei" panose="020B0503020204020204" pitchFamily="34" charset="-122"/>
                 </a:rPr>
-                <a:t>- About Us: Gồm các nội dung như Sứ mệnh, Cung cấp, Chất Lượng và Kết nối cộng đồng.</a:t>
+                <a:t> Gồm các nội dung như Sứ mệnh, Cung cấp, Chất Lượng và Kết nối cộng đồng.</a:t>
               </a:r>
               <a:endParaRPr lang="en-US" sz="1600" dirty="0">
                 <a:solidFill>
@@ -7058,6 +7078,16 @@
             </a:p>
             <a:p>
               <a:r>
+                <a:rPr lang="en-US" sz="1600" b="1" dirty="0">
+                  <a:solidFill>
+                    <a:srgbClr val="FFFFFF"/>
+                  </a:solidFill>
+                  <a:latin typeface="Microsoft YaHei" panose="020B0503020204020204" pitchFamily="34" charset="-122"/>
+                  <a:ea typeface="Microsoft YaHei" panose="020B0503020204020204" pitchFamily="34" charset="-122"/>
+                </a:rPr>
+                <a:t>- Services:</a:t>
+              </a:r>
+              <a:r>
                 <a:rPr lang="en-US" sz="1600" dirty="0">
                   <a:solidFill>
                     <a:srgbClr val="FFFFFF"/>
@@ -7065,7 +7095,7 @@
                   <a:latin typeface="Microsoft YaHei" panose="020B0503020204020204" pitchFamily="34" charset="-122"/>
                   <a:ea typeface="Microsoft YaHei" panose="020B0503020204020204" pitchFamily="34" charset="-122"/>
                 </a:rPr>
-                <a:t>- Services: Gồm các dịch vụ như Đồ ăn nhanh, Đồ ăn nhẹ, Trái cây và Nước ép trái cây.</a:t>
+                <a:t> Gồm các dịch vụ như Đồ ăn nhanh, Đồ ăn nhẹ, Trái cây và Nước ép trái cây.</a:t>
               </a:r>
               <a:endParaRPr lang="en-US" sz="1600" dirty="0">
                 <a:solidFill>
@@ -7086,6 +7116,16 @@
             </a:p>
             <a:p>
               <a:r>
+                <a:rPr lang="en-US" sz="1600" b="1" dirty="0">
+                  <a:solidFill>
+                    <a:srgbClr val="FFFFFF"/>
+                  </a:solidFill>
+                  <a:latin typeface="Microsoft YaHei" panose="020B0503020204020204" pitchFamily="34" charset="-122"/>
+                  <a:ea typeface="Microsoft YaHei" panose="020B0503020204020204" pitchFamily="34" charset="-122"/>
+                </a:rPr>
+                <a:t>- SignIn/SignUp: </a:t>
+              </a:r>
+              <a:r>
                 <a:rPr lang="en-US" sz="1600" dirty="0">
                   <a:solidFill>
                     <a:srgbClr val="FFFFFF"/>
@@ -7093,7 +7133,7 @@
                   <a:latin typeface="Microsoft YaHei" panose="020B0503020204020204" pitchFamily="34" charset="-122"/>
                   <a:ea typeface="Microsoft YaHei" panose="020B0503020204020204" pitchFamily="34" charset="-122"/>
                 </a:rPr>
-                <a:t>- SignIn/SignUp: Gồm chức năng đăng nhập và đăng kí tài khoản để mua hàng.</a:t>
+                <a:t>Gồm chức năng đăng nhập và đăng kí tài khoản để mua hàng.</a:t>
               </a:r>
               <a:endParaRPr lang="en-US" sz="1600" dirty="0">
                 <a:solidFill>
@@ -7175,7 +7215,7 @@
           </a:bodyPr>
           <a:p>
             <a:r>
-              <a:rPr lang="en-US" sz="1600" dirty="0">
+              <a:rPr lang="en-US" sz="1600" b="1" dirty="0">
                 <a:solidFill>
                   <a:srgbClr val="FFFFFF"/>
                 </a:solidFill>
@@ -8636,7 +8676,7 @@
                 <a:latin typeface="Microsoft YaHei" panose="020B0503020204020204" pitchFamily="34" charset="-122"/>
                 <a:ea typeface="Microsoft YaHei" panose="020B0503020204020204" pitchFamily="34" charset="-122"/>
               </a:rPr>
-              <a:t>Chúng em muốn làm nhiều trang hơn nhưng chỉ đủ cho thời gian giới hạn.</a:t>
+              <a:t>Chúng em muốn làm nhiều trang hơn nhưng chỉ đủ trong thời gian giới hạn.</a:t>
             </a:r>
             <a:endParaRPr lang="en-US" sz="1200" dirty="0">
               <a:latin typeface="Microsoft YaHei" panose="020B0503020204020204" pitchFamily="34" charset="-122"/>
@@ -10127,7 +10167,7 @@
                   <a:latin typeface="Microsoft YaHei" panose="020B0503020204020204" pitchFamily="34" charset="-122"/>
                   <a:ea typeface="Microsoft YaHei" panose="020B0503020204020204" pitchFamily="34" charset="-122"/>
                 </a:rPr>
-                <a:t>4. Học một ngôn ngữ lập trình để có thể phát triển một website động hoàn chỉnh cho trang web này.</a:t>
+                <a:t>4. Học một ngôn ngữ lập trình để có thể phát triển một website động hoàn chỉnh cho trang web.</a:t>
               </a:r>
               <a:endParaRPr lang="en-US" altLang="zh-CN" dirty="0">
                 <a:solidFill>

--- a/Slide_Code4Fun_TruongPhucBinh_FoodEats.pptx
+++ b/Slide_Code4Fun_TruongPhucBinh_FoodEats.pptx
@@ -11,11 +11,12 @@
     <p:handoutMasterId r:id="rId12"/>
   </p:handoutMasterIdLst>
   <p:sldIdLst>
-    <p:sldId id="257" r:id="rId3"/>
-    <p:sldId id="263" r:id="rId4"/>
-    <p:sldId id="290" r:id="rId5"/>
-    <p:sldId id="268" r:id="rId6"/>
-    <p:sldId id="267" r:id="rId7"/>
+    <p:sldId id="257" r:id="rId2"/>
+    <p:sldId id="263" r:id="rId3"/>
+    <p:sldId id="290" r:id="rId4"/>
+    <p:sldId id="268" r:id="rId5"/>
+    <p:sldId id="267" r:id="rId6"/>
+    <p:sldId id="291" r:id="rId7"/>
     <p:sldId id="272" r:id="rId8"/>
     <p:sldId id="276" r:id="rId9"/>
     <p:sldId id="262" r:id="rId10"/>
@@ -216,6 +217,22 @@
       </a:defRPr>
     </a:lvl9pPr>
   </p:defaultTextStyle>
+  <p:extLst>
+    <p:ext uri="{EFAFB233-063F-42B5-8137-9DF3F51BA10A}">
+      <p15:sldGuideLst xmlns:p15="http://schemas.microsoft.com/office/powerpoint/2012/main">
+        <p15:guide id="1" orient="horz" pos="2179">
+          <p15:clr>
+            <a:srgbClr val="A4A3A4"/>
+          </p15:clr>
+        </p15:guide>
+        <p15:guide id="2" pos="2845">
+          <p15:clr>
+            <a:srgbClr val="A4A3A4"/>
+          </p15:clr>
+        </p15:guide>
+      </p15:sldGuideLst>
+    </p:ext>
+  </p:extLst>
 </p:presentation>
 </file>
 
@@ -236,7 +253,14 @@
         <p:cNvGrpSpPr/>
         <p:nvPr/>
       </p:nvGrpSpPr>
-      <p:grpSpPr/>
+      <p:grpSpPr>
+        <a:xfrm>
+          <a:off x="0" y="0"/>
+          <a:ext cx="0" cy="0"/>
+          <a:chOff x="0" y="0"/>
+          <a:chExt cx="0" cy="0"/>
+        </a:xfrm>
+      </p:grpSpPr>
       <p:sp>
         <p:nvSpPr>
           <p:cNvPr id="2" name="页眉占位符 1"/>
@@ -475,6 +499,7 @@
                 <a:ea typeface="等线" pitchFamily="2" charset="-122"/>
                 <a:cs typeface="+mn-cs"/>
               </a:rPr>
+              <a:t>‹#›</a:t>
             </a:fld>
             <a:endParaRPr kumimoji="0" lang="zh-CN" altLang="en-US" sz="1200" b="0" i="0" u="none" strike="noStrike" kern="1200" cap="none" spc="0" normalizeH="0" baseline="0" noProof="1">
               <a:ln>
@@ -494,6 +519,11 @@
         </p:txBody>
       </p:sp>
     </p:spTree>
+    <p:extLst>
+      <p:ext uri="{BB962C8B-B14F-4D97-AF65-F5344CB8AC3E}">
+        <p14:creationId xmlns:p14="http://schemas.microsoft.com/office/powerpoint/2010/main" val="1"/>
+      </p:ext>
+    </p:extLst>
   </p:cSld>
   <p:clrMap bg1="lt1" tx1="dk1" bg2="lt2" tx2="dk2" accent1="accent1" accent2="accent2" accent3="accent3" accent4="accent4" accent5="accent5" accent6="accent6" hlink="hlink" folHlink="folHlink"/>
 </p:handoutMaster>
@@ -516,7 +546,14 @@
         <p:cNvGrpSpPr/>
         <p:nvPr/>
       </p:nvGrpSpPr>
-      <p:grpSpPr/>
+      <p:grpSpPr>
+        <a:xfrm>
+          <a:off x="0" y="0"/>
+          <a:ext cx="0" cy="0"/>
+          <a:chOff x="0" y="0"/>
+          <a:chExt cx="0" cy="0"/>
+        </a:xfrm>
+      </p:grpSpPr>
       <p:sp>
         <p:nvSpPr>
           <p:cNvPr id="2" name="页眉占位符 1"/>
@@ -1135,6 +1172,7 @@
                 <a:ea typeface="+mn-ea"/>
                 <a:cs typeface="+mn-cs"/>
               </a:rPr>
+              <a:t>‹#›</a:t>
             </a:fld>
             <a:endParaRPr kumimoji="0" lang="zh-CN" altLang="en-US" sz="1200" b="0" i="0" u="none" strike="noStrike" kern="1200" cap="none" spc="0" normalizeH="0" baseline="0" noProof="0">
               <a:ln>
@@ -1319,7 +1357,6 @@
               <a:rPr lang="zh-CN" altLang="en-US" strike="noStrike" noProof="1"/>
               <a:t>Click to edit Master title style</a:t>
             </a:r>
-            <a:endParaRPr lang="zh-CN" altLang="en-US" strike="noStrike" noProof="1"/>
           </a:p>
         </p:txBody>
       </p:sp>
@@ -1343,7 +1380,6 @@
               <a:rPr lang="zh-CN" altLang="en-US" strike="noStrike" noProof="1"/>
               <a:t>编辑母版文本样式</a:t>
             </a:r>
-            <a:endParaRPr lang="zh-CN" altLang="en-US" strike="noStrike" noProof="1"/>
           </a:p>
           <a:p>
             <a:pPr lvl="1" fontAlgn="base"/>
@@ -1351,7 +1387,6 @@
               <a:rPr lang="zh-CN" altLang="en-US" strike="noStrike" noProof="1"/>
               <a:t>第二级</a:t>
             </a:r>
-            <a:endParaRPr lang="zh-CN" altLang="en-US" strike="noStrike" noProof="1"/>
           </a:p>
           <a:p>
             <a:pPr lvl="2" fontAlgn="base"/>
@@ -1359,7 +1394,6 @@
               <a:rPr lang="zh-CN" altLang="en-US" strike="noStrike" noProof="1"/>
               <a:t>第三级</a:t>
             </a:r>
-            <a:endParaRPr lang="zh-CN" altLang="en-US" strike="noStrike" noProof="1"/>
           </a:p>
           <a:p>
             <a:pPr lvl="3" fontAlgn="base"/>
@@ -1367,7 +1401,6 @@
               <a:rPr lang="zh-CN" altLang="en-US" strike="noStrike" noProof="1"/>
               <a:t>第四级</a:t>
             </a:r>
-            <a:endParaRPr lang="zh-CN" altLang="en-US" strike="noStrike" noProof="1"/>
           </a:p>
           <a:p>
             <a:pPr lvl="4" fontAlgn="base"/>
@@ -1375,7 +1408,6 @@
               <a:rPr lang="zh-CN" altLang="en-US" strike="noStrike" noProof="1"/>
               <a:t>第五级</a:t>
             </a:r>
-            <a:endParaRPr lang="zh-CN" altLang="en-US" strike="noStrike" noProof="1"/>
           </a:p>
         </p:txBody>
       </p:sp>
@@ -1404,7 +1436,14 @@
         <p:cNvGrpSpPr/>
         <p:nvPr/>
       </p:nvGrpSpPr>
-      <p:grpSpPr/>
+      <p:grpSpPr>
+        <a:xfrm>
+          <a:off x="0" y="0"/>
+          <a:ext cx="0" cy="0"/>
+          <a:chOff x="0" y="0"/>
+          <a:chExt cx="0" cy="0"/>
+        </a:xfrm>
+      </p:grpSpPr>
       <p:sp>
         <p:nvSpPr>
           <p:cNvPr id="1026" name="标题占位符 1"/>
@@ -1430,13 +1469,13 @@
         </p:spPr>
         <p:txBody>
           <a:bodyPr anchor="ctr" anchorCtr="0"/>
+          <a:lstStyle/>
           <a:p>
             <a:pPr lvl="0"/>
             <a:r>
               <a:rPr lang="zh-CN" altLang="en-US" dirty="0"/>
               <a:t>Click to edit Master title style</a:t>
             </a:r>
-            <a:endParaRPr lang="zh-CN" altLang="en-US" dirty="0"/>
           </a:p>
         </p:txBody>
       </p:sp>
@@ -1465,6 +1504,7 @@
         </p:spPr>
         <p:txBody>
           <a:bodyPr anchor="t" anchorCtr="0"/>
+          <a:lstStyle/>
           <a:p>
             <a:pPr lvl="0"/>
             <a:r>
@@ -1479,7 +1519,6 @@
               <a:rPr lang="zh-CN" altLang="en-US" dirty="0"/>
               <a:t> style</a:t>
             </a:r>
-            <a:endParaRPr lang="zh-CN" altLang="en-US" dirty="0"/>
           </a:p>
           <a:p>
             <a:pPr lvl="1"/>
@@ -1487,7 +1526,6 @@
               <a:rPr lang="zh-CN" altLang="en-US" dirty="0"/>
               <a:t>Second level</a:t>
             </a:r>
-            <a:endParaRPr lang="zh-CN" altLang="en-US" dirty="0"/>
           </a:p>
           <a:p>
             <a:pPr lvl="2"/>
@@ -1495,7 +1533,6 @@
               <a:rPr lang="zh-CN" altLang="en-US" dirty="0"/>
               <a:t>Third level</a:t>
             </a:r>
-            <a:endParaRPr lang="zh-CN" altLang="en-US" dirty="0"/>
           </a:p>
           <a:p>
             <a:pPr lvl="3"/>
@@ -1503,7 +1540,6 @@
               <a:rPr lang="zh-CN" altLang="en-US" dirty="0"/>
               <a:t>Fourth level</a:t>
             </a:r>
-            <a:endParaRPr lang="zh-CN" altLang="en-US" dirty="0"/>
           </a:p>
           <a:p>
             <a:pPr lvl="4"/>
@@ -1511,7 +1547,6 @@
               <a:rPr lang="zh-CN" altLang="en-US" dirty="0"/>
               <a:t>Fifth level</a:t>
             </a:r>
-            <a:endParaRPr lang="zh-CN" altLang="en-US" dirty="0"/>
           </a:p>
         </p:txBody>
       </p:sp>
@@ -1983,7 +2018,14 @@
         <p:cNvGrpSpPr/>
         <p:nvPr/>
       </p:nvGrpSpPr>
-      <p:grpSpPr/>
+      <p:grpSpPr>
+        <a:xfrm>
+          <a:off x="0" y="0"/>
+          <a:ext cx="0" cy="0"/>
+          <a:chOff x="0" y="0"/>
+          <a:chExt cx="0" cy="0"/>
+        </a:xfrm>
+      </p:grpSpPr>
       <p:sp>
         <p:nvSpPr>
           <p:cNvPr id="12" name="等腰三角形 11"/>
@@ -2134,6 +2176,7 @@
           <a:bodyPr anchor="t" anchorCtr="0">
             <a:spAutoFit/>
           </a:bodyPr>
+          <a:lstStyle/>
           <a:p>
             <a:r>
               <a:rPr lang="en-US" altLang="zh-CN" sz="4800" b="1" dirty="0">
@@ -2206,6 +2249,7 @@
           <a:bodyPr anchor="t" anchorCtr="0">
             <a:spAutoFit/>
           </a:bodyPr>
+          <a:lstStyle/>
           <a:p>
             <a:pPr algn="l"/>
             <a:r>
@@ -2393,7 +2437,14 @@
         <p:cNvGrpSpPr/>
         <p:nvPr/>
       </p:nvGrpSpPr>
-      <p:grpSpPr/>
+      <p:grpSpPr>
+        <a:xfrm>
+          <a:off x="0" y="0"/>
+          <a:ext cx="0" cy="0"/>
+          <a:chOff x="0" y="0"/>
+          <a:chExt cx="0" cy="0"/>
+        </a:xfrm>
+      </p:grpSpPr>
       <p:sp>
         <p:nvSpPr>
           <p:cNvPr id="11" name="直角三角形 10"/>
@@ -3096,24 +3147,6 @@
                   </a:rPr>
                   <a:t>Ẩm thực Việt Nam</a:t>
                 </a:r>
-                <a:endParaRPr kumimoji="0" lang="en-US" altLang="zh-CN" sz="2400" b="1" i="0" u="none" strike="noStrike" kern="1200" cap="none" spc="0" normalizeH="0" baseline="0" noProof="0" dirty="0">
-                  <a:ln>
-                    <a:noFill/>
-                  </a:ln>
-                  <a:solidFill>
-                    <a:schemeClr val="tx1">
-                      <a:lumMod val="85000"/>
-                      <a:lumOff val="15000"/>
-                    </a:schemeClr>
-                  </a:solidFill>
-                  <a:effectLst/>
-                  <a:uLnTx/>
-                  <a:uFillTx/>
-                  <a:latin typeface="Microsoft YaHei" panose="020B0503020204020204" pitchFamily="34" charset="-122"/>
-                  <a:ea typeface="Microsoft YaHei" panose="020B0503020204020204" pitchFamily="34" charset="-122"/>
-                  <a:cs typeface="+mn-cs"/>
-                  <a:sym typeface="+mn-ea"/>
-                </a:endParaRPr>
               </a:p>
             </p:txBody>
           </p:sp>
@@ -3686,24 +3719,6 @@
                   </a:rPr>
                   <a:t>Ba người bạn du học hè tại Việt Nam và nảy ra ý tưởng kinh doanh để trang trải học phí hàng tháng.</a:t>
                 </a:r>
-                <a:endParaRPr kumimoji="0" lang="en-US" altLang="zh-CN" sz="2400" i="0" u="none" strike="noStrike" kern="1200" cap="none" spc="0" normalizeH="0" baseline="0" noProof="0" dirty="0">
-                  <a:ln>
-                    <a:noFill/>
-                  </a:ln>
-                  <a:solidFill>
-                    <a:schemeClr val="tx1">
-                      <a:lumMod val="85000"/>
-                      <a:lumOff val="15000"/>
-                    </a:schemeClr>
-                  </a:solidFill>
-                  <a:effectLst/>
-                  <a:uLnTx/>
-                  <a:uFillTx/>
-                  <a:latin typeface="Microsoft YaHei" panose="020B0503020204020204" pitchFamily="34" charset="-122"/>
-                  <a:ea typeface="Microsoft YaHei" panose="020B0503020204020204" pitchFamily="34" charset="-122"/>
-                  <a:cs typeface="+mn-cs"/>
-                  <a:sym typeface="+mn-ea"/>
-                </a:endParaRPr>
               </a:p>
             </p:txBody>
           </p:sp>
@@ -3936,7 +3951,7 @@
                   <a:defRPr/>
                 </a:pPr>
                 <a:r>
-                  <a:rPr kumimoji="0" lang="en-US" altLang="zh-CN" sz="2400" b="1" i="0" u="none" strike="noStrike" kern="1200" cap="none" spc="0" normalizeH="0" baseline="0" noProof="0">
+                  <a:rPr kumimoji="0" lang="en-US" altLang="zh-CN" sz="2400" b="1" i="0" u="none" strike="noStrike" kern="1200" cap="none" spc="0" normalizeH="0" baseline="0" noProof="0" dirty="0">
                     <a:ln>
                       <a:noFill/>
                     </a:ln>
@@ -3954,26 +3969,50 @@
                     <a:cs typeface="+mn-cs"/>
                     <a:sym typeface="+mn-ea"/>
                   </a:rPr>
-                  <a:t>Ý tưởng:</a:t>
+                  <a:t>Ý </a:t>
                 </a:r>
-                <a:endParaRPr kumimoji="0" lang="en-US" altLang="zh-CN" sz="2400" b="1" i="0" u="none" strike="noStrike" kern="1200" cap="none" spc="0" normalizeH="0" baseline="0" noProof="0">
-                  <a:ln>
-                    <a:noFill/>
-                  </a:ln>
-                  <a:solidFill>
-                    <a:schemeClr val="tx1">
-                      <a:lumMod val="85000"/>
-                      <a:lumOff val="15000"/>
-                    </a:schemeClr>
-                  </a:solidFill>
-                  <a:effectLst/>
-                  <a:uLnTx/>
-                  <a:uFillTx/>
-                  <a:latin typeface="Microsoft YaHei" panose="020B0503020204020204" pitchFamily="34" charset="-122"/>
-                  <a:ea typeface="Microsoft YaHei" panose="020B0503020204020204" pitchFamily="34" charset="-122"/>
-                  <a:cs typeface="+mn-cs"/>
-                  <a:sym typeface="+mn-ea"/>
-                </a:endParaRPr>
+                <a:r>
+                  <a:rPr kumimoji="0" lang="en-US" altLang="zh-CN" sz="2400" b="1" i="0" u="none" strike="noStrike" kern="1200" cap="none" spc="0" normalizeH="0" baseline="0" noProof="0" dirty="0" err="1">
+                    <a:ln>
+                      <a:noFill/>
+                    </a:ln>
+                    <a:solidFill>
+                      <a:schemeClr val="tx1">
+                        <a:lumMod val="85000"/>
+                        <a:lumOff val="15000"/>
+                      </a:schemeClr>
+                    </a:solidFill>
+                    <a:effectLst/>
+                    <a:uLnTx/>
+                    <a:uFillTx/>
+                    <a:latin typeface="Microsoft YaHei" panose="020B0503020204020204" pitchFamily="34" charset="-122"/>
+                    <a:ea typeface="Microsoft YaHei" panose="020B0503020204020204" pitchFamily="34" charset="-122"/>
+                    <a:cs typeface="+mn-cs"/>
+                    <a:sym typeface="+mn-ea"/>
+                  </a:rPr>
+                  <a:t>tưởng</a:t>
+                </a:r>
+                <a:r>
+                  <a:rPr kumimoji="0" lang="en-US" altLang="zh-CN" sz="2400" b="1" i="0" u="none" strike="noStrike" kern="1200" cap="none" spc="0" normalizeH="0" baseline="0" noProof="0" dirty="0">
+                    <a:ln>
+                      <a:noFill/>
+                    </a:ln>
+                    <a:solidFill>
+                      <a:schemeClr val="tx1">
+                        <a:lumMod val="85000"/>
+                        <a:lumOff val="15000"/>
+                      </a:schemeClr>
+                    </a:solidFill>
+                    <a:effectLst/>
+                    <a:uLnTx/>
+                    <a:uFillTx/>
+                    <a:latin typeface="Microsoft YaHei" panose="020B0503020204020204" pitchFamily="34" charset="-122"/>
+                    <a:ea typeface="Microsoft YaHei" panose="020B0503020204020204" pitchFamily="34" charset="-122"/>
+                    <a:cs typeface="+mn-cs"/>
+                    <a:sym typeface="+mn-ea"/>
+                  </a:rPr>
+                  <a:t>:</a:t>
+                </a:r>
               </a:p>
             </p:txBody>
           </p:sp>
@@ -4694,7 +4733,14 @@
         <p:cNvGrpSpPr/>
         <p:nvPr/>
       </p:nvGrpSpPr>
-      <p:grpSpPr/>
+      <p:grpSpPr>
+        <a:xfrm>
+          <a:off x="0" y="0"/>
+          <a:ext cx="0" cy="0"/>
+          <a:chOff x="0" y="0"/>
+          <a:chExt cx="0" cy="0"/>
+        </a:xfrm>
+      </p:grpSpPr>
       <p:sp>
         <p:nvSpPr>
           <p:cNvPr id="11" name="任意多边形 10"/>
@@ -5124,6 +5170,7 @@
           <a:bodyPr wrap="square" anchor="t" anchorCtr="0">
             <a:spAutoFit/>
           </a:bodyPr>
+          <a:lstStyle/>
           <a:p>
             <a:r>
               <a:rPr lang="zh-CN" altLang="en-US" sz="4800" b="1" dirty="0">
@@ -5133,15 +5180,28 @@
                 <a:latin typeface="Microsoft YaHei" panose="020B0503020204020204" pitchFamily="34" charset="-122"/>
                 <a:ea typeface="Microsoft YaHei" panose="020B0503020204020204" pitchFamily="34" charset="-122"/>
               </a:rPr>
-              <a:t>Lý do chọn ý tưởng</a:t>
-            </a:r>
-            <a:endParaRPr lang="zh-CN" altLang="en-US" sz="4800" b="1" dirty="0">
-              <a:solidFill>
-                <a:schemeClr val="bg1"/>
-              </a:solidFill>
-              <a:latin typeface="Microsoft YaHei" panose="020B0503020204020204" pitchFamily="34" charset="-122"/>
-              <a:ea typeface="Microsoft YaHei" panose="020B0503020204020204" pitchFamily="34" charset="-122"/>
-            </a:endParaRPr>
+              <a:t>Lý do </a:t>
+            </a:r>
+            <a:r>
+              <a:rPr lang="en-US" altLang="zh-CN" sz="4800" b="1" dirty="0">
+                <a:solidFill>
+                  <a:schemeClr val="bg1"/>
+                </a:solidFill>
+                <a:latin typeface="Microsoft YaHei" panose="020B0503020204020204" pitchFamily="34" charset="-122"/>
+                <a:ea typeface="Microsoft YaHei" panose="020B0503020204020204" pitchFamily="34" charset="-122"/>
+              </a:rPr>
+              <a:t>c</a:t>
+            </a:r>
+            <a:r>
+              <a:rPr lang="zh-CN" altLang="en-US" sz="4800" b="1" dirty="0">
+                <a:solidFill>
+                  <a:schemeClr val="bg1"/>
+                </a:solidFill>
+                <a:latin typeface="Microsoft YaHei" panose="020B0503020204020204" pitchFamily="34" charset="-122"/>
+                <a:ea typeface="Microsoft YaHei" panose="020B0503020204020204" pitchFamily="34" charset="-122"/>
+              </a:rPr>
+              <a:t>họn ý tưởng</a:t>
+            </a:r>
           </a:p>
         </p:txBody>
       </p:sp>
@@ -5168,6 +5228,7 @@
           <a:bodyPr wrap="square" anchor="t" anchorCtr="0">
             <a:spAutoFit/>
           </a:bodyPr>
+          <a:lstStyle/>
           <a:p>
             <a:r>
               <a:rPr lang="en-US" altLang="zh-CN" dirty="0">
@@ -5179,13 +5240,6 @@
               </a:rPr>
               <a:t>Ẩm thực Việt Nam rất đa dạng và phong phú, nó là một nét văn hóa trong mắt người dân Việt Nam và bạn bè quốc tế, chính vì thế ba người bạn du học cùng một lớp lên ý tưởng kinh doanh online kiếm tiền trang trải học phí cũng giống như một cuộc phiêu lưu.</a:t>
             </a:r>
-            <a:endParaRPr lang="en-US" altLang="zh-CN" dirty="0">
-              <a:solidFill>
-                <a:schemeClr val="bg1"/>
-              </a:solidFill>
-              <a:latin typeface="Microsoft YaHei" panose="020B0503020204020204" pitchFamily="34" charset="-122"/>
-              <a:ea typeface="Microsoft YaHei" panose="020B0503020204020204" pitchFamily="34" charset="-122"/>
-            </a:endParaRPr>
           </a:p>
         </p:txBody>
       </p:sp>
@@ -6018,7 +6072,14 @@
         <p:cNvGrpSpPr/>
         <p:nvPr/>
       </p:nvGrpSpPr>
-      <p:grpSpPr/>
+      <p:grpSpPr>
+        <a:xfrm>
+          <a:off x="0" y="0"/>
+          <a:ext cx="0" cy="0"/>
+          <a:chOff x="0" y="0"/>
+          <a:chExt cx="0" cy="0"/>
+        </a:xfrm>
+      </p:grpSpPr>
       <p:pic>
         <p:nvPicPr>
           <p:cNvPr id="8193" name="图片 7"/>
@@ -6028,7 +6089,7 @@
           <p:nvPr/>
         </p:nvPicPr>
         <p:blipFill>
-          <a:blip r:embed="rId1"/>
+          <a:blip r:embed="rId2"/>
           <a:stretch>
             <a:fillRect/>
           </a:stretch>
@@ -6104,7 +6165,7 @@
               <a:buNone/>
               <a:defRPr/>
             </a:pPr>
-            <a:endParaRPr kumimoji="0" lang="zh-CN" altLang="en-US" sz="1800" b="0" i="0" u="none" strike="noStrike" kern="1200" cap="none" spc="0" normalizeH="0" baseline="0" noProof="0">
+            <a:endParaRPr kumimoji="0" lang="zh-CN" altLang="en-US" sz="1800" b="0" i="0" u="none" strike="noStrike" kern="1200" cap="none" spc="0" normalizeH="0" baseline="0" noProof="0" dirty="0">
               <a:ln>
                 <a:noFill/>
               </a:ln>
@@ -6144,6 +6205,7 @@
           <a:bodyPr anchor="t" anchorCtr="0">
             <a:spAutoFit/>
           </a:bodyPr>
+          <a:lstStyle/>
           <a:p>
             <a:r>
               <a:rPr lang="en-US" sz="1600" dirty="0">
@@ -6155,13 +6217,6 @@
               </a:rPr>
               <a:t>Phúc Bình: Phụ trách chính phần viết code.</a:t>
             </a:r>
-            <a:endParaRPr lang="en-US" sz="1600" dirty="0">
-              <a:solidFill>
-                <a:srgbClr val="FFFFFF"/>
-              </a:solidFill>
-              <a:latin typeface="Microsoft YaHei" panose="020B0503020204020204" pitchFamily="34" charset="-122"/>
-              <a:ea typeface="Microsoft YaHei" panose="020B0503020204020204" pitchFamily="34" charset="-122"/>
-            </a:endParaRPr>
           </a:p>
           <a:p>
             <a:r>
@@ -6174,13 +6229,6 @@
               </a:rPr>
               <a:t>Hoàng Bách: Phụ trách media/ảnh.</a:t>
             </a:r>
-            <a:endParaRPr lang="en-US" sz="1600" dirty="0">
-              <a:solidFill>
-                <a:srgbClr val="FFFFFF"/>
-              </a:solidFill>
-              <a:latin typeface="Microsoft YaHei" panose="020B0503020204020204" pitchFamily="34" charset="-122"/>
-              <a:ea typeface="Microsoft YaHei" panose="020B0503020204020204" pitchFamily="34" charset="-122"/>
-            </a:endParaRPr>
           </a:p>
           <a:p>
             <a:endParaRPr lang="en-US" sz="1600" dirty="0">
@@ -6202,13 +6250,6 @@
               </a:rPr>
               <a:t>Chúng em đã có 1 tuần để cùng nhau hợp tác phát triển trang web ngày một hoàn thiện cho đến ngày cuối cùng, chúng em có tham khảo và sử dụng bản thiết kế trên Figma, các hình ảnh từ Google và các nội dung được tạo bằng ChatGPT.</a:t>
             </a:r>
-            <a:endParaRPr lang="en-US" sz="1600" dirty="0">
-              <a:solidFill>
-                <a:srgbClr val="FFFFFF"/>
-              </a:solidFill>
-              <a:latin typeface="Microsoft YaHei" panose="020B0503020204020204" pitchFamily="34" charset="-122"/>
-              <a:ea typeface="Microsoft YaHei" panose="020B0503020204020204" pitchFamily="34" charset="-122"/>
-            </a:endParaRPr>
           </a:p>
         </p:txBody>
       </p:sp>
@@ -6541,6 +6582,7 @@
           <a:bodyPr wrap="none" anchor="t" anchorCtr="0">
             <a:spAutoFit/>
           </a:bodyPr>
+          <a:lstStyle/>
           <a:p>
             <a:r>
               <a:rPr lang="en-US" altLang="zh-CN" sz="2400" b="1" dirty="0">
@@ -6552,13 +6594,6 @@
               </a:rPr>
               <a:t>Quá trình làm sản phẩm</a:t>
             </a:r>
-            <a:endParaRPr lang="en-US" altLang="zh-CN" sz="2400" b="1" dirty="0">
-              <a:solidFill>
-                <a:srgbClr val="FFFFFF"/>
-              </a:solidFill>
-              <a:latin typeface="Microsoft YaHei" panose="020B0503020204020204" pitchFamily="34" charset="-122"/>
-              <a:ea typeface="Microsoft YaHei" panose="020B0503020204020204" pitchFamily="34" charset="-122"/>
-            </a:endParaRPr>
           </a:p>
         </p:txBody>
       </p:sp>
@@ -6585,6 +6620,7 @@
           <a:bodyPr anchor="t" anchorCtr="0">
             <a:spAutoFit/>
           </a:bodyPr>
+          <a:lstStyle/>
           <a:p>
             <a:r>
               <a:rPr lang="en-US" sz="1600" dirty="0">
@@ -6596,13 +6632,6 @@
               </a:rPr>
               <a:t>Kế hoạch làm sản phẩm của bọn em là hoàn thành những trang web tĩnh html/css trong thời gian được quy định.</a:t>
             </a:r>
-            <a:endParaRPr lang="en-US" sz="1600" dirty="0">
-              <a:solidFill>
-                <a:srgbClr val="000000"/>
-              </a:solidFill>
-              <a:latin typeface="Microsoft YaHei" panose="020B0503020204020204" pitchFamily="34" charset="-122"/>
-              <a:ea typeface="Microsoft YaHei" panose="020B0503020204020204" pitchFamily="34" charset="-122"/>
-            </a:endParaRPr>
           </a:p>
         </p:txBody>
       </p:sp>
@@ -6620,7 +6649,7 @@
     <p:bg>
       <p:bgPr>
         <a:blipFill rotWithShape="1">
-          <a:blip r:embed="rId1"/>
+          <a:blip r:embed="rId2"/>
           <a:stretch>
             <a:fillRect/>
           </a:stretch>
@@ -6634,7 +6663,14 @@
         <p:cNvGrpSpPr/>
         <p:nvPr/>
       </p:nvGrpSpPr>
-      <p:grpSpPr/>
+      <p:grpSpPr>
+        <a:xfrm>
+          <a:off x="0" y="0"/>
+          <a:ext cx="0" cy="0"/>
+          <a:chOff x="0" y="0"/>
+          <a:chExt cx="0" cy="0"/>
+        </a:xfrm>
+      </p:grpSpPr>
       <p:grpSp>
         <p:nvGrpSpPr>
           <p:cNvPr id="7170" name="组合 9"/>
@@ -6644,9 +6680,9 @@
         <p:grpSpPr>
           <a:xfrm>
             <a:off x="0" y="384493"/>
-            <a:ext cx="12192000" cy="5854382"/>
+            <a:ext cx="12192000" cy="6237624"/>
             <a:chOff x="1" y="386885"/>
-            <a:chExt cx="12191999" cy="5851356"/>
+            <a:chExt cx="12191999" cy="6234400"/>
           </a:xfrm>
         </p:grpSpPr>
         <p:grpSp>
@@ -6658,9 +6694,9 @@
           <p:grpSpPr>
             <a:xfrm>
               <a:off x="1" y="386885"/>
-              <a:ext cx="12191999" cy="5851356"/>
+              <a:ext cx="12191999" cy="6234400"/>
               <a:chOff x="1" y="386885"/>
-              <a:chExt cx="12191999" cy="5851356"/>
+              <a:chExt cx="12191999" cy="6234400"/>
             </a:xfrm>
           </p:grpSpPr>
           <p:sp>
@@ -6672,7 +6708,7 @@
             <p:spPr>
               <a:xfrm>
                 <a:off x="1" y="386885"/>
-                <a:ext cx="8188324" cy="5262698"/>
+                <a:ext cx="8188324" cy="5645742"/>
               </a:xfrm>
               <a:prstGeom prst="rect">
                 <a:avLst/>
@@ -6747,7 +6783,7 @@
             </p:nvSpPr>
             <p:spPr>
               <a:xfrm>
-                <a:off x="7599680" y="4857513"/>
+                <a:off x="7599680" y="5240874"/>
                 <a:ext cx="4592320" cy="1380411"/>
               </a:xfrm>
               <a:prstGeom prst="rect">
@@ -6823,7 +6859,7 @@
             </p:nvSpPr>
             <p:spPr>
               <a:xfrm rot="5400000">
-                <a:off x="7599516" y="5649431"/>
+                <a:off x="7599833" y="6032475"/>
                 <a:ext cx="588658" cy="588962"/>
               </a:xfrm>
               <a:prstGeom prst="rtTriangle">
@@ -6901,8 +6937,8 @@
           </p:nvSpPr>
           <p:spPr>
             <a:xfrm>
-              <a:off x="929177" y="1329272"/>
-              <a:ext cx="6465227" cy="4028896"/>
+              <a:off x="861549" y="1223500"/>
+              <a:ext cx="6465227" cy="4768071"/>
             </a:xfrm>
             <a:prstGeom prst="rect">
               <a:avLst/>
@@ -6916,6 +6952,7 @@
             <a:bodyPr wrap="square" anchor="t" anchorCtr="0">
               <a:spAutoFit/>
             </a:bodyPr>
+            <a:lstStyle/>
             <a:p>
               <a:r>
                 <a:rPr lang="en-US" sz="1600" dirty="0">
@@ -6981,14 +7018,6 @@
                 </a:rPr>
                 <a:t>cho các thiết bị Tablet và Mobile.</a:t>
               </a:r>
-              <a:endParaRPr lang="en-US" sz="1600" dirty="0">
-                <a:solidFill>
-                  <a:srgbClr val="FFFFFF"/>
-                </a:solidFill>
-                <a:latin typeface="Microsoft YaHei" panose="020B0503020204020204" pitchFamily="34" charset="-122"/>
-                <a:ea typeface="Microsoft YaHei" panose="020B0503020204020204" pitchFamily="34" charset="-122"/>
-                <a:sym typeface="+mn-ea"/>
-              </a:endParaRPr>
             </a:p>
             <a:p>
               <a:endParaRPr lang="en-US" sz="1600" dirty="0">
@@ -7021,13 +7050,6 @@
                 </a:rPr>
                 <a:t> Tóm tắt các dịch vụ của shop và hình ảnh những người sáng lập shop; Story của ba sinh viên du học ở Việt Nam; Sứ mệnh và các thống kê/đánh giá từ khách hàng. </a:t>
               </a:r>
-              <a:endParaRPr lang="en-US" sz="1600" dirty="0">
-                <a:solidFill>
-                  <a:srgbClr val="FFFFFF"/>
-                </a:solidFill>
-                <a:latin typeface="Microsoft YaHei" panose="020B0503020204020204" pitchFamily="34" charset="-122"/>
-                <a:ea typeface="Microsoft YaHei" panose="020B0503020204020204" pitchFamily="34" charset="-122"/>
-              </a:endParaRPr>
             </a:p>
             <a:p>
               <a:endParaRPr lang="en-US" sz="1600" dirty="0">
@@ -7059,13 +7081,6 @@
                 </a:rPr>
                 <a:t> Gồm các nội dung như Sứ mệnh, Cung cấp, Chất Lượng và Kết nối cộng đồng.</a:t>
               </a:r>
-              <a:endParaRPr lang="en-US" sz="1600" dirty="0">
-                <a:solidFill>
-                  <a:srgbClr val="FFFFFF"/>
-                </a:solidFill>
-                <a:latin typeface="Microsoft YaHei" panose="020B0503020204020204" pitchFamily="34" charset="-122"/>
-                <a:ea typeface="Microsoft YaHei" panose="020B0503020204020204" pitchFamily="34" charset="-122"/>
-              </a:endParaRPr>
             </a:p>
             <a:p>
               <a:endParaRPr lang="en-US" sz="1600" dirty="0">
@@ -7097,13 +7112,6 @@
                 </a:rPr>
                 <a:t> Gồm các dịch vụ như Đồ ăn nhanh, Đồ ăn nhẹ, Trái cây và Nước ép trái cây.</a:t>
               </a:r>
-              <a:endParaRPr lang="en-US" sz="1600" dirty="0">
-                <a:solidFill>
-                  <a:srgbClr val="FFFFFF"/>
-                </a:solidFill>
-                <a:latin typeface="Microsoft YaHei" panose="020B0503020204020204" pitchFamily="34" charset="-122"/>
-                <a:ea typeface="Microsoft YaHei" panose="020B0503020204020204" pitchFamily="34" charset="-122"/>
-              </a:endParaRPr>
             </a:p>
             <a:p>
               <a:endParaRPr lang="en-US" sz="1600" dirty="0">
@@ -7133,15 +7141,600 @@
                   <a:latin typeface="Microsoft YaHei" panose="020B0503020204020204" pitchFamily="34" charset="-122"/>
                   <a:ea typeface="Microsoft YaHei" panose="020B0503020204020204" pitchFamily="34" charset="-122"/>
                 </a:rPr>
-                <a:t>Gồm chức năng đăng nhập và đăng kí tài khoản để mua hàng.</a:t>
+                <a:t>Gồm chức năng đăng nhập và đăng kí tài khoản để mua </a:t>
               </a:r>
-              <a:endParaRPr lang="en-US" sz="1600" dirty="0">
-                <a:solidFill>
-                  <a:srgbClr val="FFFFFF"/>
-                </a:solidFill>
-                <a:latin typeface="Microsoft YaHei" panose="020B0503020204020204" pitchFamily="34" charset="-122"/>
-                <a:ea typeface="Microsoft YaHei" panose="020B0503020204020204" pitchFamily="34" charset="-122"/>
-              </a:endParaRPr>
+              <a:r>
+                <a:rPr lang="en-US" sz="1600" dirty="0" err="1">
+                  <a:solidFill>
+                    <a:srgbClr val="FFFFFF"/>
+                  </a:solidFill>
+                  <a:latin typeface="Microsoft YaHei" panose="020B0503020204020204" pitchFamily="34" charset="-122"/>
+                  <a:ea typeface="Microsoft YaHei" panose="020B0503020204020204" pitchFamily="34" charset="-122"/>
+                </a:rPr>
+                <a:t>hàng</a:t>
+              </a:r>
+              <a:r>
+                <a:rPr lang="en-US" sz="1600" dirty="0">
+                  <a:solidFill>
+                    <a:srgbClr val="FFFFFF"/>
+                  </a:solidFill>
+                  <a:latin typeface="Microsoft YaHei" panose="020B0503020204020204" pitchFamily="34" charset="-122"/>
+                  <a:ea typeface="Microsoft YaHei" panose="020B0503020204020204" pitchFamily="34" charset="-122"/>
+                </a:rPr>
+                <a:t>.</a:t>
+              </a:r>
+            </a:p>
+            <a:p>
+              <a:r>
+                <a:rPr lang="en-US" sz="1600" dirty="0">
+                  <a:solidFill>
+                    <a:srgbClr val="FFFFFF"/>
+                  </a:solidFill>
+                  <a:latin typeface="Microsoft YaHei" panose="020B0503020204020204" pitchFamily="34" charset="-122"/>
+                  <a:ea typeface="Microsoft YaHei" panose="020B0503020204020204" pitchFamily="34" charset="-122"/>
+                </a:rPr>
+                <a:t>- </a:t>
+              </a:r>
+              <a:r>
+                <a:rPr lang="en-US" sz="1600" b="1" dirty="0">
+                  <a:solidFill>
+                    <a:srgbClr val="FFFFFF"/>
+                  </a:solidFill>
+                  <a:latin typeface="Microsoft YaHei" panose="020B0503020204020204" pitchFamily="34" charset="-122"/>
+                  <a:ea typeface="Microsoft YaHei" panose="020B0503020204020204" pitchFamily="34" charset="-122"/>
+                </a:rPr>
+                <a:t>Blog &amp; FAQ </a:t>
+              </a:r>
+              <a:r>
+                <a:rPr lang="en-US" sz="1600" dirty="0">
+                  <a:solidFill>
+                    <a:srgbClr val="FFFFFF"/>
+                  </a:solidFill>
+                  <a:latin typeface="Microsoft YaHei" panose="020B0503020204020204" pitchFamily="34" charset="-122"/>
+                  <a:ea typeface="Microsoft YaHei" panose="020B0503020204020204" pitchFamily="34" charset="-122"/>
+                </a:rPr>
+                <a:t>: </a:t>
+              </a:r>
+              <a:r>
+                <a:rPr lang="en-US" sz="1600" dirty="0" err="1">
+                  <a:solidFill>
+                    <a:srgbClr val="FFFFFF"/>
+                  </a:solidFill>
+                  <a:latin typeface="Microsoft YaHei" panose="020B0503020204020204" pitchFamily="34" charset="-122"/>
+                  <a:ea typeface="Microsoft YaHei" panose="020B0503020204020204" pitchFamily="34" charset="-122"/>
+                </a:rPr>
+                <a:t>Gồm</a:t>
+              </a:r>
+              <a:r>
+                <a:rPr lang="en-US" sz="1600" dirty="0">
+                  <a:solidFill>
+                    <a:srgbClr val="FFFFFF"/>
+                  </a:solidFill>
+                  <a:latin typeface="Microsoft YaHei" panose="020B0503020204020204" pitchFamily="34" charset="-122"/>
+                  <a:ea typeface="Microsoft YaHei" panose="020B0503020204020204" pitchFamily="34" charset="-122"/>
+                </a:rPr>
+                <a:t> </a:t>
+              </a:r>
+              <a:r>
+                <a:rPr lang="en-US" sz="1600" dirty="0" err="1">
+                  <a:solidFill>
+                    <a:srgbClr val="FFFFFF"/>
+                  </a:solidFill>
+                  <a:latin typeface="Microsoft YaHei" panose="020B0503020204020204" pitchFamily="34" charset="-122"/>
+                  <a:ea typeface="Microsoft YaHei" panose="020B0503020204020204" pitchFamily="34" charset="-122"/>
+                </a:rPr>
+                <a:t>những</a:t>
+              </a:r>
+              <a:r>
+                <a:rPr lang="en-US" sz="1600" dirty="0">
+                  <a:solidFill>
+                    <a:srgbClr val="FFFFFF"/>
+                  </a:solidFill>
+                  <a:latin typeface="Microsoft YaHei" panose="020B0503020204020204" pitchFamily="34" charset="-122"/>
+                  <a:ea typeface="Microsoft YaHei" panose="020B0503020204020204" pitchFamily="34" charset="-122"/>
+                </a:rPr>
+                <a:t> </a:t>
+              </a:r>
+              <a:r>
+                <a:rPr lang="en-US" sz="1600" dirty="0" err="1">
+                  <a:solidFill>
+                    <a:srgbClr val="FFFFFF"/>
+                  </a:solidFill>
+                  <a:latin typeface="Microsoft YaHei" panose="020B0503020204020204" pitchFamily="34" charset="-122"/>
+                  <a:ea typeface="Microsoft YaHei" panose="020B0503020204020204" pitchFamily="34" charset="-122"/>
+                </a:rPr>
+                <a:t>thông</a:t>
+              </a:r>
+              <a:r>
+                <a:rPr lang="en-US" sz="1600" dirty="0">
+                  <a:solidFill>
+                    <a:srgbClr val="FFFFFF"/>
+                  </a:solidFill>
+                  <a:latin typeface="Microsoft YaHei" panose="020B0503020204020204" pitchFamily="34" charset="-122"/>
+                  <a:ea typeface="Microsoft YaHei" panose="020B0503020204020204" pitchFamily="34" charset="-122"/>
+                </a:rPr>
+                <a:t> tin </a:t>
+              </a:r>
+              <a:r>
+                <a:rPr lang="en-US" sz="1600" dirty="0" err="1">
+                  <a:solidFill>
+                    <a:srgbClr val="FFFFFF"/>
+                  </a:solidFill>
+                  <a:latin typeface="Microsoft YaHei" panose="020B0503020204020204" pitchFamily="34" charset="-122"/>
+                  <a:ea typeface="Microsoft YaHei" panose="020B0503020204020204" pitchFamily="34" charset="-122"/>
+                </a:rPr>
+                <a:t>về</a:t>
+              </a:r>
+              <a:r>
+                <a:rPr lang="en-US" sz="1600" dirty="0">
+                  <a:solidFill>
+                    <a:srgbClr val="FFFFFF"/>
+                  </a:solidFill>
+                  <a:latin typeface="Microsoft YaHei" panose="020B0503020204020204" pitchFamily="34" charset="-122"/>
+                  <a:ea typeface="Microsoft YaHei" panose="020B0503020204020204" pitchFamily="34" charset="-122"/>
+                </a:rPr>
+                <a:t> </a:t>
+              </a:r>
+              <a:r>
+                <a:rPr lang="en-US" sz="1600" dirty="0" err="1">
+                  <a:solidFill>
+                    <a:srgbClr val="FFFFFF"/>
+                  </a:solidFill>
+                  <a:latin typeface="Microsoft YaHei" panose="020B0503020204020204" pitchFamily="34" charset="-122"/>
+                  <a:ea typeface="Microsoft YaHei" panose="020B0503020204020204" pitchFamily="34" charset="-122"/>
+                </a:rPr>
+                <a:t>dịch</a:t>
+              </a:r>
+              <a:r>
+                <a:rPr lang="en-US" sz="1600" dirty="0">
+                  <a:solidFill>
+                    <a:srgbClr val="FFFFFF"/>
+                  </a:solidFill>
+                  <a:latin typeface="Microsoft YaHei" panose="020B0503020204020204" pitchFamily="34" charset="-122"/>
+                  <a:ea typeface="Microsoft YaHei" panose="020B0503020204020204" pitchFamily="34" charset="-122"/>
+                </a:rPr>
+                <a:t> </a:t>
+              </a:r>
+              <a:r>
+                <a:rPr lang="en-US" sz="1600" dirty="0" err="1">
+                  <a:solidFill>
+                    <a:srgbClr val="FFFFFF"/>
+                  </a:solidFill>
+                  <a:latin typeface="Microsoft YaHei" panose="020B0503020204020204" pitchFamily="34" charset="-122"/>
+                  <a:ea typeface="Microsoft YaHei" panose="020B0503020204020204" pitchFamily="34" charset="-122"/>
+                </a:rPr>
+                <a:t>vụ</a:t>
+              </a:r>
+              <a:r>
+                <a:rPr lang="en-US" sz="1600" dirty="0">
+                  <a:solidFill>
+                    <a:srgbClr val="FFFFFF"/>
+                  </a:solidFill>
+                  <a:latin typeface="Microsoft YaHei" panose="020B0503020204020204" pitchFamily="34" charset="-122"/>
+                  <a:ea typeface="Microsoft YaHei" panose="020B0503020204020204" pitchFamily="34" charset="-122"/>
+                </a:rPr>
+                <a:t> </a:t>
+              </a:r>
+              <a:r>
+                <a:rPr lang="en-US" sz="1600" dirty="0" err="1">
+                  <a:solidFill>
+                    <a:srgbClr val="FFFFFF"/>
+                  </a:solidFill>
+                  <a:latin typeface="Microsoft YaHei" panose="020B0503020204020204" pitchFamily="34" charset="-122"/>
+                  <a:ea typeface="Microsoft YaHei" panose="020B0503020204020204" pitchFamily="34" charset="-122"/>
+                </a:rPr>
+                <a:t>của</a:t>
+              </a:r>
+              <a:r>
+                <a:rPr lang="en-US" sz="1600" dirty="0">
+                  <a:solidFill>
+                    <a:srgbClr val="FFFFFF"/>
+                  </a:solidFill>
+                  <a:latin typeface="Microsoft YaHei" panose="020B0503020204020204" pitchFamily="34" charset="-122"/>
+                  <a:ea typeface="Microsoft YaHei" panose="020B0503020204020204" pitchFamily="34" charset="-122"/>
+                </a:rPr>
+                <a:t> </a:t>
+              </a:r>
+              <a:r>
+                <a:rPr lang="en-US" sz="1600" dirty="0" err="1">
+                  <a:solidFill>
+                    <a:srgbClr val="FFFFFF"/>
+                  </a:solidFill>
+                  <a:latin typeface="Microsoft YaHei" panose="020B0503020204020204" pitchFamily="34" charset="-122"/>
+                  <a:ea typeface="Microsoft YaHei" panose="020B0503020204020204" pitchFamily="34" charset="-122"/>
+                </a:rPr>
+                <a:t>trang</a:t>
+              </a:r>
+              <a:r>
+                <a:rPr lang="en-US" sz="1600" dirty="0">
+                  <a:solidFill>
+                    <a:srgbClr val="FFFFFF"/>
+                  </a:solidFill>
+                  <a:latin typeface="Microsoft YaHei" panose="020B0503020204020204" pitchFamily="34" charset="-122"/>
+                  <a:ea typeface="Microsoft YaHei" panose="020B0503020204020204" pitchFamily="34" charset="-122"/>
+                </a:rPr>
+                <a:t> web, </a:t>
+              </a:r>
+              <a:r>
+                <a:rPr lang="en-US" sz="1600" dirty="0" err="1">
+                  <a:solidFill>
+                    <a:srgbClr val="FFFFFF"/>
+                  </a:solidFill>
+                  <a:latin typeface="Microsoft YaHei" panose="020B0503020204020204" pitchFamily="34" charset="-122"/>
+                  <a:ea typeface="Microsoft YaHei" panose="020B0503020204020204" pitchFamily="34" charset="-122"/>
+                </a:rPr>
+                <a:t>những</a:t>
+              </a:r>
+              <a:r>
+                <a:rPr lang="en-US" sz="1600" dirty="0">
+                  <a:solidFill>
+                    <a:srgbClr val="FFFFFF"/>
+                  </a:solidFill>
+                  <a:latin typeface="Microsoft YaHei" panose="020B0503020204020204" pitchFamily="34" charset="-122"/>
+                  <a:ea typeface="Microsoft YaHei" panose="020B0503020204020204" pitchFamily="34" charset="-122"/>
+                </a:rPr>
+                <a:t> </a:t>
+              </a:r>
+              <a:r>
+                <a:rPr lang="en-US" sz="1600" dirty="0" err="1">
+                  <a:solidFill>
+                    <a:srgbClr val="FFFFFF"/>
+                  </a:solidFill>
+                  <a:latin typeface="Microsoft YaHei" panose="020B0503020204020204" pitchFamily="34" charset="-122"/>
+                  <a:ea typeface="Microsoft YaHei" panose="020B0503020204020204" pitchFamily="34" charset="-122"/>
+                </a:rPr>
+                <a:t>câu</a:t>
+              </a:r>
+              <a:r>
+                <a:rPr lang="en-US" sz="1600" dirty="0">
+                  <a:solidFill>
+                    <a:srgbClr val="FFFFFF"/>
+                  </a:solidFill>
+                  <a:latin typeface="Microsoft YaHei" panose="020B0503020204020204" pitchFamily="34" charset="-122"/>
+                  <a:ea typeface="Microsoft YaHei" panose="020B0503020204020204" pitchFamily="34" charset="-122"/>
+                </a:rPr>
+                <a:t> </a:t>
+              </a:r>
+              <a:r>
+                <a:rPr lang="en-US" sz="1600" dirty="0" err="1">
+                  <a:solidFill>
+                    <a:srgbClr val="FFFFFF"/>
+                  </a:solidFill>
+                  <a:latin typeface="Microsoft YaHei" panose="020B0503020204020204" pitchFamily="34" charset="-122"/>
+                  <a:ea typeface="Microsoft YaHei" panose="020B0503020204020204" pitchFamily="34" charset="-122"/>
+                </a:rPr>
+                <a:t>hỏi</a:t>
+              </a:r>
+              <a:r>
+                <a:rPr lang="en-US" sz="1600" dirty="0">
+                  <a:solidFill>
+                    <a:srgbClr val="FFFFFF"/>
+                  </a:solidFill>
+                  <a:latin typeface="Microsoft YaHei" panose="020B0503020204020204" pitchFamily="34" charset="-122"/>
+                  <a:ea typeface="Microsoft YaHei" panose="020B0503020204020204" pitchFamily="34" charset="-122"/>
+                </a:rPr>
+                <a:t> </a:t>
+              </a:r>
+              <a:r>
+                <a:rPr lang="en-US" sz="1600" dirty="0" err="1">
+                  <a:solidFill>
+                    <a:srgbClr val="FFFFFF"/>
+                  </a:solidFill>
+                  <a:latin typeface="Microsoft YaHei" panose="020B0503020204020204" pitchFamily="34" charset="-122"/>
+                  <a:ea typeface="Microsoft YaHei" panose="020B0503020204020204" pitchFamily="34" charset="-122"/>
+                </a:rPr>
+                <a:t>và</a:t>
+              </a:r>
+              <a:r>
+                <a:rPr lang="en-US" sz="1600" dirty="0">
+                  <a:solidFill>
+                    <a:srgbClr val="FFFFFF"/>
+                  </a:solidFill>
+                  <a:latin typeface="Microsoft YaHei" panose="020B0503020204020204" pitchFamily="34" charset="-122"/>
+                  <a:ea typeface="Microsoft YaHei" panose="020B0503020204020204" pitchFamily="34" charset="-122"/>
+                </a:rPr>
+                <a:t> </a:t>
+              </a:r>
+              <a:r>
+                <a:rPr lang="en-US" sz="1600" dirty="0" err="1">
+                  <a:solidFill>
+                    <a:srgbClr val="FFFFFF"/>
+                  </a:solidFill>
+                  <a:latin typeface="Microsoft YaHei" panose="020B0503020204020204" pitchFamily="34" charset="-122"/>
+                  <a:ea typeface="Microsoft YaHei" panose="020B0503020204020204" pitchFamily="34" charset="-122"/>
+                </a:rPr>
+                <a:t>đánh</a:t>
+              </a:r>
+              <a:r>
+                <a:rPr lang="en-US" sz="1600" dirty="0">
+                  <a:solidFill>
+                    <a:srgbClr val="FFFFFF"/>
+                  </a:solidFill>
+                  <a:latin typeface="Microsoft YaHei" panose="020B0503020204020204" pitchFamily="34" charset="-122"/>
+                  <a:ea typeface="Microsoft YaHei" panose="020B0503020204020204" pitchFamily="34" charset="-122"/>
+                </a:rPr>
+                <a:t> </a:t>
+              </a:r>
+              <a:r>
+                <a:rPr lang="en-US" sz="1600" dirty="0" err="1">
+                  <a:solidFill>
+                    <a:srgbClr val="FFFFFF"/>
+                  </a:solidFill>
+                  <a:latin typeface="Microsoft YaHei" panose="020B0503020204020204" pitchFamily="34" charset="-122"/>
+                  <a:ea typeface="Microsoft YaHei" panose="020B0503020204020204" pitchFamily="34" charset="-122"/>
+                </a:rPr>
+                <a:t>giá</a:t>
+              </a:r>
+              <a:r>
+                <a:rPr lang="en-US" sz="1600" dirty="0">
+                  <a:solidFill>
+                    <a:srgbClr val="FFFFFF"/>
+                  </a:solidFill>
+                  <a:latin typeface="Microsoft YaHei" panose="020B0503020204020204" pitchFamily="34" charset="-122"/>
+                  <a:ea typeface="Microsoft YaHei" panose="020B0503020204020204" pitchFamily="34" charset="-122"/>
+                </a:rPr>
+                <a:t> </a:t>
+              </a:r>
+              <a:r>
+                <a:rPr lang="en-US" sz="1600" dirty="0" err="1">
+                  <a:solidFill>
+                    <a:srgbClr val="FFFFFF"/>
+                  </a:solidFill>
+                  <a:latin typeface="Microsoft YaHei" panose="020B0503020204020204" pitchFamily="34" charset="-122"/>
+                  <a:ea typeface="Microsoft YaHei" panose="020B0503020204020204" pitchFamily="34" charset="-122"/>
+                </a:rPr>
+                <a:t>của</a:t>
+              </a:r>
+              <a:r>
+                <a:rPr lang="en-US" sz="1600" dirty="0">
+                  <a:solidFill>
+                    <a:srgbClr val="FFFFFF"/>
+                  </a:solidFill>
+                  <a:latin typeface="Microsoft YaHei" panose="020B0503020204020204" pitchFamily="34" charset="-122"/>
+                  <a:ea typeface="Microsoft YaHei" panose="020B0503020204020204" pitchFamily="34" charset="-122"/>
+                </a:rPr>
+                <a:t> </a:t>
+              </a:r>
+              <a:r>
+                <a:rPr lang="en-US" sz="1600" dirty="0" err="1">
+                  <a:solidFill>
+                    <a:srgbClr val="FFFFFF"/>
+                  </a:solidFill>
+                  <a:latin typeface="Microsoft YaHei" panose="020B0503020204020204" pitchFamily="34" charset="-122"/>
+                  <a:ea typeface="Microsoft YaHei" panose="020B0503020204020204" pitchFamily="34" charset="-122"/>
+                </a:rPr>
+                <a:t>khách</a:t>
+              </a:r>
+              <a:r>
+                <a:rPr lang="en-US" sz="1600" dirty="0">
+                  <a:solidFill>
+                    <a:srgbClr val="FFFFFF"/>
+                  </a:solidFill>
+                  <a:latin typeface="Microsoft YaHei" panose="020B0503020204020204" pitchFamily="34" charset="-122"/>
+                  <a:ea typeface="Microsoft YaHei" panose="020B0503020204020204" pitchFamily="34" charset="-122"/>
+                </a:rPr>
+                <a:t> </a:t>
+              </a:r>
+              <a:r>
+                <a:rPr lang="en-US" sz="1600" dirty="0" err="1">
+                  <a:solidFill>
+                    <a:srgbClr val="FFFFFF"/>
+                  </a:solidFill>
+                  <a:latin typeface="Microsoft YaHei" panose="020B0503020204020204" pitchFamily="34" charset="-122"/>
+                  <a:ea typeface="Microsoft YaHei" panose="020B0503020204020204" pitchFamily="34" charset="-122"/>
+                </a:rPr>
+                <a:t>hàng</a:t>
+              </a:r>
+              <a:r>
+                <a:rPr lang="en-US" sz="1600" dirty="0">
+                  <a:solidFill>
+                    <a:srgbClr val="FFFFFF"/>
+                  </a:solidFill>
+                  <a:latin typeface="Microsoft YaHei" panose="020B0503020204020204" pitchFamily="34" charset="-122"/>
+                  <a:ea typeface="Microsoft YaHei" panose="020B0503020204020204" pitchFamily="34" charset="-122"/>
+                </a:rPr>
+                <a:t> </a:t>
+              </a:r>
+              <a:r>
+                <a:rPr lang="en-US" sz="1600" dirty="0" err="1">
+                  <a:solidFill>
+                    <a:srgbClr val="FFFFFF"/>
+                  </a:solidFill>
+                  <a:latin typeface="Microsoft YaHei" panose="020B0503020204020204" pitchFamily="34" charset="-122"/>
+                  <a:ea typeface="Microsoft YaHei" panose="020B0503020204020204" pitchFamily="34" charset="-122"/>
+                </a:rPr>
+                <a:t>cũng</a:t>
+              </a:r>
+              <a:r>
+                <a:rPr lang="en-US" sz="1600" dirty="0">
+                  <a:solidFill>
+                    <a:srgbClr val="FFFFFF"/>
+                  </a:solidFill>
+                  <a:latin typeface="Microsoft YaHei" panose="020B0503020204020204" pitchFamily="34" charset="-122"/>
+                  <a:ea typeface="Microsoft YaHei" panose="020B0503020204020204" pitchFamily="34" charset="-122"/>
+                </a:rPr>
+                <a:t> </a:t>
+              </a:r>
+              <a:r>
+                <a:rPr lang="en-US" sz="1600" dirty="0" err="1">
+                  <a:solidFill>
+                    <a:srgbClr val="FFFFFF"/>
+                  </a:solidFill>
+                  <a:latin typeface="Microsoft YaHei" panose="020B0503020204020204" pitchFamily="34" charset="-122"/>
+                  <a:ea typeface="Microsoft YaHei" panose="020B0503020204020204" pitchFamily="34" charset="-122"/>
+                </a:rPr>
+                <a:t>như</a:t>
+              </a:r>
+              <a:r>
+                <a:rPr lang="en-US" sz="1600" dirty="0">
+                  <a:solidFill>
+                    <a:srgbClr val="FFFFFF"/>
+                  </a:solidFill>
+                  <a:latin typeface="Microsoft YaHei" panose="020B0503020204020204" pitchFamily="34" charset="-122"/>
+                  <a:ea typeface="Microsoft YaHei" panose="020B0503020204020204" pitchFamily="34" charset="-122"/>
+                </a:rPr>
+                <a:t> </a:t>
+              </a:r>
+              <a:r>
+                <a:rPr lang="en-US" sz="1600" dirty="0" err="1">
+                  <a:solidFill>
+                    <a:srgbClr val="FFFFFF"/>
+                  </a:solidFill>
+                  <a:latin typeface="Microsoft YaHei" panose="020B0503020204020204" pitchFamily="34" charset="-122"/>
+                  <a:ea typeface="Microsoft YaHei" panose="020B0503020204020204" pitchFamily="34" charset="-122"/>
+                </a:rPr>
+                <a:t>giải</a:t>
+              </a:r>
+              <a:r>
+                <a:rPr lang="en-US" sz="1600" dirty="0">
+                  <a:solidFill>
+                    <a:srgbClr val="FFFFFF"/>
+                  </a:solidFill>
+                  <a:latin typeface="Microsoft YaHei" panose="020B0503020204020204" pitchFamily="34" charset="-122"/>
+                  <a:ea typeface="Microsoft YaHei" panose="020B0503020204020204" pitchFamily="34" charset="-122"/>
+                </a:rPr>
+                <a:t> </a:t>
+              </a:r>
+              <a:r>
+                <a:rPr lang="en-US" sz="1600" dirty="0" err="1">
+                  <a:solidFill>
+                    <a:srgbClr val="FFFFFF"/>
+                  </a:solidFill>
+                  <a:latin typeface="Microsoft YaHei" panose="020B0503020204020204" pitchFamily="34" charset="-122"/>
+                  <a:ea typeface="Microsoft YaHei" panose="020B0503020204020204" pitchFamily="34" charset="-122"/>
+                </a:rPr>
+                <a:t>đáp</a:t>
+              </a:r>
+              <a:r>
+                <a:rPr lang="en-US" sz="1600" dirty="0">
+                  <a:solidFill>
+                    <a:srgbClr val="FFFFFF"/>
+                  </a:solidFill>
+                  <a:latin typeface="Microsoft YaHei" panose="020B0503020204020204" pitchFamily="34" charset="-122"/>
+                  <a:ea typeface="Microsoft YaHei" panose="020B0503020204020204" pitchFamily="34" charset="-122"/>
+                </a:rPr>
+                <a:t> </a:t>
+              </a:r>
+              <a:r>
+                <a:rPr lang="en-US" sz="1600" dirty="0" err="1">
+                  <a:solidFill>
+                    <a:srgbClr val="FFFFFF"/>
+                  </a:solidFill>
+                  <a:latin typeface="Microsoft YaHei" panose="020B0503020204020204" pitchFamily="34" charset="-122"/>
+                  <a:ea typeface="Microsoft YaHei" panose="020B0503020204020204" pitchFamily="34" charset="-122"/>
+                </a:rPr>
+                <a:t>thắc</a:t>
+              </a:r>
+              <a:r>
+                <a:rPr lang="en-US" sz="1600" dirty="0">
+                  <a:solidFill>
+                    <a:srgbClr val="FFFFFF"/>
+                  </a:solidFill>
+                  <a:latin typeface="Microsoft YaHei" panose="020B0503020204020204" pitchFamily="34" charset="-122"/>
+                  <a:ea typeface="Microsoft YaHei" panose="020B0503020204020204" pitchFamily="34" charset="-122"/>
+                </a:rPr>
+                <a:t> </a:t>
+              </a:r>
+              <a:r>
+                <a:rPr lang="en-US" sz="1600" dirty="0" err="1">
+                  <a:solidFill>
+                    <a:srgbClr val="FFFFFF"/>
+                  </a:solidFill>
+                  <a:latin typeface="Microsoft YaHei" panose="020B0503020204020204" pitchFamily="34" charset="-122"/>
+                  <a:ea typeface="Microsoft YaHei" panose="020B0503020204020204" pitchFamily="34" charset="-122"/>
+                </a:rPr>
+                <a:t>mắc</a:t>
+              </a:r>
+              <a:r>
+                <a:rPr lang="en-US" sz="1600" dirty="0">
+                  <a:solidFill>
+                    <a:srgbClr val="FFFFFF"/>
+                  </a:solidFill>
+                  <a:latin typeface="Microsoft YaHei" panose="020B0503020204020204" pitchFamily="34" charset="-122"/>
+                  <a:ea typeface="Microsoft YaHei" panose="020B0503020204020204" pitchFamily="34" charset="-122"/>
+                </a:rPr>
+                <a:t> </a:t>
+              </a:r>
+              <a:r>
+                <a:rPr lang="en-US" sz="1600" dirty="0" err="1">
+                  <a:solidFill>
+                    <a:srgbClr val="FFFFFF"/>
+                  </a:solidFill>
+                  <a:latin typeface="Microsoft YaHei" panose="020B0503020204020204" pitchFamily="34" charset="-122"/>
+                  <a:ea typeface="Microsoft YaHei" panose="020B0503020204020204" pitchFamily="34" charset="-122"/>
+                </a:rPr>
+                <a:t>về</a:t>
+              </a:r>
+              <a:r>
+                <a:rPr lang="en-US" sz="1600" dirty="0">
+                  <a:solidFill>
+                    <a:srgbClr val="FFFFFF"/>
+                  </a:solidFill>
+                  <a:latin typeface="Microsoft YaHei" panose="020B0503020204020204" pitchFamily="34" charset="-122"/>
+                  <a:ea typeface="Microsoft YaHei" panose="020B0503020204020204" pitchFamily="34" charset="-122"/>
+                </a:rPr>
+                <a:t> </a:t>
+              </a:r>
+              <a:r>
+                <a:rPr lang="en-US" sz="1600" dirty="0" err="1">
+                  <a:solidFill>
+                    <a:srgbClr val="FFFFFF"/>
+                  </a:solidFill>
+                  <a:latin typeface="Microsoft YaHei" panose="020B0503020204020204" pitchFamily="34" charset="-122"/>
+                  <a:ea typeface="Microsoft YaHei" panose="020B0503020204020204" pitchFamily="34" charset="-122"/>
+                </a:rPr>
+                <a:t>dịch</a:t>
+              </a:r>
+              <a:r>
+                <a:rPr lang="en-US" sz="1600" dirty="0">
+                  <a:solidFill>
+                    <a:srgbClr val="FFFFFF"/>
+                  </a:solidFill>
+                  <a:latin typeface="Microsoft YaHei" panose="020B0503020204020204" pitchFamily="34" charset="-122"/>
+                  <a:ea typeface="Microsoft YaHei" panose="020B0503020204020204" pitchFamily="34" charset="-122"/>
+                </a:rPr>
+                <a:t> </a:t>
+              </a:r>
+              <a:r>
+                <a:rPr lang="en-US" sz="1600" dirty="0" err="1">
+                  <a:solidFill>
+                    <a:srgbClr val="FFFFFF"/>
+                  </a:solidFill>
+                  <a:latin typeface="Microsoft YaHei" panose="020B0503020204020204" pitchFamily="34" charset="-122"/>
+                  <a:ea typeface="Microsoft YaHei" panose="020B0503020204020204" pitchFamily="34" charset="-122"/>
+                </a:rPr>
+                <a:t>vụ</a:t>
+              </a:r>
+              <a:r>
+                <a:rPr lang="en-US" sz="1600" dirty="0">
+                  <a:solidFill>
+                    <a:srgbClr val="FFFFFF"/>
+                  </a:solidFill>
+                  <a:latin typeface="Microsoft YaHei" panose="020B0503020204020204" pitchFamily="34" charset="-122"/>
+                  <a:ea typeface="Microsoft YaHei" panose="020B0503020204020204" pitchFamily="34" charset="-122"/>
+                </a:rPr>
+                <a:t> </a:t>
+              </a:r>
+              <a:r>
+                <a:rPr lang="en-US" sz="1600" dirty="0" err="1">
+                  <a:solidFill>
+                    <a:srgbClr val="FFFFFF"/>
+                  </a:solidFill>
+                  <a:latin typeface="Microsoft YaHei" panose="020B0503020204020204" pitchFamily="34" charset="-122"/>
+                  <a:ea typeface="Microsoft YaHei" panose="020B0503020204020204" pitchFamily="34" charset="-122"/>
+                </a:rPr>
+                <a:t>ngoài</a:t>
+              </a:r>
+              <a:r>
+                <a:rPr lang="en-US" sz="1600" dirty="0">
+                  <a:solidFill>
+                    <a:srgbClr val="FFFFFF"/>
+                  </a:solidFill>
+                  <a:latin typeface="Microsoft YaHei" panose="020B0503020204020204" pitchFamily="34" charset="-122"/>
+                  <a:ea typeface="Microsoft YaHei" panose="020B0503020204020204" pitchFamily="34" charset="-122"/>
+                </a:rPr>
+                <a:t>.</a:t>
+              </a:r>
             </a:p>
           </p:txBody>
         </p:sp>
@@ -7169,6 +7762,7 @@
           <a:bodyPr wrap="none" anchor="t" anchorCtr="0">
             <a:spAutoFit/>
           </a:bodyPr>
+          <a:lstStyle/>
           <a:p>
             <a:r>
               <a:rPr lang="en-US" altLang="zh-CN" sz="2400" b="1" dirty="0">
@@ -7180,13 +7774,6 @@
               </a:rPr>
               <a:t>Giới thiệu về website:	</a:t>
             </a:r>
-            <a:endParaRPr lang="en-US" altLang="zh-CN" sz="2400" b="1" dirty="0">
-              <a:solidFill>
-                <a:srgbClr val="FFFFFF"/>
-              </a:solidFill>
-              <a:latin typeface="Microsoft YaHei" panose="020B0503020204020204" pitchFamily="34" charset="-122"/>
-              <a:ea typeface="Microsoft YaHei" panose="020B0503020204020204" pitchFamily="34" charset="-122"/>
-            </a:endParaRPr>
           </a:p>
         </p:txBody>
       </p:sp>
@@ -7198,7 +7785,7 @@
         </p:nvSpPr>
         <p:spPr>
           <a:xfrm>
-            <a:off x="8340725" y="5133340"/>
+            <a:off x="8303418" y="5358346"/>
             <a:ext cx="3773170" cy="829945"/>
           </a:xfrm>
           <a:prstGeom prst="rect">
@@ -7213,6 +7800,7 @@
           <a:bodyPr wrap="square" anchor="t" anchorCtr="0">
             <a:spAutoFit/>
           </a:bodyPr>
+          <a:lstStyle/>
           <a:p>
             <a:r>
               <a:rPr lang="en-US" sz="1600" b="1" dirty="0">
@@ -7243,13 +7831,6 @@
               </a:rPr>
               <a:t>https://phucbinh1609.github.io/FoodEats/</a:t>
             </a:r>
-            <a:endParaRPr lang="en-US" sz="1600" dirty="0">
-              <a:solidFill>
-                <a:srgbClr val="FFFFFF"/>
-              </a:solidFill>
-              <a:latin typeface="Microsoft YaHei" panose="020B0503020204020204" pitchFamily="34" charset="-122"/>
-              <a:ea typeface="Microsoft YaHei" panose="020B0503020204020204" pitchFamily="34" charset="-122"/>
-            </a:endParaRPr>
           </a:p>
         </p:txBody>
       </p:sp>
@@ -7264,13 +7845,2248 @@
 <file path=ppt/slides/slide6.xml><?xml version="1.0" encoding="utf-8"?>
 <p:sld xmlns:a="http://schemas.openxmlformats.org/drawingml/2006/main" xmlns:r="http://schemas.openxmlformats.org/officeDocument/2006/relationships" xmlns:p="http://schemas.openxmlformats.org/presentationml/2006/main">
   <p:cSld>
+    <p:bg>
+      <p:bgPr>
+        <a:gradFill>
+          <a:gsLst>
+            <a:gs pos="80000">
+              <a:schemeClr val="accent4">
+                <a:lumMod val="60000"/>
+                <a:lumOff val="40000"/>
+              </a:schemeClr>
+            </a:gs>
+            <a:gs pos="0">
+              <a:schemeClr val="accent1">
+                <a:lumMod val="5000"/>
+                <a:lumOff val="95000"/>
+              </a:schemeClr>
+            </a:gs>
+            <a:gs pos="60000">
+              <a:srgbClr val="FF0000"/>
+            </a:gs>
+            <a:gs pos="88107">
+              <a:srgbClr val="C7DDF0"/>
+            </a:gs>
+            <a:gs pos="20000">
+              <a:schemeClr val="accent1">
+                <a:lumMod val="45000"/>
+                <a:lumOff val="55000"/>
+              </a:schemeClr>
+            </a:gs>
+            <a:gs pos="100000">
+              <a:schemeClr val="accent1">
+                <a:lumMod val="30000"/>
+                <a:lumOff val="70000"/>
+              </a:schemeClr>
+            </a:gs>
+          </a:gsLst>
+          <a:lin ang="5400000" scaled="1"/>
+        </a:gradFill>
+        <a:effectLst/>
+      </p:bgPr>
+    </p:bg>
     <p:spTree>
       <p:nvGrpSpPr>
         <p:cNvPr id="1" name=""/>
         <p:cNvGrpSpPr/>
         <p:nvPr/>
       </p:nvGrpSpPr>
-      <p:grpSpPr/>
+      <p:grpSpPr>
+        <a:xfrm>
+          <a:off x="0" y="0"/>
+          <a:ext cx="0" cy="0"/>
+          <a:chOff x="0" y="0"/>
+          <a:chExt cx="0" cy="0"/>
+        </a:xfrm>
+      </p:grpSpPr>
+      <p:sp>
+        <p:nvSpPr>
+          <p:cNvPr id="11" name="任意多边形 10">
+            <a:extLst>
+              <a:ext uri="{FF2B5EF4-FFF2-40B4-BE49-F238E27FC236}">
+                <a16:creationId xmlns:a16="http://schemas.microsoft.com/office/drawing/2014/main" id="{C084289D-55AC-2F42-D4DE-9B0732AAED45}"/>
+              </a:ext>
+            </a:extLst>
+          </p:cNvPr>
+          <p:cNvSpPr/>
+          <p:nvPr/>
+        </p:nvSpPr>
+        <p:spPr>
+          <a:xfrm rot="5400000">
+            <a:off x="3809248" y="4495443"/>
+            <a:ext cx="346855" cy="409575"/>
+          </a:xfrm>
+          <a:custGeom>
+            <a:avLst/>
+            <a:gdLst>
+              <a:gd name="connsiteX0" fmla="*/ 0 w 269920"/>
+              <a:gd name="connsiteY0" fmla="*/ 409575 h 409575"/>
+              <a:gd name="connsiteX1" fmla="*/ 0 w 269920"/>
+              <a:gd name="connsiteY1" fmla="*/ 0 h 409575"/>
+              <a:gd name="connsiteX2" fmla="*/ 261445 w 269920"/>
+              <a:gd name="connsiteY2" fmla="*/ 255503 h 409575"/>
+              <a:gd name="connsiteX3" fmla="*/ 269920 w 269920"/>
+              <a:gd name="connsiteY3" fmla="*/ 409575 h 409575"/>
+            </a:gdLst>
+            <a:ahLst/>
+            <a:cxnLst>
+              <a:cxn ang="0">
+                <a:pos x="connsiteX0" y="connsiteY0"/>
+              </a:cxn>
+              <a:cxn ang="0">
+                <a:pos x="connsiteX1" y="connsiteY1"/>
+              </a:cxn>
+              <a:cxn ang="0">
+                <a:pos x="connsiteX2" y="connsiteY2"/>
+              </a:cxn>
+              <a:cxn ang="0">
+                <a:pos x="connsiteX3" y="connsiteY3"/>
+              </a:cxn>
+            </a:cxnLst>
+            <a:rect l="l" t="t" r="r" b="b"/>
+            <a:pathLst>
+              <a:path w="269920" h="409575">
+                <a:moveTo>
+                  <a:pt x="0" y="409575"/>
+                </a:moveTo>
+                <a:lnTo>
+                  <a:pt x="0" y="0"/>
+                </a:lnTo>
+                <a:lnTo>
+                  <a:pt x="261445" y="255503"/>
+                </a:lnTo>
+                <a:lnTo>
+                  <a:pt x="269920" y="409575"/>
+                </a:lnTo>
+                <a:close/>
+              </a:path>
+            </a:pathLst>
+          </a:custGeom>
+          <a:solidFill>
+            <a:schemeClr val="tx1">
+              <a:lumMod val="95000"/>
+              <a:lumOff val="5000"/>
+            </a:schemeClr>
+          </a:solidFill>
+          <a:ln>
+            <a:noFill/>
+          </a:ln>
+        </p:spPr>
+        <p:style>
+          <a:lnRef idx="2">
+            <a:schemeClr val="accent1">
+              <a:shade val="50000"/>
+            </a:schemeClr>
+          </a:lnRef>
+          <a:fillRef idx="1">
+            <a:schemeClr val="accent1"/>
+          </a:fillRef>
+          <a:effectRef idx="0">
+            <a:schemeClr val="accent1"/>
+          </a:effectRef>
+          <a:fontRef idx="minor">
+            <a:schemeClr val="lt1"/>
+          </a:fontRef>
+        </p:style>
+        <p:txBody>
+          <a:bodyPr anchor="ctr"/>
+          <a:lstStyle/>
+          <a:p>
+            <a:pPr marL="0" marR="0" lvl="0" indent="0" algn="ctr" defTabSz="914400" rtl="0" eaLnBrk="1" fontAlgn="auto" latinLnBrk="0" hangingPunct="1">
+              <a:lnSpc>
+                <a:spcPct val="100000"/>
+              </a:lnSpc>
+              <a:spcBef>
+                <a:spcPts val="0"/>
+              </a:spcBef>
+              <a:spcAft>
+                <a:spcPts val="0"/>
+              </a:spcAft>
+              <a:buClrTx/>
+              <a:buSzTx/>
+              <a:buFontTx/>
+              <a:buNone/>
+              <a:defRPr/>
+            </a:pPr>
+            <a:endParaRPr kumimoji="0" lang="zh-CN" altLang="en-US" sz="1800" b="0" i="0" u="none" strike="noStrike" kern="1200" cap="none" spc="0" normalizeH="0" baseline="0" noProof="0">
+              <a:ln>
+                <a:noFill/>
+              </a:ln>
+              <a:solidFill>
+                <a:schemeClr val="lt1"/>
+              </a:solidFill>
+              <a:effectLst/>
+              <a:uLnTx/>
+              <a:uFillTx/>
+              <a:latin typeface="+mn-lt"/>
+              <a:ea typeface="+mn-ea"/>
+              <a:cs typeface="+mn-cs"/>
+            </a:endParaRPr>
+          </a:p>
+        </p:txBody>
+      </p:sp>
+      <p:sp>
+        <p:nvSpPr>
+          <p:cNvPr id="12" name="矩形 1">
+            <a:extLst>
+              <a:ext uri="{FF2B5EF4-FFF2-40B4-BE49-F238E27FC236}">
+                <a16:creationId xmlns:a16="http://schemas.microsoft.com/office/drawing/2014/main" id="{A1DC1BEB-3F8D-D7E2-CFA6-7A9C361C8F65}"/>
+              </a:ext>
+            </a:extLst>
+          </p:cNvPr>
+          <p:cNvSpPr/>
+          <p:nvPr/>
+        </p:nvSpPr>
+        <p:spPr>
+          <a:xfrm>
+            <a:off x="0" y="1084866"/>
+            <a:ext cx="12192000" cy="3427357"/>
+          </a:xfrm>
+          <a:prstGeom prst="rect">
+            <a:avLst/>
+          </a:prstGeom>
+          <a:solidFill>
+            <a:srgbClr val="F8941C"/>
+          </a:solidFill>
+          <a:ln>
+            <a:noFill/>
+          </a:ln>
+        </p:spPr>
+        <p:style>
+          <a:lnRef idx="2">
+            <a:schemeClr val="accent1">
+              <a:shade val="50000"/>
+            </a:schemeClr>
+          </a:lnRef>
+          <a:fillRef idx="1">
+            <a:schemeClr val="accent1"/>
+          </a:fillRef>
+          <a:effectRef idx="0">
+            <a:schemeClr val="accent1"/>
+          </a:effectRef>
+          <a:fontRef idx="minor">
+            <a:schemeClr val="lt1"/>
+          </a:fontRef>
+        </p:style>
+        <p:txBody>
+          <a:bodyPr anchor="ctr"/>
+          <a:lstStyle/>
+          <a:p>
+            <a:pPr marL="0" marR="0" lvl="0" indent="0" algn="ctr" defTabSz="914400" rtl="0" eaLnBrk="1" fontAlgn="auto" latinLnBrk="0" hangingPunct="1">
+              <a:lnSpc>
+                <a:spcPct val="100000"/>
+              </a:lnSpc>
+              <a:spcBef>
+                <a:spcPts val="0"/>
+              </a:spcBef>
+              <a:spcAft>
+                <a:spcPts val="0"/>
+              </a:spcAft>
+              <a:buClrTx/>
+              <a:buSzTx/>
+              <a:buFontTx/>
+              <a:buNone/>
+              <a:defRPr/>
+            </a:pPr>
+            <a:endParaRPr kumimoji="0" lang="zh-CN" altLang="en-US" sz="1800" b="0" i="0" u="none" strike="noStrike" kern="1200" cap="none" spc="0" normalizeH="0" baseline="0" noProof="0">
+              <a:ln>
+                <a:noFill/>
+              </a:ln>
+              <a:solidFill>
+                <a:schemeClr val="lt1"/>
+              </a:solidFill>
+              <a:effectLst/>
+              <a:uLnTx/>
+              <a:uFillTx/>
+              <a:latin typeface="+mn-lt"/>
+              <a:ea typeface="+mn-ea"/>
+              <a:cs typeface="+mn-cs"/>
+            </a:endParaRPr>
+          </a:p>
+        </p:txBody>
+      </p:sp>
+      <p:sp>
+        <p:nvSpPr>
+          <p:cNvPr id="20" name="直角三角形 2">
+            <a:extLst>
+              <a:ext uri="{FF2B5EF4-FFF2-40B4-BE49-F238E27FC236}">
+                <a16:creationId xmlns:a16="http://schemas.microsoft.com/office/drawing/2014/main" id="{26AEC14C-18A8-D73F-8240-38A3B013F85A}"/>
+              </a:ext>
+            </a:extLst>
+          </p:cNvPr>
+          <p:cNvSpPr/>
+          <p:nvPr/>
+        </p:nvSpPr>
+        <p:spPr>
+          <a:xfrm>
+            <a:off x="2935762" y="675293"/>
+            <a:ext cx="419100" cy="409575"/>
+          </a:xfrm>
+          <a:prstGeom prst="rtTriangle">
+            <a:avLst/>
+          </a:prstGeom>
+          <a:solidFill>
+            <a:schemeClr val="tx1">
+              <a:lumMod val="95000"/>
+              <a:lumOff val="5000"/>
+            </a:schemeClr>
+          </a:solidFill>
+          <a:ln>
+            <a:noFill/>
+          </a:ln>
+        </p:spPr>
+        <p:style>
+          <a:lnRef idx="2">
+            <a:schemeClr val="accent1">
+              <a:shade val="50000"/>
+            </a:schemeClr>
+          </a:lnRef>
+          <a:fillRef idx="1">
+            <a:schemeClr val="accent1"/>
+          </a:fillRef>
+          <a:effectRef idx="0">
+            <a:schemeClr val="accent1"/>
+          </a:effectRef>
+          <a:fontRef idx="minor">
+            <a:schemeClr val="lt1"/>
+          </a:fontRef>
+        </p:style>
+        <p:txBody>
+          <a:bodyPr anchor="ctr"/>
+          <a:lstStyle/>
+          <a:p>
+            <a:pPr marL="0" marR="0" lvl="0" indent="0" algn="ctr" defTabSz="914400" rtl="0" eaLnBrk="1" fontAlgn="auto" latinLnBrk="0" hangingPunct="1">
+              <a:lnSpc>
+                <a:spcPct val="100000"/>
+              </a:lnSpc>
+              <a:spcBef>
+                <a:spcPts val="0"/>
+              </a:spcBef>
+              <a:spcAft>
+                <a:spcPts val="0"/>
+              </a:spcAft>
+              <a:buClrTx/>
+              <a:buSzTx/>
+              <a:buFontTx/>
+              <a:buNone/>
+              <a:defRPr/>
+            </a:pPr>
+            <a:endParaRPr kumimoji="0" lang="zh-CN" altLang="en-US" sz="1800" b="0" i="0" u="none" strike="noStrike" kern="1200" cap="none" spc="0" normalizeH="0" baseline="0" noProof="0">
+              <a:ln>
+                <a:noFill/>
+              </a:ln>
+              <a:solidFill>
+                <a:schemeClr val="lt1"/>
+              </a:solidFill>
+              <a:effectLst/>
+              <a:uLnTx/>
+              <a:uFillTx/>
+              <a:latin typeface="+mn-lt"/>
+              <a:ea typeface="+mn-ea"/>
+              <a:cs typeface="+mn-cs"/>
+            </a:endParaRPr>
+          </a:p>
+        </p:txBody>
+      </p:sp>
+      <p:sp>
+        <p:nvSpPr>
+          <p:cNvPr id="13" name="矩形 7">
+            <a:extLst>
+              <a:ext uri="{FF2B5EF4-FFF2-40B4-BE49-F238E27FC236}">
+                <a16:creationId xmlns:a16="http://schemas.microsoft.com/office/drawing/2014/main" id="{1D0C6487-33C5-DF54-DCF7-DD3F7FF23DD9}"/>
+              </a:ext>
+            </a:extLst>
+          </p:cNvPr>
+          <p:cNvSpPr/>
+          <p:nvPr/>
+        </p:nvSpPr>
+        <p:spPr>
+          <a:xfrm>
+            <a:off x="821014" y="675293"/>
+            <a:ext cx="3076575" cy="4198365"/>
+          </a:xfrm>
+          <a:custGeom>
+            <a:avLst/>
+            <a:gdLst>
+              <a:gd name="connsiteX0" fmla="*/ 0 w 3076575"/>
+              <a:gd name="connsiteY0" fmla="*/ 0 h 3381375"/>
+              <a:gd name="connsiteX1" fmla="*/ 3076575 w 3076575"/>
+              <a:gd name="connsiteY1" fmla="*/ 0 h 3381375"/>
+              <a:gd name="connsiteX2" fmla="*/ 3076575 w 3076575"/>
+              <a:gd name="connsiteY2" fmla="*/ 3381375 h 3381375"/>
+              <a:gd name="connsiteX3" fmla="*/ 0 w 3076575"/>
+              <a:gd name="connsiteY3" fmla="*/ 3381375 h 3381375"/>
+              <a:gd name="connsiteX4" fmla="*/ 0 w 3076575"/>
+              <a:gd name="connsiteY4" fmla="*/ 0 h 3381375"/>
+              <a:gd name="connsiteX0-1" fmla="*/ 0 w 3076575"/>
+              <a:gd name="connsiteY0-2" fmla="*/ 0 h 3381375"/>
+              <a:gd name="connsiteX1-3" fmla="*/ 2143125 w 3076575"/>
+              <a:gd name="connsiteY1-4" fmla="*/ 9525 h 3381375"/>
+              <a:gd name="connsiteX2-5" fmla="*/ 3076575 w 3076575"/>
+              <a:gd name="connsiteY2-6" fmla="*/ 3381375 h 3381375"/>
+              <a:gd name="connsiteX3-7" fmla="*/ 0 w 3076575"/>
+              <a:gd name="connsiteY3-8" fmla="*/ 3381375 h 3381375"/>
+              <a:gd name="connsiteX4-9" fmla="*/ 0 w 3076575"/>
+              <a:gd name="connsiteY4-10" fmla="*/ 0 h 3381375"/>
+            </a:gdLst>
+            <a:ahLst/>
+            <a:cxnLst>
+              <a:cxn ang="0">
+                <a:pos x="connsiteX0-1" y="connsiteY0-2"/>
+              </a:cxn>
+              <a:cxn ang="0">
+                <a:pos x="connsiteX1-3" y="connsiteY1-4"/>
+              </a:cxn>
+              <a:cxn ang="0">
+                <a:pos x="connsiteX2-5" y="connsiteY2-6"/>
+              </a:cxn>
+              <a:cxn ang="0">
+                <a:pos x="connsiteX3-7" y="connsiteY3-8"/>
+              </a:cxn>
+              <a:cxn ang="0">
+                <a:pos x="connsiteX4-9" y="connsiteY4-10"/>
+              </a:cxn>
+            </a:cxnLst>
+            <a:rect l="l" t="t" r="r" b="b"/>
+            <a:pathLst>
+              <a:path w="3076575" h="3381375">
+                <a:moveTo>
+                  <a:pt x="0" y="0"/>
+                </a:moveTo>
+                <a:lnTo>
+                  <a:pt x="2143125" y="9525"/>
+                </a:lnTo>
+                <a:lnTo>
+                  <a:pt x="3076575" y="3381375"/>
+                </a:lnTo>
+                <a:lnTo>
+                  <a:pt x="0" y="3381375"/>
+                </a:lnTo>
+                <a:lnTo>
+                  <a:pt x="0" y="0"/>
+                </a:lnTo>
+                <a:close/>
+              </a:path>
+            </a:pathLst>
+          </a:custGeom>
+          <a:solidFill>
+            <a:srgbClr val="353F48"/>
+          </a:solidFill>
+          <a:ln>
+            <a:noFill/>
+          </a:ln>
+        </p:spPr>
+        <p:style>
+          <a:lnRef idx="2">
+            <a:schemeClr val="accent1">
+              <a:shade val="50000"/>
+            </a:schemeClr>
+          </a:lnRef>
+          <a:fillRef idx="1">
+            <a:schemeClr val="accent1"/>
+          </a:fillRef>
+          <a:effectRef idx="0">
+            <a:schemeClr val="accent1"/>
+          </a:effectRef>
+          <a:fontRef idx="minor">
+            <a:schemeClr val="lt1"/>
+          </a:fontRef>
+        </p:style>
+        <p:txBody>
+          <a:bodyPr anchor="ctr"/>
+          <a:lstStyle/>
+          <a:p>
+            <a:pPr marL="0" marR="0" lvl="0" indent="0" algn="ctr" defTabSz="914400" rtl="0" eaLnBrk="1" fontAlgn="auto" latinLnBrk="0" hangingPunct="1">
+              <a:lnSpc>
+                <a:spcPct val="100000"/>
+              </a:lnSpc>
+              <a:spcBef>
+                <a:spcPts val="0"/>
+              </a:spcBef>
+              <a:spcAft>
+                <a:spcPts val="0"/>
+              </a:spcAft>
+              <a:buClrTx/>
+              <a:buSzTx/>
+              <a:buFontTx/>
+              <a:buNone/>
+              <a:defRPr/>
+            </a:pPr>
+            <a:endParaRPr kumimoji="0" lang="zh-CN" altLang="en-US" sz="1800" b="0" i="0" u="none" strike="noStrike" kern="1200" cap="none" spc="0" normalizeH="0" baseline="0" noProof="0" dirty="0">
+              <a:ln>
+                <a:noFill/>
+              </a:ln>
+              <a:solidFill>
+                <a:schemeClr val="lt1"/>
+              </a:solidFill>
+              <a:effectLst/>
+              <a:uLnTx/>
+              <a:uFillTx/>
+              <a:latin typeface="+mn-lt"/>
+              <a:ea typeface="+mn-ea"/>
+              <a:cs typeface="+mn-cs"/>
+            </a:endParaRPr>
+          </a:p>
+        </p:txBody>
+      </p:sp>
+      <p:sp>
+        <p:nvSpPr>
+          <p:cNvPr id="21" name="Oval 20">
+            <a:extLst>
+              <a:ext uri="{FF2B5EF4-FFF2-40B4-BE49-F238E27FC236}">
+                <a16:creationId xmlns:a16="http://schemas.microsoft.com/office/drawing/2014/main" id="{7125E5CA-C737-ACBA-A2AC-91CCFE6EE024}"/>
+              </a:ext>
+            </a:extLst>
+          </p:cNvPr>
+          <p:cNvSpPr/>
+          <p:nvPr/>
+        </p:nvSpPr>
+        <p:spPr>
+          <a:xfrm>
+            <a:off x="1696822" y="1669182"/>
+            <a:ext cx="829559" cy="772998"/>
+          </a:xfrm>
+          <a:prstGeom prst="ellipse">
+            <a:avLst/>
+          </a:prstGeom>
+          <a:noFill/>
+          <a:ln w="76200">
+            <a:solidFill>
+              <a:schemeClr val="bg1">
+                <a:lumMod val="95000"/>
+              </a:schemeClr>
+            </a:solidFill>
+          </a:ln>
+        </p:spPr>
+        <p:style>
+          <a:lnRef idx="2">
+            <a:schemeClr val="accent1">
+              <a:shade val="15000"/>
+            </a:schemeClr>
+          </a:lnRef>
+          <a:fillRef idx="1">
+            <a:schemeClr val="accent1"/>
+          </a:fillRef>
+          <a:effectRef idx="0">
+            <a:schemeClr val="accent1"/>
+          </a:effectRef>
+          <a:fontRef idx="minor">
+            <a:schemeClr val="lt1"/>
+          </a:fontRef>
+        </p:style>
+        <p:txBody>
+          <a:bodyPr rtlCol="0" anchor="ctr"/>
+          <a:lstStyle/>
+          <a:p>
+            <a:pPr algn="ctr"/>
+            <a:endParaRPr lang="en-US">
+              <a:solidFill>
+                <a:schemeClr val="tx1"/>
+              </a:solidFill>
+            </a:endParaRPr>
+          </a:p>
+        </p:txBody>
+      </p:sp>
+      <p:sp>
+        <p:nvSpPr>
+          <p:cNvPr id="22" name="Flowchart: Delay 21">
+            <a:extLst>
+              <a:ext uri="{FF2B5EF4-FFF2-40B4-BE49-F238E27FC236}">
+                <a16:creationId xmlns:a16="http://schemas.microsoft.com/office/drawing/2014/main" id="{C696586F-09C4-C255-B0BA-2A3554E6304C}"/>
+              </a:ext>
+            </a:extLst>
+          </p:cNvPr>
+          <p:cNvSpPr/>
+          <p:nvPr/>
+        </p:nvSpPr>
+        <p:spPr>
+          <a:xfrm rot="16200000">
+            <a:off x="1637959" y="2469239"/>
+            <a:ext cx="947283" cy="1114509"/>
+          </a:xfrm>
+          <a:prstGeom prst="flowChartDelay">
+            <a:avLst/>
+          </a:prstGeom>
+          <a:noFill/>
+          <a:ln w="76200">
+            <a:solidFill>
+              <a:schemeClr val="bg1">
+                <a:lumMod val="95000"/>
+              </a:schemeClr>
+            </a:solidFill>
+          </a:ln>
+        </p:spPr>
+        <p:style>
+          <a:lnRef idx="2">
+            <a:schemeClr val="accent1">
+              <a:shade val="15000"/>
+            </a:schemeClr>
+          </a:lnRef>
+          <a:fillRef idx="1">
+            <a:schemeClr val="accent1"/>
+          </a:fillRef>
+          <a:effectRef idx="0">
+            <a:schemeClr val="accent1"/>
+          </a:effectRef>
+          <a:fontRef idx="minor">
+            <a:schemeClr val="lt1"/>
+          </a:fontRef>
+        </p:style>
+        <p:txBody>
+          <a:bodyPr rtlCol="0" anchor="ctr"/>
+          <a:lstStyle/>
+          <a:p>
+            <a:pPr algn="ctr"/>
+            <a:endParaRPr lang="en-US"/>
+          </a:p>
+        </p:txBody>
+      </p:sp>
+      <p:sp>
+        <p:nvSpPr>
+          <p:cNvPr id="24" name="文本框 128">
+            <a:extLst>
+              <a:ext uri="{FF2B5EF4-FFF2-40B4-BE49-F238E27FC236}">
+                <a16:creationId xmlns:a16="http://schemas.microsoft.com/office/drawing/2014/main" id="{6DC2F93C-F8B9-EB59-2EBC-2CFCCDF58DFA}"/>
+              </a:ext>
+            </a:extLst>
+          </p:cNvPr>
+          <p:cNvSpPr txBox="1"/>
+          <p:nvPr/>
+        </p:nvSpPr>
+        <p:spPr>
+          <a:xfrm>
+            <a:off x="4718603" y="1253683"/>
+            <a:ext cx="7227652" cy="830997"/>
+          </a:xfrm>
+          <a:prstGeom prst="rect">
+            <a:avLst/>
+          </a:prstGeom>
+          <a:noFill/>
+          <a:ln w="9525">
+            <a:noFill/>
+          </a:ln>
+        </p:spPr>
+        <p:txBody>
+          <a:bodyPr wrap="square" anchor="t" anchorCtr="0">
+            <a:spAutoFit/>
+          </a:bodyPr>
+          <a:lstStyle/>
+          <a:p>
+            <a:r>
+              <a:rPr lang="en-US" altLang="zh-CN" sz="4800" b="1" dirty="0" err="1">
+                <a:solidFill>
+                  <a:schemeClr val="bg1"/>
+                </a:solidFill>
+                <a:latin typeface="Microsoft YaHei" panose="020B0503020204020204" pitchFamily="34" charset="-122"/>
+                <a:ea typeface="Microsoft YaHei" panose="020B0503020204020204" pitchFamily="34" charset="-122"/>
+              </a:rPr>
+              <a:t>Đối</a:t>
+            </a:r>
+            <a:r>
+              <a:rPr lang="en-US" altLang="zh-CN" sz="4800" b="1" dirty="0">
+                <a:solidFill>
+                  <a:schemeClr val="bg1"/>
+                </a:solidFill>
+                <a:latin typeface="Microsoft YaHei" panose="020B0503020204020204" pitchFamily="34" charset="-122"/>
+                <a:ea typeface="Microsoft YaHei" panose="020B0503020204020204" pitchFamily="34" charset="-122"/>
+              </a:rPr>
+              <a:t> </a:t>
+            </a:r>
+            <a:r>
+              <a:rPr lang="en-US" altLang="zh-CN" sz="4800" b="1" dirty="0" err="1">
+                <a:solidFill>
+                  <a:schemeClr val="bg1"/>
+                </a:solidFill>
+                <a:latin typeface="Microsoft YaHei" panose="020B0503020204020204" pitchFamily="34" charset="-122"/>
+                <a:ea typeface="Microsoft YaHei" panose="020B0503020204020204" pitchFamily="34" charset="-122"/>
+              </a:rPr>
+              <a:t>Tượng</a:t>
+            </a:r>
+            <a:r>
+              <a:rPr lang="en-US" altLang="zh-CN" sz="4800" b="1" dirty="0">
+                <a:solidFill>
+                  <a:schemeClr val="bg1"/>
+                </a:solidFill>
+                <a:latin typeface="Microsoft YaHei" panose="020B0503020204020204" pitchFamily="34" charset="-122"/>
+                <a:ea typeface="Microsoft YaHei" panose="020B0503020204020204" pitchFamily="34" charset="-122"/>
+              </a:rPr>
+              <a:t> </a:t>
+            </a:r>
+            <a:r>
+              <a:rPr lang="en-US" altLang="zh-CN" sz="4800" b="1" dirty="0" err="1">
+                <a:solidFill>
+                  <a:schemeClr val="bg1"/>
+                </a:solidFill>
+                <a:latin typeface="Microsoft YaHei" panose="020B0503020204020204" pitchFamily="34" charset="-122"/>
+                <a:ea typeface="Microsoft YaHei" panose="020B0503020204020204" pitchFamily="34" charset="-122"/>
+              </a:rPr>
+              <a:t>hướng</a:t>
+            </a:r>
+            <a:r>
+              <a:rPr lang="en-US" altLang="zh-CN" sz="4800" b="1" dirty="0">
+                <a:solidFill>
+                  <a:schemeClr val="bg1"/>
+                </a:solidFill>
+                <a:latin typeface="Microsoft YaHei" panose="020B0503020204020204" pitchFamily="34" charset="-122"/>
+                <a:ea typeface="Microsoft YaHei" panose="020B0503020204020204" pitchFamily="34" charset="-122"/>
+              </a:rPr>
+              <a:t> </a:t>
+            </a:r>
+            <a:r>
+              <a:rPr lang="en-US" altLang="zh-CN" sz="4800" b="1" dirty="0" err="1">
+                <a:solidFill>
+                  <a:schemeClr val="bg1"/>
+                </a:solidFill>
+                <a:latin typeface="Microsoft YaHei" panose="020B0503020204020204" pitchFamily="34" charset="-122"/>
+                <a:ea typeface="Microsoft YaHei" panose="020B0503020204020204" pitchFamily="34" charset="-122"/>
+              </a:rPr>
+              <a:t>đến</a:t>
+            </a:r>
+            <a:endParaRPr lang="zh-CN" altLang="en-US" sz="4800" b="1" dirty="0">
+              <a:solidFill>
+                <a:schemeClr val="bg1"/>
+              </a:solidFill>
+              <a:latin typeface="Microsoft YaHei" panose="020B0503020204020204" pitchFamily="34" charset="-122"/>
+              <a:ea typeface="Microsoft YaHei" panose="020B0503020204020204" pitchFamily="34" charset="-122"/>
+            </a:endParaRPr>
+          </a:p>
+        </p:txBody>
+      </p:sp>
+      <p:sp>
+        <p:nvSpPr>
+          <p:cNvPr id="25" name="文本框 128">
+            <a:extLst>
+              <a:ext uri="{FF2B5EF4-FFF2-40B4-BE49-F238E27FC236}">
+                <a16:creationId xmlns:a16="http://schemas.microsoft.com/office/drawing/2014/main" id="{BCDECC95-4EE5-E9FF-BAFB-6FF862A0F1D6}"/>
+              </a:ext>
+            </a:extLst>
+          </p:cNvPr>
+          <p:cNvSpPr txBox="1"/>
+          <p:nvPr/>
+        </p:nvSpPr>
+        <p:spPr>
+          <a:xfrm>
+            <a:off x="4991397" y="2203899"/>
+            <a:ext cx="6106795" cy="2308324"/>
+          </a:xfrm>
+          <a:prstGeom prst="rect">
+            <a:avLst/>
+          </a:prstGeom>
+          <a:noFill/>
+          <a:ln w="9525">
+            <a:noFill/>
+          </a:ln>
+        </p:spPr>
+        <p:txBody>
+          <a:bodyPr wrap="square" anchor="t" anchorCtr="0">
+            <a:spAutoFit/>
+          </a:bodyPr>
+          <a:lstStyle/>
+          <a:p>
+            <a:pPr marL="285750" indent="-285750">
+              <a:buFont typeface="Arial" panose="020B0604020202020204" pitchFamily="34" charset="0"/>
+              <a:buChar char="•"/>
+            </a:pPr>
+            <a:r>
+              <a:rPr lang="en-US" altLang="zh-CN" dirty="0" err="1">
+                <a:solidFill>
+                  <a:schemeClr val="bg1"/>
+                </a:solidFill>
+                <a:latin typeface="Microsoft YaHei" panose="020B0503020204020204" pitchFamily="34" charset="-122"/>
+                <a:ea typeface="Microsoft YaHei" panose="020B0503020204020204" pitchFamily="34" charset="-122"/>
+              </a:rPr>
+              <a:t>Những</a:t>
+            </a:r>
+            <a:r>
+              <a:rPr lang="en-US" altLang="zh-CN" dirty="0">
+                <a:solidFill>
+                  <a:schemeClr val="bg1"/>
+                </a:solidFill>
+                <a:latin typeface="Microsoft YaHei" panose="020B0503020204020204" pitchFamily="34" charset="-122"/>
+                <a:ea typeface="Microsoft YaHei" panose="020B0503020204020204" pitchFamily="34" charset="-122"/>
+              </a:rPr>
+              <a:t> </a:t>
+            </a:r>
+            <a:r>
+              <a:rPr lang="en-US" altLang="zh-CN" dirty="0" err="1">
+                <a:solidFill>
+                  <a:schemeClr val="bg1"/>
+                </a:solidFill>
+                <a:latin typeface="Microsoft YaHei" panose="020B0503020204020204" pitchFamily="34" charset="-122"/>
+                <a:ea typeface="Microsoft YaHei" panose="020B0503020204020204" pitchFamily="34" charset="-122"/>
+              </a:rPr>
+              <a:t>người</a:t>
+            </a:r>
+            <a:r>
+              <a:rPr lang="en-US" altLang="zh-CN" dirty="0">
+                <a:solidFill>
+                  <a:schemeClr val="bg1"/>
+                </a:solidFill>
+                <a:latin typeface="Microsoft YaHei" panose="020B0503020204020204" pitchFamily="34" charset="-122"/>
+                <a:ea typeface="Microsoft YaHei" panose="020B0503020204020204" pitchFamily="34" charset="-122"/>
+              </a:rPr>
+              <a:t> </a:t>
+            </a:r>
+            <a:r>
+              <a:rPr lang="en-US" altLang="zh-CN" dirty="0" err="1">
+                <a:solidFill>
+                  <a:schemeClr val="bg1"/>
+                </a:solidFill>
+                <a:latin typeface="Microsoft YaHei" panose="020B0503020204020204" pitchFamily="34" charset="-122"/>
+                <a:ea typeface="Microsoft YaHei" panose="020B0503020204020204" pitchFamily="34" charset="-122"/>
+              </a:rPr>
+              <a:t>truy</a:t>
+            </a:r>
+            <a:r>
+              <a:rPr lang="en-US" altLang="zh-CN" dirty="0">
+                <a:solidFill>
+                  <a:schemeClr val="bg1"/>
+                </a:solidFill>
+                <a:latin typeface="Microsoft YaHei" panose="020B0503020204020204" pitchFamily="34" charset="-122"/>
+                <a:ea typeface="Microsoft YaHei" panose="020B0503020204020204" pitchFamily="34" charset="-122"/>
+              </a:rPr>
+              <a:t> </a:t>
+            </a:r>
+            <a:r>
+              <a:rPr lang="en-US" altLang="zh-CN" dirty="0" err="1">
+                <a:solidFill>
+                  <a:schemeClr val="bg1"/>
+                </a:solidFill>
+                <a:latin typeface="Microsoft YaHei" panose="020B0503020204020204" pitchFamily="34" charset="-122"/>
+                <a:ea typeface="Microsoft YaHei" panose="020B0503020204020204" pitchFamily="34" charset="-122"/>
+              </a:rPr>
+              <a:t>cập</a:t>
+            </a:r>
+            <a:r>
+              <a:rPr lang="en-US" altLang="zh-CN" dirty="0">
+                <a:solidFill>
+                  <a:schemeClr val="bg1"/>
+                </a:solidFill>
+                <a:latin typeface="Microsoft YaHei" panose="020B0503020204020204" pitchFamily="34" charset="-122"/>
+                <a:ea typeface="Microsoft YaHei" panose="020B0503020204020204" pitchFamily="34" charset="-122"/>
+              </a:rPr>
+              <a:t> </a:t>
+            </a:r>
+            <a:r>
+              <a:rPr lang="en-US" altLang="zh-CN" dirty="0" err="1">
+                <a:solidFill>
+                  <a:schemeClr val="bg1"/>
+                </a:solidFill>
+                <a:latin typeface="Microsoft YaHei" panose="020B0503020204020204" pitchFamily="34" charset="-122"/>
+                <a:ea typeface="Microsoft YaHei" panose="020B0503020204020204" pitchFamily="34" charset="-122"/>
+              </a:rPr>
+              <a:t>với</a:t>
+            </a:r>
+            <a:r>
+              <a:rPr lang="en-US" altLang="zh-CN" dirty="0">
+                <a:solidFill>
+                  <a:schemeClr val="bg1"/>
+                </a:solidFill>
+                <a:latin typeface="Microsoft YaHei" panose="020B0503020204020204" pitchFamily="34" charset="-122"/>
+                <a:ea typeface="Microsoft YaHei" panose="020B0503020204020204" pitchFamily="34" charset="-122"/>
+              </a:rPr>
+              <a:t> </a:t>
+            </a:r>
+            <a:r>
+              <a:rPr lang="en-US" altLang="zh-CN" dirty="0" err="1">
+                <a:solidFill>
+                  <a:schemeClr val="bg1"/>
+                </a:solidFill>
+                <a:latin typeface="Microsoft YaHei" panose="020B0503020204020204" pitchFamily="34" charset="-122"/>
+                <a:ea typeface="Microsoft YaHei" panose="020B0503020204020204" pitchFamily="34" charset="-122"/>
+              </a:rPr>
+              <a:t>nhu</a:t>
+            </a:r>
+            <a:r>
+              <a:rPr lang="en-US" altLang="zh-CN" dirty="0">
+                <a:solidFill>
+                  <a:schemeClr val="bg1"/>
+                </a:solidFill>
+                <a:latin typeface="Microsoft YaHei" panose="020B0503020204020204" pitchFamily="34" charset="-122"/>
+                <a:ea typeface="Microsoft YaHei" panose="020B0503020204020204" pitchFamily="34" charset="-122"/>
+              </a:rPr>
+              <a:t> </a:t>
+            </a:r>
+            <a:r>
+              <a:rPr lang="en-US" altLang="zh-CN" dirty="0" err="1">
+                <a:solidFill>
+                  <a:schemeClr val="bg1"/>
+                </a:solidFill>
+                <a:latin typeface="Microsoft YaHei" panose="020B0503020204020204" pitchFamily="34" charset="-122"/>
+                <a:ea typeface="Microsoft YaHei" panose="020B0503020204020204" pitchFamily="34" charset="-122"/>
+              </a:rPr>
+              <a:t>cầu</a:t>
+            </a:r>
+            <a:r>
+              <a:rPr lang="en-US" altLang="zh-CN" dirty="0">
+                <a:solidFill>
+                  <a:schemeClr val="bg1"/>
+                </a:solidFill>
+                <a:latin typeface="Microsoft YaHei" panose="020B0503020204020204" pitchFamily="34" charset="-122"/>
+                <a:ea typeface="Microsoft YaHei" panose="020B0503020204020204" pitchFamily="34" charset="-122"/>
+              </a:rPr>
+              <a:t> </a:t>
+            </a:r>
+            <a:r>
+              <a:rPr lang="en-US" altLang="zh-CN" dirty="0" err="1">
+                <a:solidFill>
+                  <a:schemeClr val="bg1"/>
+                </a:solidFill>
+                <a:latin typeface="Microsoft YaHei" panose="020B0503020204020204" pitchFamily="34" charset="-122"/>
+                <a:ea typeface="Microsoft YaHei" panose="020B0503020204020204" pitchFamily="34" charset="-122"/>
+              </a:rPr>
+              <a:t>ẩm</a:t>
+            </a:r>
+            <a:r>
+              <a:rPr lang="en-US" altLang="zh-CN" dirty="0">
+                <a:solidFill>
+                  <a:schemeClr val="bg1"/>
+                </a:solidFill>
+                <a:latin typeface="Microsoft YaHei" panose="020B0503020204020204" pitchFamily="34" charset="-122"/>
+                <a:ea typeface="Microsoft YaHei" panose="020B0503020204020204" pitchFamily="34" charset="-122"/>
+              </a:rPr>
+              <a:t> </a:t>
+            </a:r>
+            <a:r>
+              <a:rPr lang="en-US" altLang="zh-CN" dirty="0" err="1">
+                <a:solidFill>
+                  <a:schemeClr val="bg1"/>
+                </a:solidFill>
+                <a:latin typeface="Microsoft YaHei" panose="020B0503020204020204" pitchFamily="34" charset="-122"/>
+                <a:ea typeface="Microsoft YaHei" panose="020B0503020204020204" pitchFamily="34" charset="-122"/>
+              </a:rPr>
+              <a:t>thực</a:t>
+            </a:r>
+            <a:r>
+              <a:rPr lang="en-US" altLang="zh-CN" dirty="0">
+                <a:solidFill>
+                  <a:schemeClr val="bg1"/>
+                </a:solidFill>
+                <a:latin typeface="Microsoft YaHei" panose="020B0503020204020204" pitchFamily="34" charset="-122"/>
+                <a:ea typeface="Microsoft YaHei" panose="020B0503020204020204" pitchFamily="34" charset="-122"/>
+              </a:rPr>
+              <a:t> , </a:t>
+            </a:r>
+            <a:r>
+              <a:rPr lang="en-US" altLang="zh-CN" dirty="0" err="1">
+                <a:solidFill>
+                  <a:schemeClr val="bg1"/>
+                </a:solidFill>
+                <a:latin typeface="Microsoft YaHei" panose="020B0503020204020204" pitchFamily="34" charset="-122"/>
+                <a:ea typeface="Microsoft YaHei" panose="020B0503020204020204" pitchFamily="34" charset="-122"/>
+              </a:rPr>
+              <a:t>dịch</a:t>
+            </a:r>
+            <a:r>
+              <a:rPr lang="en-US" altLang="zh-CN" dirty="0">
+                <a:solidFill>
+                  <a:schemeClr val="bg1"/>
+                </a:solidFill>
+                <a:latin typeface="Microsoft YaHei" panose="020B0503020204020204" pitchFamily="34" charset="-122"/>
+                <a:ea typeface="Microsoft YaHei" panose="020B0503020204020204" pitchFamily="34" charset="-122"/>
+              </a:rPr>
+              <a:t> </a:t>
+            </a:r>
+            <a:r>
+              <a:rPr lang="en-US" altLang="zh-CN" dirty="0" err="1">
+                <a:solidFill>
+                  <a:schemeClr val="bg1"/>
+                </a:solidFill>
+                <a:latin typeface="Microsoft YaHei" panose="020B0503020204020204" pitchFamily="34" charset="-122"/>
+                <a:ea typeface="Microsoft YaHei" panose="020B0503020204020204" pitchFamily="34" charset="-122"/>
+              </a:rPr>
+              <a:t>vụ</a:t>
+            </a:r>
+            <a:r>
+              <a:rPr lang="en-US" altLang="zh-CN" dirty="0">
+                <a:solidFill>
+                  <a:schemeClr val="bg1"/>
+                </a:solidFill>
+                <a:latin typeface="Microsoft YaHei" panose="020B0503020204020204" pitchFamily="34" charset="-122"/>
+                <a:ea typeface="Microsoft YaHei" panose="020B0503020204020204" pitchFamily="34" charset="-122"/>
+              </a:rPr>
+              <a:t> </a:t>
+            </a:r>
+            <a:r>
+              <a:rPr lang="en-US" altLang="zh-CN" dirty="0" err="1">
+                <a:solidFill>
+                  <a:schemeClr val="bg1"/>
+                </a:solidFill>
+                <a:latin typeface="Microsoft YaHei" panose="020B0503020204020204" pitchFamily="34" charset="-122"/>
+                <a:ea typeface="Microsoft YaHei" panose="020B0503020204020204" pitchFamily="34" charset="-122"/>
+              </a:rPr>
+              <a:t>sẽ</a:t>
+            </a:r>
+            <a:r>
+              <a:rPr lang="en-US" altLang="zh-CN" dirty="0">
+                <a:solidFill>
+                  <a:schemeClr val="bg1"/>
+                </a:solidFill>
+                <a:latin typeface="Microsoft YaHei" panose="020B0503020204020204" pitchFamily="34" charset="-122"/>
+                <a:ea typeface="Microsoft YaHei" panose="020B0503020204020204" pitchFamily="34" charset="-122"/>
+              </a:rPr>
+              <a:t> </a:t>
+            </a:r>
+            <a:r>
+              <a:rPr lang="en-US" altLang="zh-CN" dirty="0" err="1">
+                <a:solidFill>
+                  <a:schemeClr val="bg1"/>
+                </a:solidFill>
+                <a:latin typeface="Microsoft YaHei" panose="020B0503020204020204" pitchFamily="34" charset="-122"/>
+                <a:ea typeface="Microsoft YaHei" panose="020B0503020204020204" pitchFamily="34" charset="-122"/>
+              </a:rPr>
+              <a:t>mang</a:t>
+            </a:r>
+            <a:r>
+              <a:rPr lang="en-US" altLang="zh-CN" dirty="0">
+                <a:solidFill>
+                  <a:schemeClr val="bg1"/>
+                </a:solidFill>
+                <a:latin typeface="Microsoft YaHei" panose="020B0503020204020204" pitchFamily="34" charset="-122"/>
+                <a:ea typeface="Microsoft YaHei" panose="020B0503020204020204" pitchFamily="34" charset="-122"/>
+              </a:rPr>
+              <a:t> </a:t>
+            </a:r>
+            <a:r>
+              <a:rPr lang="en-US" altLang="zh-CN" dirty="0" err="1">
+                <a:solidFill>
+                  <a:schemeClr val="bg1"/>
+                </a:solidFill>
+                <a:latin typeface="Microsoft YaHei" panose="020B0503020204020204" pitchFamily="34" charset="-122"/>
+                <a:ea typeface="Microsoft YaHei" panose="020B0503020204020204" pitchFamily="34" charset="-122"/>
+              </a:rPr>
+              <a:t>đến</a:t>
+            </a:r>
+            <a:r>
+              <a:rPr lang="en-US" altLang="zh-CN" dirty="0">
+                <a:solidFill>
+                  <a:schemeClr val="bg1"/>
+                </a:solidFill>
+                <a:latin typeface="Microsoft YaHei" panose="020B0503020204020204" pitchFamily="34" charset="-122"/>
+                <a:ea typeface="Microsoft YaHei" panose="020B0503020204020204" pitchFamily="34" charset="-122"/>
+              </a:rPr>
+              <a:t> </a:t>
+            </a:r>
+            <a:r>
+              <a:rPr lang="en-US" altLang="zh-CN" dirty="0" err="1">
+                <a:solidFill>
+                  <a:schemeClr val="bg1"/>
+                </a:solidFill>
+                <a:latin typeface="Microsoft YaHei" panose="020B0503020204020204" pitchFamily="34" charset="-122"/>
+                <a:ea typeface="Microsoft YaHei" panose="020B0503020204020204" pitchFamily="34" charset="-122"/>
+              </a:rPr>
+              <a:t>sự</a:t>
+            </a:r>
+            <a:r>
+              <a:rPr lang="en-US" altLang="zh-CN" dirty="0">
+                <a:solidFill>
+                  <a:schemeClr val="bg1"/>
+                </a:solidFill>
+                <a:latin typeface="Microsoft YaHei" panose="020B0503020204020204" pitchFamily="34" charset="-122"/>
+                <a:ea typeface="Microsoft YaHei" panose="020B0503020204020204" pitchFamily="34" charset="-122"/>
+              </a:rPr>
+              <a:t> </a:t>
+            </a:r>
+            <a:r>
+              <a:rPr lang="en-US" altLang="zh-CN" dirty="0" err="1">
+                <a:solidFill>
+                  <a:schemeClr val="bg1"/>
+                </a:solidFill>
+                <a:latin typeface="Microsoft YaHei" panose="020B0503020204020204" pitchFamily="34" charset="-122"/>
+                <a:ea typeface="Microsoft YaHei" panose="020B0503020204020204" pitchFamily="34" charset="-122"/>
+              </a:rPr>
+              <a:t>tiện</a:t>
+            </a:r>
+            <a:r>
+              <a:rPr lang="en-US" altLang="zh-CN" dirty="0">
+                <a:solidFill>
+                  <a:schemeClr val="bg1"/>
+                </a:solidFill>
+                <a:latin typeface="Microsoft YaHei" panose="020B0503020204020204" pitchFamily="34" charset="-122"/>
+                <a:ea typeface="Microsoft YaHei" panose="020B0503020204020204" pitchFamily="34" charset="-122"/>
+              </a:rPr>
+              <a:t> </a:t>
+            </a:r>
+            <a:r>
+              <a:rPr lang="en-US" altLang="zh-CN" dirty="0" err="1">
+                <a:solidFill>
+                  <a:schemeClr val="bg1"/>
+                </a:solidFill>
+                <a:latin typeface="Microsoft YaHei" panose="020B0503020204020204" pitchFamily="34" charset="-122"/>
+                <a:ea typeface="Microsoft YaHei" panose="020B0503020204020204" pitchFamily="34" charset="-122"/>
+              </a:rPr>
+              <a:t>lợi</a:t>
+            </a:r>
+            <a:endParaRPr lang="en-US" altLang="zh-CN" dirty="0">
+              <a:solidFill>
+                <a:schemeClr val="bg1"/>
+              </a:solidFill>
+              <a:latin typeface="Microsoft YaHei" panose="020B0503020204020204" pitchFamily="34" charset="-122"/>
+              <a:ea typeface="Microsoft YaHei" panose="020B0503020204020204" pitchFamily="34" charset="-122"/>
+            </a:endParaRPr>
+          </a:p>
+          <a:p>
+            <a:pPr marL="285750" indent="-285750">
+              <a:buFont typeface="Arial" panose="020B0604020202020204" pitchFamily="34" charset="0"/>
+              <a:buChar char="•"/>
+            </a:pPr>
+            <a:r>
+              <a:rPr lang="en-US" altLang="zh-CN" dirty="0" err="1">
+                <a:solidFill>
+                  <a:schemeClr val="bg1"/>
+                </a:solidFill>
+                <a:latin typeface="Microsoft YaHei" panose="020B0503020204020204" pitchFamily="34" charset="-122"/>
+                <a:ea typeface="Microsoft YaHei" panose="020B0503020204020204" pitchFamily="34" charset="-122"/>
+              </a:rPr>
+              <a:t>Những</a:t>
+            </a:r>
+            <a:r>
+              <a:rPr lang="en-US" altLang="zh-CN" dirty="0">
+                <a:solidFill>
+                  <a:schemeClr val="bg1"/>
+                </a:solidFill>
+                <a:latin typeface="Microsoft YaHei" panose="020B0503020204020204" pitchFamily="34" charset="-122"/>
+                <a:ea typeface="Microsoft YaHei" panose="020B0503020204020204" pitchFamily="34" charset="-122"/>
+              </a:rPr>
+              <a:t> </a:t>
+            </a:r>
+            <a:r>
+              <a:rPr lang="en-US" altLang="zh-CN" dirty="0" err="1">
+                <a:solidFill>
+                  <a:schemeClr val="bg1"/>
+                </a:solidFill>
+                <a:latin typeface="Microsoft YaHei" panose="020B0503020204020204" pitchFamily="34" charset="-122"/>
+                <a:ea typeface="Microsoft YaHei" panose="020B0503020204020204" pitchFamily="34" charset="-122"/>
+              </a:rPr>
+              <a:t>doanh</a:t>
+            </a:r>
+            <a:r>
+              <a:rPr lang="en-US" altLang="zh-CN" dirty="0">
+                <a:solidFill>
+                  <a:schemeClr val="bg1"/>
+                </a:solidFill>
+                <a:latin typeface="Microsoft YaHei" panose="020B0503020204020204" pitchFamily="34" charset="-122"/>
+                <a:ea typeface="Microsoft YaHei" panose="020B0503020204020204" pitchFamily="34" charset="-122"/>
+              </a:rPr>
+              <a:t> </a:t>
+            </a:r>
+            <a:r>
+              <a:rPr lang="en-US" altLang="zh-CN" dirty="0" err="1">
+                <a:solidFill>
+                  <a:schemeClr val="bg1"/>
+                </a:solidFill>
+                <a:latin typeface="Microsoft YaHei" panose="020B0503020204020204" pitchFamily="34" charset="-122"/>
+                <a:ea typeface="Microsoft YaHei" panose="020B0503020204020204" pitchFamily="34" charset="-122"/>
+              </a:rPr>
+              <a:t>nghiệp</a:t>
+            </a:r>
+            <a:r>
+              <a:rPr lang="en-US" altLang="zh-CN" dirty="0">
+                <a:solidFill>
+                  <a:schemeClr val="bg1"/>
+                </a:solidFill>
+                <a:latin typeface="Microsoft YaHei" panose="020B0503020204020204" pitchFamily="34" charset="-122"/>
+                <a:ea typeface="Microsoft YaHei" panose="020B0503020204020204" pitchFamily="34" charset="-122"/>
+              </a:rPr>
+              <a:t> </a:t>
+            </a:r>
+            <a:r>
+              <a:rPr lang="en-US" altLang="zh-CN" dirty="0" err="1">
+                <a:solidFill>
+                  <a:schemeClr val="bg1"/>
+                </a:solidFill>
+                <a:latin typeface="Microsoft YaHei" panose="020B0503020204020204" pitchFamily="34" charset="-122"/>
+                <a:ea typeface="Microsoft YaHei" panose="020B0503020204020204" pitchFamily="34" charset="-122"/>
+              </a:rPr>
+              <a:t>lớn</a:t>
+            </a:r>
+            <a:r>
+              <a:rPr lang="en-US" altLang="zh-CN" dirty="0">
+                <a:solidFill>
+                  <a:schemeClr val="bg1"/>
+                </a:solidFill>
+                <a:latin typeface="Microsoft YaHei" panose="020B0503020204020204" pitchFamily="34" charset="-122"/>
+                <a:ea typeface="Microsoft YaHei" panose="020B0503020204020204" pitchFamily="34" charset="-122"/>
+              </a:rPr>
+              <a:t>, </a:t>
+            </a:r>
+            <a:r>
+              <a:rPr lang="en-US" altLang="zh-CN" dirty="0" err="1">
+                <a:solidFill>
+                  <a:schemeClr val="bg1"/>
+                </a:solidFill>
+                <a:latin typeface="Microsoft YaHei" panose="020B0503020204020204" pitchFamily="34" charset="-122"/>
+                <a:ea typeface="Microsoft YaHei" panose="020B0503020204020204" pitchFamily="34" charset="-122"/>
+              </a:rPr>
+              <a:t>nhà</a:t>
+            </a:r>
+            <a:r>
+              <a:rPr lang="en-US" altLang="zh-CN" dirty="0">
+                <a:solidFill>
+                  <a:schemeClr val="bg1"/>
+                </a:solidFill>
+                <a:latin typeface="Microsoft YaHei" panose="020B0503020204020204" pitchFamily="34" charset="-122"/>
+                <a:ea typeface="Microsoft YaHei" panose="020B0503020204020204" pitchFamily="34" charset="-122"/>
+              </a:rPr>
+              <a:t> </a:t>
+            </a:r>
+            <a:r>
+              <a:rPr lang="en-US" altLang="zh-CN" dirty="0" err="1">
+                <a:solidFill>
+                  <a:schemeClr val="bg1"/>
+                </a:solidFill>
+                <a:latin typeface="Microsoft YaHei" panose="020B0503020204020204" pitchFamily="34" charset="-122"/>
+                <a:ea typeface="Microsoft YaHei" panose="020B0503020204020204" pitchFamily="34" charset="-122"/>
+              </a:rPr>
+              <a:t>hàng</a:t>
+            </a:r>
+            <a:r>
+              <a:rPr lang="en-US" altLang="zh-CN" dirty="0">
+                <a:solidFill>
+                  <a:schemeClr val="bg1"/>
+                </a:solidFill>
+                <a:latin typeface="Microsoft YaHei" panose="020B0503020204020204" pitchFamily="34" charset="-122"/>
+                <a:ea typeface="Microsoft YaHei" panose="020B0503020204020204" pitchFamily="34" charset="-122"/>
+              </a:rPr>
+              <a:t> </a:t>
+            </a:r>
+            <a:r>
+              <a:rPr lang="en-US" altLang="zh-CN" dirty="0" err="1">
+                <a:solidFill>
+                  <a:schemeClr val="bg1"/>
+                </a:solidFill>
+                <a:latin typeface="Microsoft YaHei" panose="020B0503020204020204" pitchFamily="34" charset="-122"/>
+                <a:ea typeface="Microsoft YaHei" panose="020B0503020204020204" pitchFamily="34" charset="-122"/>
+              </a:rPr>
+              <a:t>với</a:t>
+            </a:r>
+            <a:r>
+              <a:rPr lang="en-US" altLang="zh-CN" dirty="0">
+                <a:solidFill>
+                  <a:schemeClr val="bg1"/>
+                </a:solidFill>
+                <a:latin typeface="Microsoft YaHei" panose="020B0503020204020204" pitchFamily="34" charset="-122"/>
+                <a:ea typeface="Microsoft YaHei" panose="020B0503020204020204" pitchFamily="34" charset="-122"/>
+              </a:rPr>
+              <a:t> </a:t>
+            </a:r>
+            <a:r>
+              <a:rPr lang="en-US" altLang="zh-CN" dirty="0" err="1">
+                <a:solidFill>
+                  <a:schemeClr val="bg1"/>
+                </a:solidFill>
+                <a:latin typeface="Microsoft YaHei" panose="020B0503020204020204" pitchFamily="34" charset="-122"/>
+                <a:ea typeface="Microsoft YaHei" panose="020B0503020204020204" pitchFamily="34" charset="-122"/>
+              </a:rPr>
+              <a:t>những</a:t>
+            </a:r>
+            <a:r>
+              <a:rPr lang="en-US" altLang="zh-CN" dirty="0">
+                <a:solidFill>
+                  <a:schemeClr val="bg1"/>
+                </a:solidFill>
+                <a:latin typeface="Microsoft YaHei" panose="020B0503020204020204" pitchFamily="34" charset="-122"/>
+                <a:ea typeface="Microsoft YaHei" panose="020B0503020204020204" pitchFamily="34" charset="-122"/>
+              </a:rPr>
+              <a:t> </a:t>
+            </a:r>
+            <a:r>
+              <a:rPr lang="en-US" altLang="zh-CN" dirty="0" err="1">
+                <a:solidFill>
+                  <a:schemeClr val="bg1"/>
+                </a:solidFill>
+                <a:latin typeface="Microsoft YaHei" panose="020B0503020204020204" pitchFamily="34" charset="-122"/>
+                <a:ea typeface="Microsoft YaHei" panose="020B0503020204020204" pitchFamily="34" charset="-122"/>
+              </a:rPr>
+              <a:t>nhu</a:t>
+            </a:r>
+            <a:r>
+              <a:rPr lang="en-US" altLang="zh-CN" dirty="0">
+                <a:solidFill>
+                  <a:schemeClr val="bg1"/>
+                </a:solidFill>
+                <a:latin typeface="Microsoft YaHei" panose="020B0503020204020204" pitchFamily="34" charset="-122"/>
+                <a:ea typeface="Microsoft YaHei" panose="020B0503020204020204" pitchFamily="34" charset="-122"/>
+              </a:rPr>
+              <a:t> </a:t>
+            </a:r>
+            <a:r>
+              <a:rPr lang="en-US" altLang="zh-CN" dirty="0" err="1">
+                <a:solidFill>
+                  <a:schemeClr val="bg1"/>
+                </a:solidFill>
+                <a:latin typeface="Microsoft YaHei" panose="020B0503020204020204" pitchFamily="34" charset="-122"/>
+                <a:ea typeface="Microsoft YaHei" panose="020B0503020204020204" pitchFamily="34" charset="-122"/>
+              </a:rPr>
+              <a:t>cầu</a:t>
+            </a:r>
+            <a:r>
+              <a:rPr lang="en-US" altLang="zh-CN" dirty="0">
+                <a:solidFill>
+                  <a:schemeClr val="bg1"/>
+                </a:solidFill>
+                <a:latin typeface="Microsoft YaHei" panose="020B0503020204020204" pitchFamily="34" charset="-122"/>
+                <a:ea typeface="Microsoft YaHei" panose="020B0503020204020204" pitchFamily="34" charset="-122"/>
+              </a:rPr>
+              <a:t> </a:t>
+            </a:r>
+            <a:r>
+              <a:rPr lang="en-US" altLang="zh-CN" dirty="0" err="1">
+                <a:solidFill>
+                  <a:schemeClr val="bg1"/>
+                </a:solidFill>
+                <a:latin typeface="Microsoft YaHei" panose="020B0503020204020204" pitchFamily="34" charset="-122"/>
+                <a:ea typeface="Microsoft YaHei" panose="020B0503020204020204" pitchFamily="34" charset="-122"/>
+              </a:rPr>
+              <a:t>ẩm</a:t>
+            </a:r>
+            <a:r>
+              <a:rPr lang="en-US" altLang="zh-CN" dirty="0">
+                <a:solidFill>
+                  <a:schemeClr val="bg1"/>
+                </a:solidFill>
+                <a:latin typeface="Microsoft YaHei" panose="020B0503020204020204" pitchFamily="34" charset="-122"/>
+                <a:ea typeface="Microsoft YaHei" panose="020B0503020204020204" pitchFamily="34" charset="-122"/>
+              </a:rPr>
+              <a:t> </a:t>
+            </a:r>
+            <a:r>
+              <a:rPr lang="en-US" altLang="zh-CN" dirty="0" err="1">
+                <a:solidFill>
+                  <a:schemeClr val="bg1"/>
+                </a:solidFill>
+                <a:latin typeface="Microsoft YaHei" panose="020B0503020204020204" pitchFamily="34" charset="-122"/>
+                <a:ea typeface="Microsoft YaHei" panose="020B0503020204020204" pitchFamily="34" charset="-122"/>
+              </a:rPr>
+              <a:t>thực</a:t>
+            </a:r>
+            <a:r>
+              <a:rPr lang="en-US" altLang="zh-CN" dirty="0">
+                <a:solidFill>
+                  <a:schemeClr val="bg1"/>
+                </a:solidFill>
+                <a:latin typeface="Microsoft YaHei" panose="020B0503020204020204" pitchFamily="34" charset="-122"/>
+                <a:ea typeface="Microsoft YaHei" panose="020B0503020204020204" pitchFamily="34" charset="-122"/>
+              </a:rPr>
+              <a:t> phong </a:t>
+            </a:r>
+            <a:r>
+              <a:rPr lang="en-US" altLang="zh-CN" dirty="0" err="1">
+                <a:solidFill>
+                  <a:schemeClr val="bg1"/>
+                </a:solidFill>
+                <a:latin typeface="Microsoft YaHei" panose="020B0503020204020204" pitchFamily="34" charset="-122"/>
+                <a:ea typeface="Microsoft YaHei" panose="020B0503020204020204" pitchFamily="34" charset="-122"/>
+              </a:rPr>
+              <a:t>phú</a:t>
+            </a:r>
+            <a:r>
+              <a:rPr lang="en-US" altLang="zh-CN" dirty="0">
+                <a:solidFill>
+                  <a:schemeClr val="bg1"/>
+                </a:solidFill>
+                <a:latin typeface="Microsoft YaHei" panose="020B0503020204020204" pitchFamily="34" charset="-122"/>
+                <a:ea typeface="Microsoft YaHei" panose="020B0503020204020204" pitchFamily="34" charset="-122"/>
+              </a:rPr>
+              <a:t> , </a:t>
+            </a:r>
+            <a:r>
+              <a:rPr lang="en-US" altLang="zh-CN" dirty="0" err="1">
+                <a:solidFill>
+                  <a:schemeClr val="bg1"/>
+                </a:solidFill>
+                <a:latin typeface="Microsoft YaHei" panose="020B0503020204020204" pitchFamily="34" charset="-122"/>
+                <a:ea typeface="Microsoft YaHei" panose="020B0503020204020204" pitchFamily="34" charset="-122"/>
+              </a:rPr>
+              <a:t>dịch</a:t>
+            </a:r>
+            <a:r>
+              <a:rPr lang="en-US" altLang="zh-CN" dirty="0">
+                <a:solidFill>
+                  <a:schemeClr val="bg1"/>
+                </a:solidFill>
+                <a:latin typeface="Microsoft YaHei" panose="020B0503020204020204" pitchFamily="34" charset="-122"/>
+                <a:ea typeface="Microsoft YaHei" panose="020B0503020204020204" pitchFamily="34" charset="-122"/>
+              </a:rPr>
+              <a:t> </a:t>
+            </a:r>
+            <a:r>
+              <a:rPr lang="en-US" altLang="zh-CN" dirty="0" err="1">
+                <a:solidFill>
+                  <a:schemeClr val="bg1"/>
+                </a:solidFill>
+                <a:latin typeface="Microsoft YaHei" panose="020B0503020204020204" pitchFamily="34" charset="-122"/>
+                <a:ea typeface="Microsoft YaHei" panose="020B0503020204020204" pitchFamily="34" charset="-122"/>
+              </a:rPr>
+              <a:t>vụ</a:t>
+            </a:r>
+            <a:r>
+              <a:rPr lang="en-US" altLang="zh-CN" dirty="0">
+                <a:solidFill>
+                  <a:schemeClr val="bg1"/>
+                </a:solidFill>
+                <a:latin typeface="Microsoft YaHei" panose="020B0503020204020204" pitchFamily="34" charset="-122"/>
+                <a:ea typeface="Microsoft YaHei" panose="020B0503020204020204" pitchFamily="34" charset="-122"/>
+              </a:rPr>
+              <a:t> </a:t>
+            </a:r>
+            <a:r>
+              <a:rPr lang="en-US" altLang="zh-CN" dirty="0" err="1">
+                <a:solidFill>
+                  <a:schemeClr val="bg1"/>
+                </a:solidFill>
+                <a:latin typeface="Microsoft YaHei" panose="020B0503020204020204" pitchFamily="34" charset="-122"/>
+                <a:ea typeface="Microsoft YaHei" panose="020B0503020204020204" pitchFamily="34" charset="-122"/>
+              </a:rPr>
+              <a:t>sẽ</a:t>
+            </a:r>
+            <a:r>
+              <a:rPr lang="en-US" altLang="zh-CN" dirty="0">
+                <a:solidFill>
+                  <a:schemeClr val="bg1"/>
+                </a:solidFill>
+                <a:latin typeface="Microsoft YaHei" panose="020B0503020204020204" pitchFamily="34" charset="-122"/>
+                <a:ea typeface="Microsoft YaHei" panose="020B0503020204020204" pitchFamily="34" charset="-122"/>
+              </a:rPr>
+              <a:t> </a:t>
+            </a:r>
+            <a:r>
+              <a:rPr lang="en-US" altLang="zh-CN" dirty="0" err="1">
+                <a:solidFill>
+                  <a:schemeClr val="bg1"/>
+                </a:solidFill>
+                <a:latin typeface="Microsoft YaHei" panose="020B0503020204020204" pitchFamily="34" charset="-122"/>
+                <a:ea typeface="Microsoft YaHei" panose="020B0503020204020204" pitchFamily="34" charset="-122"/>
+              </a:rPr>
+              <a:t>mang</a:t>
+            </a:r>
+            <a:r>
+              <a:rPr lang="en-US" altLang="zh-CN" dirty="0">
+                <a:solidFill>
+                  <a:schemeClr val="bg1"/>
+                </a:solidFill>
+                <a:latin typeface="Microsoft YaHei" panose="020B0503020204020204" pitchFamily="34" charset="-122"/>
+                <a:ea typeface="Microsoft YaHei" panose="020B0503020204020204" pitchFamily="34" charset="-122"/>
+              </a:rPr>
+              <a:t> </a:t>
+            </a:r>
+            <a:r>
+              <a:rPr lang="en-US" altLang="zh-CN" dirty="0" err="1">
+                <a:solidFill>
+                  <a:schemeClr val="bg1"/>
+                </a:solidFill>
+                <a:latin typeface="Microsoft YaHei" panose="020B0503020204020204" pitchFamily="34" charset="-122"/>
+                <a:ea typeface="Microsoft YaHei" panose="020B0503020204020204" pitchFamily="34" charset="-122"/>
+              </a:rPr>
+              <a:t>lại</a:t>
+            </a:r>
+            <a:r>
+              <a:rPr lang="en-US" altLang="zh-CN" dirty="0">
+                <a:solidFill>
+                  <a:schemeClr val="bg1"/>
+                </a:solidFill>
+                <a:latin typeface="Microsoft YaHei" panose="020B0503020204020204" pitchFamily="34" charset="-122"/>
+                <a:ea typeface="Microsoft YaHei" panose="020B0503020204020204" pitchFamily="34" charset="-122"/>
+              </a:rPr>
+              <a:t> </a:t>
+            </a:r>
+            <a:r>
+              <a:rPr lang="en-US" altLang="zh-CN" dirty="0" err="1">
+                <a:solidFill>
+                  <a:schemeClr val="bg1"/>
+                </a:solidFill>
+                <a:latin typeface="Microsoft YaHei" panose="020B0503020204020204" pitchFamily="34" charset="-122"/>
+                <a:ea typeface="Microsoft YaHei" panose="020B0503020204020204" pitchFamily="34" charset="-122"/>
+              </a:rPr>
+              <a:t>nhiều</a:t>
+            </a:r>
+            <a:r>
+              <a:rPr lang="en-US" altLang="zh-CN" dirty="0">
+                <a:solidFill>
+                  <a:schemeClr val="bg1"/>
+                </a:solidFill>
+                <a:latin typeface="Microsoft YaHei" panose="020B0503020204020204" pitchFamily="34" charset="-122"/>
+                <a:ea typeface="Microsoft YaHei" panose="020B0503020204020204" pitchFamily="34" charset="-122"/>
+              </a:rPr>
+              <a:t> </a:t>
+            </a:r>
+            <a:r>
+              <a:rPr lang="en-US" altLang="zh-CN" dirty="0" err="1">
+                <a:solidFill>
+                  <a:schemeClr val="bg1"/>
+                </a:solidFill>
+                <a:latin typeface="Microsoft YaHei" panose="020B0503020204020204" pitchFamily="34" charset="-122"/>
+                <a:ea typeface="Microsoft YaHei" panose="020B0503020204020204" pitchFamily="34" charset="-122"/>
+              </a:rPr>
+              <a:t>tiện</a:t>
+            </a:r>
+            <a:r>
+              <a:rPr lang="en-US" altLang="zh-CN" dirty="0">
+                <a:solidFill>
+                  <a:schemeClr val="bg1"/>
+                </a:solidFill>
+                <a:latin typeface="Microsoft YaHei" panose="020B0503020204020204" pitchFamily="34" charset="-122"/>
+                <a:ea typeface="Microsoft YaHei" panose="020B0503020204020204" pitchFamily="34" charset="-122"/>
+              </a:rPr>
+              <a:t> </a:t>
+            </a:r>
+            <a:r>
+              <a:rPr lang="en-US" altLang="zh-CN" dirty="0" err="1">
+                <a:solidFill>
+                  <a:schemeClr val="bg1"/>
+                </a:solidFill>
+                <a:latin typeface="Microsoft YaHei" panose="020B0503020204020204" pitchFamily="34" charset="-122"/>
+                <a:ea typeface="Microsoft YaHei" panose="020B0503020204020204" pitchFamily="34" charset="-122"/>
+              </a:rPr>
+              <a:t>lợi</a:t>
+            </a:r>
+            <a:r>
+              <a:rPr lang="en-US" altLang="zh-CN" dirty="0">
+                <a:solidFill>
+                  <a:schemeClr val="bg1"/>
+                </a:solidFill>
+                <a:latin typeface="Microsoft YaHei" panose="020B0503020204020204" pitchFamily="34" charset="-122"/>
+                <a:ea typeface="Microsoft YaHei" panose="020B0503020204020204" pitchFamily="34" charset="-122"/>
+              </a:rPr>
+              <a:t> </a:t>
+            </a:r>
+            <a:r>
+              <a:rPr lang="en-US" altLang="zh-CN" dirty="0" err="1">
+                <a:solidFill>
+                  <a:schemeClr val="bg1"/>
+                </a:solidFill>
+                <a:latin typeface="Microsoft YaHei" panose="020B0503020204020204" pitchFamily="34" charset="-122"/>
+                <a:ea typeface="Microsoft YaHei" panose="020B0503020204020204" pitchFamily="34" charset="-122"/>
+              </a:rPr>
+              <a:t>và</a:t>
+            </a:r>
+            <a:r>
+              <a:rPr lang="en-US" altLang="zh-CN" dirty="0">
+                <a:solidFill>
+                  <a:schemeClr val="bg1"/>
+                </a:solidFill>
+                <a:latin typeface="Microsoft YaHei" panose="020B0503020204020204" pitchFamily="34" charset="-122"/>
+                <a:ea typeface="Microsoft YaHei" panose="020B0503020204020204" pitchFamily="34" charset="-122"/>
+              </a:rPr>
+              <a:t> </a:t>
+            </a:r>
+            <a:r>
+              <a:rPr lang="en-US" altLang="zh-CN" dirty="0" err="1">
+                <a:solidFill>
+                  <a:schemeClr val="bg1"/>
+                </a:solidFill>
+                <a:latin typeface="Microsoft YaHei" panose="020B0503020204020204" pitchFamily="34" charset="-122"/>
+                <a:ea typeface="Microsoft YaHei" panose="020B0503020204020204" pitchFamily="34" charset="-122"/>
+              </a:rPr>
+              <a:t>hài</a:t>
+            </a:r>
+            <a:r>
+              <a:rPr lang="en-US" altLang="zh-CN" dirty="0">
+                <a:solidFill>
+                  <a:schemeClr val="bg1"/>
+                </a:solidFill>
+                <a:latin typeface="Microsoft YaHei" panose="020B0503020204020204" pitchFamily="34" charset="-122"/>
+                <a:ea typeface="Microsoft YaHei" panose="020B0503020204020204" pitchFamily="34" charset="-122"/>
+              </a:rPr>
+              <a:t> </a:t>
+            </a:r>
+            <a:r>
+              <a:rPr lang="en-US" altLang="zh-CN" dirty="0" err="1">
+                <a:solidFill>
+                  <a:schemeClr val="bg1"/>
+                </a:solidFill>
+                <a:latin typeface="Microsoft YaHei" panose="020B0503020204020204" pitchFamily="34" charset="-122"/>
+                <a:ea typeface="Microsoft YaHei" panose="020B0503020204020204" pitchFamily="34" charset="-122"/>
+              </a:rPr>
+              <a:t>lòng</a:t>
+            </a:r>
+            <a:r>
+              <a:rPr lang="en-US" altLang="zh-CN" dirty="0">
+                <a:solidFill>
+                  <a:schemeClr val="bg1"/>
+                </a:solidFill>
+                <a:latin typeface="Microsoft YaHei" panose="020B0503020204020204" pitchFamily="34" charset="-122"/>
+                <a:ea typeface="Microsoft YaHei" panose="020B0503020204020204" pitchFamily="34" charset="-122"/>
+              </a:rPr>
+              <a:t> </a:t>
+            </a:r>
+            <a:r>
+              <a:rPr lang="en-US" altLang="zh-CN" dirty="0" err="1">
+                <a:solidFill>
+                  <a:schemeClr val="bg1"/>
+                </a:solidFill>
+                <a:latin typeface="Microsoft YaHei" panose="020B0503020204020204" pitchFamily="34" charset="-122"/>
+                <a:ea typeface="Microsoft YaHei" panose="020B0503020204020204" pitchFamily="34" charset="-122"/>
+              </a:rPr>
+              <a:t>của</a:t>
+            </a:r>
+            <a:r>
+              <a:rPr lang="en-US" altLang="zh-CN" dirty="0">
+                <a:solidFill>
+                  <a:schemeClr val="bg1"/>
+                </a:solidFill>
+                <a:latin typeface="Microsoft YaHei" panose="020B0503020204020204" pitchFamily="34" charset="-122"/>
+                <a:ea typeface="Microsoft YaHei" panose="020B0503020204020204" pitchFamily="34" charset="-122"/>
+              </a:rPr>
+              <a:t> </a:t>
+            </a:r>
+            <a:r>
+              <a:rPr lang="en-US" altLang="zh-CN" dirty="0" err="1">
+                <a:solidFill>
+                  <a:schemeClr val="bg1"/>
+                </a:solidFill>
+                <a:latin typeface="Microsoft YaHei" panose="020B0503020204020204" pitchFamily="34" charset="-122"/>
+                <a:ea typeface="Microsoft YaHei" panose="020B0503020204020204" pitchFamily="34" charset="-122"/>
+              </a:rPr>
+              <a:t>khách</a:t>
+            </a:r>
+            <a:r>
+              <a:rPr lang="en-US" altLang="zh-CN" dirty="0">
+                <a:solidFill>
+                  <a:schemeClr val="bg1"/>
+                </a:solidFill>
+                <a:latin typeface="Microsoft YaHei" panose="020B0503020204020204" pitchFamily="34" charset="-122"/>
+                <a:ea typeface="Microsoft YaHei" panose="020B0503020204020204" pitchFamily="34" charset="-122"/>
+              </a:rPr>
+              <a:t> </a:t>
+            </a:r>
+            <a:r>
+              <a:rPr lang="en-US" altLang="zh-CN" dirty="0" err="1">
+                <a:solidFill>
+                  <a:schemeClr val="bg1"/>
+                </a:solidFill>
+                <a:latin typeface="Microsoft YaHei" panose="020B0503020204020204" pitchFamily="34" charset="-122"/>
+                <a:ea typeface="Microsoft YaHei" panose="020B0503020204020204" pitchFamily="34" charset="-122"/>
+              </a:rPr>
+              <a:t>hàng</a:t>
+            </a:r>
+            <a:r>
+              <a:rPr lang="en-US" altLang="zh-CN" dirty="0">
+                <a:solidFill>
+                  <a:schemeClr val="bg1"/>
+                </a:solidFill>
+                <a:latin typeface="Microsoft YaHei" panose="020B0503020204020204" pitchFamily="34" charset="-122"/>
+                <a:ea typeface="Microsoft YaHei" panose="020B0503020204020204" pitchFamily="34" charset="-122"/>
+              </a:rPr>
+              <a:t>.</a:t>
+            </a:r>
+          </a:p>
+          <a:p>
+            <a:pPr marL="285750" indent="-285750">
+              <a:buFont typeface="Arial" panose="020B0604020202020204" pitchFamily="34" charset="0"/>
+              <a:buChar char="•"/>
+            </a:pPr>
+            <a:r>
+              <a:rPr lang="en-US" altLang="zh-CN" dirty="0" err="1">
+                <a:solidFill>
+                  <a:schemeClr val="bg1"/>
+                </a:solidFill>
+                <a:latin typeface="Microsoft YaHei" panose="020B0503020204020204" pitchFamily="34" charset="-122"/>
+                <a:ea typeface="Microsoft YaHei" panose="020B0503020204020204" pitchFamily="34" charset="-122"/>
+              </a:rPr>
+              <a:t>Những</a:t>
+            </a:r>
+            <a:r>
+              <a:rPr lang="en-US" altLang="zh-CN" dirty="0">
+                <a:solidFill>
+                  <a:schemeClr val="bg1"/>
+                </a:solidFill>
+                <a:latin typeface="Microsoft YaHei" panose="020B0503020204020204" pitchFamily="34" charset="-122"/>
+                <a:ea typeface="Microsoft YaHei" panose="020B0503020204020204" pitchFamily="34" charset="-122"/>
+              </a:rPr>
+              <a:t> </a:t>
+            </a:r>
+            <a:r>
+              <a:rPr lang="en-US" altLang="zh-CN" dirty="0" err="1">
+                <a:solidFill>
+                  <a:schemeClr val="bg1"/>
+                </a:solidFill>
+                <a:latin typeface="Microsoft YaHei" panose="020B0503020204020204" pitchFamily="34" charset="-122"/>
+                <a:ea typeface="Microsoft YaHei" panose="020B0503020204020204" pitchFamily="34" charset="-122"/>
+              </a:rPr>
+              <a:t>hoạt</a:t>
+            </a:r>
+            <a:r>
+              <a:rPr lang="en-US" altLang="zh-CN" dirty="0">
+                <a:solidFill>
+                  <a:schemeClr val="bg1"/>
+                </a:solidFill>
+                <a:latin typeface="Microsoft YaHei" panose="020B0503020204020204" pitchFamily="34" charset="-122"/>
+                <a:ea typeface="Microsoft YaHei" panose="020B0503020204020204" pitchFamily="34" charset="-122"/>
+              </a:rPr>
+              <a:t> </a:t>
+            </a:r>
+            <a:r>
+              <a:rPr lang="en-US" altLang="zh-CN" dirty="0" err="1">
+                <a:solidFill>
+                  <a:schemeClr val="bg1"/>
+                </a:solidFill>
+                <a:latin typeface="Microsoft YaHei" panose="020B0503020204020204" pitchFamily="34" charset="-122"/>
+                <a:ea typeface="Microsoft YaHei" panose="020B0503020204020204" pitchFamily="34" charset="-122"/>
+              </a:rPr>
+              <a:t>động</a:t>
+            </a:r>
+            <a:r>
+              <a:rPr lang="en-US" altLang="zh-CN" dirty="0">
+                <a:solidFill>
+                  <a:schemeClr val="bg1"/>
+                </a:solidFill>
+                <a:latin typeface="Microsoft YaHei" panose="020B0503020204020204" pitchFamily="34" charset="-122"/>
+                <a:ea typeface="Microsoft YaHei" panose="020B0503020204020204" pitchFamily="34" charset="-122"/>
+              </a:rPr>
+              <a:t> </a:t>
+            </a:r>
+            <a:r>
+              <a:rPr lang="en-US" altLang="zh-CN" dirty="0" err="1">
+                <a:solidFill>
+                  <a:schemeClr val="bg1"/>
+                </a:solidFill>
+                <a:latin typeface="Microsoft YaHei" panose="020B0503020204020204" pitchFamily="34" charset="-122"/>
+                <a:ea typeface="Microsoft YaHei" panose="020B0503020204020204" pitchFamily="34" charset="-122"/>
+              </a:rPr>
+              <a:t>tổ</a:t>
+            </a:r>
+            <a:r>
+              <a:rPr lang="en-US" altLang="zh-CN" dirty="0">
+                <a:solidFill>
+                  <a:schemeClr val="bg1"/>
+                </a:solidFill>
+                <a:latin typeface="Microsoft YaHei" panose="020B0503020204020204" pitchFamily="34" charset="-122"/>
+                <a:ea typeface="Microsoft YaHei" panose="020B0503020204020204" pitchFamily="34" charset="-122"/>
+              </a:rPr>
+              <a:t> </a:t>
+            </a:r>
+            <a:r>
+              <a:rPr lang="en-US" altLang="zh-CN" dirty="0" err="1">
+                <a:solidFill>
+                  <a:schemeClr val="bg1"/>
+                </a:solidFill>
+                <a:latin typeface="Microsoft YaHei" panose="020B0503020204020204" pitchFamily="34" charset="-122"/>
+                <a:ea typeface="Microsoft YaHei" panose="020B0503020204020204" pitchFamily="34" charset="-122"/>
+              </a:rPr>
+              <a:t>chức</a:t>
+            </a:r>
+            <a:r>
+              <a:rPr lang="en-US" altLang="zh-CN" dirty="0">
+                <a:solidFill>
+                  <a:schemeClr val="bg1"/>
+                </a:solidFill>
+                <a:latin typeface="Microsoft YaHei" panose="020B0503020204020204" pitchFamily="34" charset="-122"/>
+                <a:ea typeface="Microsoft YaHei" panose="020B0503020204020204" pitchFamily="34" charset="-122"/>
+              </a:rPr>
+              <a:t> </a:t>
+            </a:r>
+            <a:r>
+              <a:rPr lang="en-US" altLang="zh-CN" dirty="0" err="1">
+                <a:solidFill>
+                  <a:schemeClr val="bg1"/>
+                </a:solidFill>
+                <a:latin typeface="Microsoft YaHei" panose="020B0503020204020204" pitchFamily="34" charset="-122"/>
+                <a:ea typeface="Microsoft YaHei" panose="020B0503020204020204" pitchFamily="34" charset="-122"/>
+              </a:rPr>
+              <a:t>từ</a:t>
+            </a:r>
+            <a:r>
+              <a:rPr lang="en-US" altLang="zh-CN" dirty="0">
+                <a:solidFill>
+                  <a:schemeClr val="bg1"/>
+                </a:solidFill>
+                <a:latin typeface="Microsoft YaHei" panose="020B0503020204020204" pitchFamily="34" charset="-122"/>
+                <a:ea typeface="Microsoft YaHei" panose="020B0503020204020204" pitchFamily="34" charset="-122"/>
+              </a:rPr>
+              <a:t> </a:t>
+            </a:r>
+            <a:r>
+              <a:rPr lang="en-US" altLang="zh-CN" dirty="0" err="1">
+                <a:solidFill>
+                  <a:schemeClr val="bg1"/>
+                </a:solidFill>
+                <a:latin typeface="Microsoft YaHei" panose="020B0503020204020204" pitchFamily="34" charset="-122"/>
+                <a:ea typeface="Microsoft YaHei" panose="020B0503020204020204" pitchFamily="34" charset="-122"/>
+              </a:rPr>
+              <a:t>thiện</a:t>
+            </a:r>
+            <a:r>
+              <a:rPr lang="en-US" altLang="zh-CN" dirty="0">
+                <a:solidFill>
+                  <a:schemeClr val="bg1"/>
+                </a:solidFill>
+                <a:latin typeface="Microsoft YaHei" panose="020B0503020204020204" pitchFamily="34" charset="-122"/>
+                <a:ea typeface="Microsoft YaHei" panose="020B0503020204020204" pitchFamily="34" charset="-122"/>
+              </a:rPr>
+              <a:t> </a:t>
+            </a:r>
+            <a:r>
+              <a:rPr lang="en-US" altLang="zh-CN" dirty="0" err="1">
+                <a:solidFill>
+                  <a:schemeClr val="bg1"/>
+                </a:solidFill>
+                <a:latin typeface="Microsoft YaHei" panose="020B0503020204020204" pitchFamily="34" charset="-122"/>
+                <a:ea typeface="Microsoft YaHei" panose="020B0503020204020204" pitchFamily="34" charset="-122"/>
+              </a:rPr>
+              <a:t>và</a:t>
+            </a:r>
+            <a:r>
+              <a:rPr lang="en-US" altLang="zh-CN" dirty="0">
+                <a:solidFill>
+                  <a:schemeClr val="bg1"/>
+                </a:solidFill>
+                <a:latin typeface="Microsoft YaHei" panose="020B0503020204020204" pitchFamily="34" charset="-122"/>
+                <a:ea typeface="Microsoft YaHei" panose="020B0503020204020204" pitchFamily="34" charset="-122"/>
+              </a:rPr>
+              <a:t> </a:t>
+            </a:r>
+            <a:r>
+              <a:rPr lang="en-US" altLang="zh-CN" dirty="0" err="1">
+                <a:solidFill>
+                  <a:schemeClr val="bg1"/>
+                </a:solidFill>
+                <a:latin typeface="Microsoft YaHei" panose="020B0503020204020204" pitchFamily="34" charset="-122"/>
+                <a:ea typeface="Microsoft YaHei" panose="020B0503020204020204" pitchFamily="34" charset="-122"/>
+              </a:rPr>
+              <a:t>giúp</a:t>
+            </a:r>
+            <a:r>
+              <a:rPr lang="en-US" altLang="zh-CN" dirty="0">
+                <a:solidFill>
+                  <a:schemeClr val="bg1"/>
+                </a:solidFill>
+                <a:latin typeface="Microsoft YaHei" panose="020B0503020204020204" pitchFamily="34" charset="-122"/>
+                <a:ea typeface="Microsoft YaHei" panose="020B0503020204020204" pitchFamily="34" charset="-122"/>
+              </a:rPr>
+              <a:t> </a:t>
+            </a:r>
+            <a:r>
+              <a:rPr lang="en-US" altLang="zh-CN" dirty="0" err="1">
+                <a:solidFill>
+                  <a:schemeClr val="bg1"/>
+                </a:solidFill>
+                <a:latin typeface="Microsoft YaHei" panose="020B0503020204020204" pitchFamily="34" charset="-122"/>
+                <a:ea typeface="Microsoft YaHei" panose="020B0503020204020204" pitchFamily="34" charset="-122"/>
+              </a:rPr>
+              <a:t>đỡ</a:t>
+            </a:r>
+            <a:r>
+              <a:rPr lang="en-US" altLang="zh-CN" dirty="0">
+                <a:solidFill>
+                  <a:schemeClr val="bg1"/>
+                </a:solidFill>
+                <a:latin typeface="Microsoft YaHei" panose="020B0503020204020204" pitchFamily="34" charset="-122"/>
+                <a:ea typeface="Microsoft YaHei" panose="020B0503020204020204" pitchFamily="34" charset="-122"/>
+              </a:rPr>
+              <a:t>, </a:t>
+            </a:r>
+            <a:r>
+              <a:rPr lang="en-US" altLang="zh-CN" dirty="0" err="1">
+                <a:solidFill>
+                  <a:schemeClr val="bg1"/>
+                </a:solidFill>
+                <a:latin typeface="Microsoft YaHei" panose="020B0503020204020204" pitchFamily="34" charset="-122"/>
+                <a:ea typeface="Microsoft YaHei" panose="020B0503020204020204" pitchFamily="34" charset="-122"/>
+              </a:rPr>
+              <a:t>dịch</a:t>
+            </a:r>
+            <a:r>
+              <a:rPr lang="en-US" altLang="zh-CN" dirty="0">
+                <a:solidFill>
+                  <a:schemeClr val="bg1"/>
+                </a:solidFill>
+                <a:latin typeface="Microsoft YaHei" panose="020B0503020204020204" pitchFamily="34" charset="-122"/>
+                <a:ea typeface="Microsoft YaHei" panose="020B0503020204020204" pitchFamily="34" charset="-122"/>
+              </a:rPr>
+              <a:t> </a:t>
+            </a:r>
+            <a:r>
+              <a:rPr lang="en-US" altLang="zh-CN" dirty="0" err="1">
+                <a:solidFill>
+                  <a:schemeClr val="bg1"/>
+                </a:solidFill>
+                <a:latin typeface="Microsoft YaHei" panose="020B0503020204020204" pitchFamily="34" charset="-122"/>
+                <a:ea typeface="Microsoft YaHei" panose="020B0503020204020204" pitchFamily="34" charset="-122"/>
+              </a:rPr>
+              <a:t>vụ</a:t>
+            </a:r>
+            <a:r>
+              <a:rPr lang="en-US" altLang="zh-CN" dirty="0">
+                <a:solidFill>
+                  <a:schemeClr val="bg1"/>
+                </a:solidFill>
+                <a:latin typeface="Microsoft YaHei" panose="020B0503020204020204" pitchFamily="34" charset="-122"/>
+                <a:ea typeface="Microsoft YaHei" panose="020B0503020204020204" pitchFamily="34" charset="-122"/>
+              </a:rPr>
+              <a:t> </a:t>
+            </a:r>
+            <a:r>
+              <a:rPr lang="en-US" altLang="zh-CN" dirty="0" err="1">
+                <a:solidFill>
+                  <a:schemeClr val="bg1"/>
+                </a:solidFill>
+                <a:latin typeface="Microsoft YaHei" panose="020B0503020204020204" pitchFamily="34" charset="-122"/>
+                <a:ea typeface="Microsoft YaHei" panose="020B0503020204020204" pitchFamily="34" charset="-122"/>
+              </a:rPr>
+              <a:t>sẽ</a:t>
+            </a:r>
+            <a:r>
+              <a:rPr lang="en-US" altLang="zh-CN" dirty="0">
+                <a:solidFill>
+                  <a:schemeClr val="bg1"/>
+                </a:solidFill>
+                <a:latin typeface="Microsoft YaHei" panose="020B0503020204020204" pitchFamily="34" charset="-122"/>
+                <a:ea typeface="Microsoft YaHei" panose="020B0503020204020204" pitchFamily="34" charset="-122"/>
+              </a:rPr>
+              <a:t> </a:t>
+            </a:r>
+            <a:r>
+              <a:rPr lang="en-US" altLang="zh-CN" dirty="0" err="1">
+                <a:solidFill>
+                  <a:schemeClr val="bg1"/>
+                </a:solidFill>
+                <a:latin typeface="Microsoft YaHei" panose="020B0503020204020204" pitchFamily="34" charset="-122"/>
+                <a:ea typeface="Microsoft YaHei" panose="020B0503020204020204" pitchFamily="34" charset="-122"/>
+              </a:rPr>
+              <a:t>mang</a:t>
+            </a:r>
+            <a:r>
+              <a:rPr lang="en-US" altLang="zh-CN" dirty="0">
+                <a:solidFill>
+                  <a:schemeClr val="bg1"/>
+                </a:solidFill>
+                <a:latin typeface="Microsoft YaHei" panose="020B0503020204020204" pitchFamily="34" charset="-122"/>
+                <a:ea typeface="Microsoft YaHei" panose="020B0503020204020204" pitchFamily="34" charset="-122"/>
+              </a:rPr>
+              <a:t> </a:t>
+            </a:r>
+            <a:r>
+              <a:rPr lang="en-US" altLang="zh-CN" dirty="0" err="1">
+                <a:solidFill>
+                  <a:schemeClr val="bg1"/>
+                </a:solidFill>
+                <a:latin typeface="Microsoft YaHei" panose="020B0503020204020204" pitchFamily="34" charset="-122"/>
+                <a:ea typeface="Microsoft YaHei" panose="020B0503020204020204" pitchFamily="34" charset="-122"/>
+              </a:rPr>
+              <a:t>lại</a:t>
+            </a:r>
+            <a:r>
+              <a:rPr lang="en-US" altLang="zh-CN" dirty="0">
+                <a:solidFill>
+                  <a:schemeClr val="bg1"/>
+                </a:solidFill>
+                <a:latin typeface="Microsoft YaHei" panose="020B0503020204020204" pitchFamily="34" charset="-122"/>
+                <a:ea typeface="Microsoft YaHei" panose="020B0503020204020204" pitchFamily="34" charset="-122"/>
+              </a:rPr>
+              <a:t> </a:t>
+            </a:r>
+            <a:r>
+              <a:rPr lang="en-US" altLang="zh-CN" dirty="0" err="1">
+                <a:solidFill>
+                  <a:schemeClr val="bg1"/>
+                </a:solidFill>
+                <a:latin typeface="Microsoft YaHei" panose="020B0503020204020204" pitchFamily="34" charset="-122"/>
+                <a:ea typeface="Microsoft YaHei" panose="020B0503020204020204" pitchFamily="34" charset="-122"/>
+              </a:rPr>
+              <a:t>hạnh</a:t>
+            </a:r>
+            <a:r>
+              <a:rPr lang="en-US" altLang="zh-CN" dirty="0">
+                <a:solidFill>
+                  <a:schemeClr val="bg1"/>
+                </a:solidFill>
+                <a:latin typeface="Microsoft YaHei" panose="020B0503020204020204" pitchFamily="34" charset="-122"/>
+                <a:ea typeface="Microsoft YaHei" panose="020B0503020204020204" pitchFamily="34" charset="-122"/>
+              </a:rPr>
+              <a:t> </a:t>
+            </a:r>
+            <a:r>
+              <a:rPr lang="en-US" altLang="zh-CN" dirty="0" err="1">
+                <a:solidFill>
+                  <a:schemeClr val="bg1"/>
+                </a:solidFill>
+                <a:latin typeface="Microsoft YaHei" panose="020B0503020204020204" pitchFamily="34" charset="-122"/>
+                <a:ea typeface="Microsoft YaHei" panose="020B0503020204020204" pitchFamily="34" charset="-122"/>
+              </a:rPr>
+              <a:t>phúc</a:t>
+            </a:r>
+            <a:r>
+              <a:rPr lang="en-US" altLang="zh-CN" dirty="0">
+                <a:solidFill>
+                  <a:schemeClr val="bg1"/>
+                </a:solidFill>
+                <a:latin typeface="Microsoft YaHei" panose="020B0503020204020204" pitchFamily="34" charset="-122"/>
+                <a:ea typeface="Microsoft YaHei" panose="020B0503020204020204" pitchFamily="34" charset="-122"/>
+              </a:rPr>
+              <a:t> </a:t>
+            </a:r>
+            <a:r>
+              <a:rPr lang="en-US" altLang="zh-CN" dirty="0" err="1">
+                <a:solidFill>
+                  <a:schemeClr val="bg1"/>
+                </a:solidFill>
+                <a:latin typeface="Microsoft YaHei" panose="020B0503020204020204" pitchFamily="34" charset="-122"/>
+                <a:ea typeface="Microsoft YaHei" panose="020B0503020204020204" pitchFamily="34" charset="-122"/>
+              </a:rPr>
+              <a:t>và</a:t>
+            </a:r>
+            <a:r>
+              <a:rPr lang="en-US" altLang="zh-CN" dirty="0">
+                <a:solidFill>
+                  <a:schemeClr val="bg1"/>
+                </a:solidFill>
+                <a:latin typeface="Microsoft YaHei" panose="020B0503020204020204" pitchFamily="34" charset="-122"/>
+                <a:ea typeface="Microsoft YaHei" panose="020B0503020204020204" pitchFamily="34" charset="-122"/>
+              </a:rPr>
+              <a:t> </a:t>
+            </a:r>
+            <a:r>
+              <a:rPr lang="en-US" altLang="zh-CN" dirty="0" err="1">
+                <a:solidFill>
+                  <a:schemeClr val="bg1"/>
+                </a:solidFill>
+                <a:latin typeface="Microsoft YaHei" panose="020B0503020204020204" pitchFamily="34" charset="-122"/>
+                <a:ea typeface="Microsoft YaHei" panose="020B0503020204020204" pitchFamily="34" charset="-122"/>
+              </a:rPr>
+              <a:t>nhu</a:t>
+            </a:r>
+            <a:r>
+              <a:rPr lang="en-US" altLang="zh-CN" dirty="0">
+                <a:solidFill>
+                  <a:schemeClr val="bg1"/>
+                </a:solidFill>
+                <a:latin typeface="Microsoft YaHei" panose="020B0503020204020204" pitchFamily="34" charset="-122"/>
+                <a:ea typeface="Microsoft YaHei" panose="020B0503020204020204" pitchFamily="34" charset="-122"/>
+              </a:rPr>
+              <a:t> </a:t>
+            </a:r>
+            <a:r>
+              <a:rPr lang="en-US" altLang="zh-CN" dirty="0" err="1">
+                <a:solidFill>
+                  <a:schemeClr val="bg1"/>
+                </a:solidFill>
+                <a:latin typeface="Microsoft YaHei" panose="020B0503020204020204" pitchFamily="34" charset="-122"/>
+                <a:ea typeface="Microsoft YaHei" panose="020B0503020204020204" pitchFamily="34" charset="-122"/>
+              </a:rPr>
+              <a:t>cầu</a:t>
+            </a:r>
+            <a:r>
+              <a:rPr lang="en-US" altLang="zh-CN" dirty="0">
+                <a:solidFill>
+                  <a:schemeClr val="bg1"/>
+                </a:solidFill>
+                <a:latin typeface="Microsoft YaHei" panose="020B0503020204020204" pitchFamily="34" charset="-122"/>
+                <a:ea typeface="Microsoft YaHei" panose="020B0503020204020204" pitchFamily="34" charset="-122"/>
+              </a:rPr>
+              <a:t> </a:t>
+            </a:r>
+            <a:r>
+              <a:rPr lang="en-US" altLang="zh-CN" dirty="0" err="1">
+                <a:solidFill>
+                  <a:schemeClr val="bg1"/>
+                </a:solidFill>
+                <a:latin typeface="Microsoft YaHei" panose="020B0503020204020204" pitchFamily="34" charset="-122"/>
+                <a:ea typeface="Microsoft YaHei" panose="020B0503020204020204" pitchFamily="34" charset="-122"/>
+              </a:rPr>
+              <a:t>thiết</a:t>
+            </a:r>
+            <a:r>
+              <a:rPr lang="en-US" altLang="zh-CN" dirty="0">
+                <a:solidFill>
+                  <a:schemeClr val="bg1"/>
+                </a:solidFill>
+                <a:latin typeface="Microsoft YaHei" panose="020B0503020204020204" pitchFamily="34" charset="-122"/>
+                <a:ea typeface="Microsoft YaHei" panose="020B0503020204020204" pitchFamily="34" charset="-122"/>
+              </a:rPr>
+              <a:t> </a:t>
+            </a:r>
+            <a:r>
+              <a:rPr lang="en-US" altLang="zh-CN" dirty="0" err="1">
+                <a:solidFill>
+                  <a:schemeClr val="bg1"/>
+                </a:solidFill>
+                <a:latin typeface="Microsoft YaHei" panose="020B0503020204020204" pitchFamily="34" charset="-122"/>
+                <a:ea typeface="Microsoft YaHei" panose="020B0503020204020204" pitchFamily="34" charset="-122"/>
+              </a:rPr>
+              <a:t>yếu</a:t>
+            </a:r>
+            <a:r>
+              <a:rPr lang="en-US" altLang="zh-CN" dirty="0">
+                <a:solidFill>
+                  <a:schemeClr val="bg1"/>
+                </a:solidFill>
+                <a:latin typeface="Microsoft YaHei" panose="020B0503020204020204" pitchFamily="34" charset="-122"/>
+                <a:ea typeface="Microsoft YaHei" panose="020B0503020204020204" pitchFamily="34" charset="-122"/>
+              </a:rPr>
+              <a:t> </a:t>
+            </a:r>
+            <a:r>
+              <a:rPr lang="en-US" altLang="zh-CN" dirty="0" err="1">
+                <a:solidFill>
+                  <a:schemeClr val="bg1"/>
+                </a:solidFill>
+                <a:latin typeface="Microsoft YaHei" panose="020B0503020204020204" pitchFamily="34" charset="-122"/>
+                <a:ea typeface="Microsoft YaHei" panose="020B0503020204020204" pitchFamily="34" charset="-122"/>
+              </a:rPr>
+              <a:t>cho</a:t>
+            </a:r>
+            <a:r>
+              <a:rPr lang="en-US" altLang="zh-CN" dirty="0">
+                <a:solidFill>
+                  <a:schemeClr val="bg1"/>
+                </a:solidFill>
+                <a:latin typeface="Microsoft YaHei" panose="020B0503020204020204" pitchFamily="34" charset="-122"/>
+                <a:ea typeface="Microsoft YaHei" panose="020B0503020204020204" pitchFamily="34" charset="-122"/>
+              </a:rPr>
+              <a:t> </a:t>
+            </a:r>
+            <a:r>
+              <a:rPr lang="en-US" altLang="zh-CN" dirty="0" err="1">
+                <a:solidFill>
+                  <a:schemeClr val="bg1"/>
+                </a:solidFill>
+                <a:latin typeface="Microsoft YaHei" panose="020B0503020204020204" pitchFamily="34" charset="-122"/>
+                <a:ea typeface="Microsoft YaHei" panose="020B0503020204020204" pitchFamily="34" charset="-122"/>
+              </a:rPr>
+              <a:t>khách</a:t>
+            </a:r>
+            <a:r>
+              <a:rPr lang="en-US" altLang="zh-CN" dirty="0">
+                <a:solidFill>
+                  <a:schemeClr val="bg1"/>
+                </a:solidFill>
+                <a:latin typeface="Microsoft YaHei" panose="020B0503020204020204" pitchFamily="34" charset="-122"/>
+                <a:ea typeface="Microsoft YaHei" panose="020B0503020204020204" pitchFamily="34" charset="-122"/>
+              </a:rPr>
+              <a:t> </a:t>
+            </a:r>
+            <a:r>
+              <a:rPr lang="en-US" altLang="zh-CN" dirty="0" err="1">
+                <a:solidFill>
+                  <a:schemeClr val="bg1"/>
+                </a:solidFill>
+                <a:latin typeface="Microsoft YaHei" panose="020B0503020204020204" pitchFamily="34" charset="-122"/>
+                <a:ea typeface="Microsoft YaHei" panose="020B0503020204020204" pitchFamily="34" charset="-122"/>
+              </a:rPr>
+              <a:t>hàng</a:t>
+            </a:r>
+            <a:r>
+              <a:rPr lang="en-US" altLang="zh-CN" dirty="0">
+                <a:solidFill>
+                  <a:schemeClr val="bg1"/>
+                </a:solidFill>
+                <a:latin typeface="Microsoft YaHei" panose="020B0503020204020204" pitchFamily="34" charset="-122"/>
+                <a:ea typeface="Microsoft YaHei" panose="020B0503020204020204" pitchFamily="34" charset="-122"/>
+              </a:rPr>
+              <a:t> .</a:t>
+            </a:r>
+          </a:p>
+        </p:txBody>
+      </p:sp>
+      <p:pic>
+        <p:nvPicPr>
+          <p:cNvPr id="27" name="Picture 26" descr="A close up of two hands&#10;&#10;Description automatically generated">
+            <a:extLst>
+              <a:ext uri="{FF2B5EF4-FFF2-40B4-BE49-F238E27FC236}">
+                <a16:creationId xmlns:a16="http://schemas.microsoft.com/office/drawing/2014/main" id="{C8FEBB38-6495-DBE4-FA66-02F802A9E815}"/>
+              </a:ext>
+            </a:extLst>
+          </p:cNvPr>
+          <p:cNvPicPr>
+            <a:picLocks noChangeAspect="1"/>
+          </p:cNvPicPr>
+          <p:nvPr/>
+        </p:nvPicPr>
+        <p:blipFill>
+          <a:blip r:embed="rId2">
+            <a:extLst>
+              <a:ext uri="{28A0092B-C50C-407E-A947-70E740481C1C}">
+                <a14:useLocalDpi xmlns:a14="http://schemas.microsoft.com/office/drawing/2010/main" val="0"/>
+              </a:ext>
+              <a:ext uri="{837473B0-CC2E-450A-ABE3-18F120FF3D39}">
+                <a1611:picAttrSrcUrl xmlns:a1611="http://schemas.microsoft.com/office/drawing/2016/11/main" r:id="rId3"/>
+              </a:ext>
+            </a:extLst>
+          </a:blip>
+          <a:stretch>
+            <a:fillRect/>
+          </a:stretch>
+        </p:blipFill>
+        <p:spPr>
+          <a:xfrm>
+            <a:off x="8218208" y="3877656"/>
+            <a:ext cx="3973792" cy="2980344"/>
+          </a:xfrm>
+          <a:prstGeom prst="rect">
+            <a:avLst/>
+          </a:prstGeom>
+        </p:spPr>
+      </p:pic>
+      <p:pic>
+        <p:nvPicPr>
+          <p:cNvPr id="32" name="Picture 31" descr="A hamburger with multiple layers of meat and vegetables&#10;&#10;Description automatically generated">
+            <a:extLst>
+              <a:ext uri="{FF2B5EF4-FFF2-40B4-BE49-F238E27FC236}">
+                <a16:creationId xmlns:a16="http://schemas.microsoft.com/office/drawing/2014/main" id="{61D39710-6EEE-2386-0278-815F7E5034F6}"/>
+              </a:ext>
+            </a:extLst>
+          </p:cNvPr>
+          <p:cNvPicPr>
+            <a:picLocks noChangeAspect="1"/>
+          </p:cNvPicPr>
+          <p:nvPr/>
+        </p:nvPicPr>
+        <p:blipFill>
+          <a:blip r:embed="rId4">
+            <a:extLst>
+              <a:ext uri="{28A0092B-C50C-407E-A947-70E740481C1C}">
+                <a14:useLocalDpi xmlns:a14="http://schemas.microsoft.com/office/drawing/2010/main" val="0"/>
+              </a:ext>
+              <a:ext uri="{837473B0-CC2E-450A-ABE3-18F120FF3D39}">
+                <a1611:picAttrSrcUrl xmlns:a1611="http://schemas.microsoft.com/office/drawing/2016/11/main" r:id="rId5"/>
+              </a:ext>
+            </a:extLst>
+          </a:blip>
+          <a:stretch>
+            <a:fillRect/>
+          </a:stretch>
+        </p:blipFill>
+        <p:spPr>
+          <a:xfrm>
+            <a:off x="256811" y="4760536"/>
+            <a:ext cx="2751603" cy="2124338"/>
+          </a:xfrm>
+          <a:prstGeom prst="rect">
+            <a:avLst/>
+          </a:prstGeom>
+        </p:spPr>
+      </p:pic>
+    </p:spTree>
+    <p:extLst>
+      <p:ext uri="{BB962C8B-B14F-4D97-AF65-F5344CB8AC3E}">
+        <p14:creationId xmlns:p14="http://schemas.microsoft.com/office/powerpoint/2010/main" val="4000759582"/>
+      </p:ext>
+    </p:extLst>
+  </p:cSld>
+  <p:clrMapOvr>
+    <a:masterClrMapping/>
+  </p:clrMapOvr>
+</p:sld>
+</file>
+
+<file path=ppt/slides/slide7.xml><?xml version="1.0" encoding="utf-8"?>
+<p:sld xmlns:a="http://schemas.openxmlformats.org/drawingml/2006/main" xmlns:r="http://schemas.openxmlformats.org/officeDocument/2006/relationships" xmlns:p="http://schemas.openxmlformats.org/presentationml/2006/main">
+  <p:cSld>
+    <p:spTree>
+      <p:nvGrpSpPr>
+        <p:cNvPr id="1" name=""/>
+        <p:cNvGrpSpPr/>
+        <p:nvPr/>
+      </p:nvGrpSpPr>
+      <p:grpSpPr>
+        <a:xfrm>
+          <a:off x="0" y="0"/>
+          <a:ext cx="0" cy="0"/>
+          <a:chOff x="0" y="0"/>
+          <a:chExt cx="0" cy="0"/>
+        </a:xfrm>
+      </p:grpSpPr>
       <p:grpSp>
         <p:nvGrpSpPr>
           <p:cNvPr id="13313" name="组合 5"/>
@@ -7457,6 +10273,7 @@
           <a:bodyPr wrap="square" anchor="t" anchorCtr="0">
             <a:spAutoFit/>
           </a:bodyPr>
+          <a:lstStyle/>
           <a:p>
             <a:r>
               <a:rPr lang="zh-CN" altLang="en-US" b="1" dirty="0">
@@ -7468,13 +10285,6 @@
               </a:rPr>
               <a:t>Ưu điểm</a:t>
             </a:r>
-            <a:endParaRPr lang="zh-CN" altLang="en-US" b="1" dirty="0">
-              <a:solidFill>
-                <a:srgbClr val="262626"/>
-              </a:solidFill>
-              <a:latin typeface="Microsoft YaHei" panose="020B0503020204020204" pitchFamily="34" charset="-122"/>
-              <a:ea typeface="Microsoft YaHei" panose="020B0503020204020204" pitchFamily="34" charset="-122"/>
-            </a:endParaRPr>
           </a:p>
         </p:txBody>
       </p:sp>
@@ -7486,7 +10296,7 @@
         </p:nvSpPr>
         <p:spPr>
           <a:xfrm>
-            <a:off x="952500" y="2098675"/>
+            <a:off x="952500" y="1925354"/>
             <a:ext cx="3236913" cy="645160"/>
           </a:xfrm>
           <a:prstGeom prst="rect">
@@ -7501,6 +10311,7 @@
           <a:bodyPr anchor="t" anchorCtr="0">
             <a:spAutoFit/>
           </a:bodyPr>
+          <a:lstStyle/>
           <a:p>
             <a:r>
               <a:rPr lang="en-US" sz="1200" dirty="0">
@@ -7509,10 +10320,6 @@
               </a:rPr>
               <a:t>Có responsive trên tablet/mobile và sử dụng bản thiết kế đẹp tham khảo từ Figma.</a:t>
             </a:r>
-            <a:endParaRPr lang="en-US" sz="1200" dirty="0">
-              <a:latin typeface="Microsoft YaHei" panose="020B0503020204020204" pitchFamily="34" charset="-122"/>
-              <a:ea typeface="Microsoft YaHei" panose="020B0503020204020204" pitchFamily="34" charset="-122"/>
-            </a:endParaRPr>
           </a:p>
         </p:txBody>
       </p:sp>
@@ -7524,7 +10331,7 @@
         </p:nvGrpSpPr>
         <p:grpSpPr>
           <a:xfrm>
-            <a:off x="1030288" y="1241425"/>
+            <a:off x="1030288" y="1068104"/>
             <a:ext cx="3235325" cy="690563"/>
             <a:chOff x="1029508" y="1575173"/>
             <a:chExt cx="3236673" cy="689487"/>
@@ -7553,6 +10360,7 @@
           </p:spPr>
           <p:txBody>
             <a:bodyPr anchor="t" anchorCtr="0"/>
+            <a:lstStyle/>
             <a:p>
               <a:endParaRPr lang="zh-CN" altLang="en-US" dirty="0">
                 <a:solidFill>
@@ -7643,21 +10451,6 @@
                 </a:rPr>
                 <a:t>Thiết kế đẹp</a:t>
               </a:r>
-              <a:endParaRPr kumimoji="0" lang="en-US" altLang="zh-CN" sz="1600" b="0" i="0" u="none" strike="noStrike" kern="1200" cap="none" spc="300" normalizeH="0" baseline="0" noProof="0" dirty="0">
-                <a:ln>
-                  <a:noFill/>
-                </a:ln>
-                <a:solidFill>
-                  <a:prstClr val="white"/>
-                </a:solidFill>
-                <a:effectLst/>
-                <a:uLnTx/>
-                <a:uFillTx/>
-                <a:latin typeface="Microsoft YaHei" panose="020B0503020204020204" pitchFamily="34" charset="-122"/>
-                <a:ea typeface="Microsoft YaHei" panose="020B0503020204020204" pitchFamily="34" charset="-122"/>
-                <a:cs typeface="Arial" panose="020B0604020202020204" pitchFamily="34" charset="0"/>
-                <a:sym typeface="+mn-ea"/>
-              </a:endParaRPr>
             </a:p>
           </p:txBody>
         </p:sp>
@@ -7670,7 +10463,7 @@
             <p:nvPr/>
           </p:nvPicPr>
           <p:blipFill>
-            <a:blip r:embed="rId1"/>
+            <a:blip r:embed="rId2"/>
             <a:stretch>
               <a:fillRect/>
             </a:stretch>
@@ -7698,7 +10491,7 @@
         </p:nvGrpSpPr>
         <p:grpSpPr>
           <a:xfrm>
-            <a:off x="4516438" y="1241425"/>
+            <a:off x="4516438" y="1089411"/>
             <a:ext cx="3309930" cy="690563"/>
             <a:chOff x="4517157" y="1575173"/>
             <a:chExt cx="3309686" cy="689487"/>
@@ -7727,6 +10520,7 @@
           </p:spPr>
           <p:txBody>
             <a:bodyPr anchor="t" anchorCtr="0"/>
+            <a:lstStyle/>
             <a:p>
               <a:endParaRPr lang="zh-CN" altLang="en-US" dirty="0">
                 <a:solidFill>
@@ -7817,21 +10611,6 @@
                 </a:rPr>
                 <a:t>Câu truyện cuốn</a:t>
               </a:r>
-              <a:endParaRPr kumimoji="0" lang="en-US" altLang="zh-CN" sz="1600" b="0" i="0" u="none" strike="noStrike" kern="1200" cap="none" spc="300" normalizeH="0" baseline="0" noProof="0" dirty="0">
-                <a:ln>
-                  <a:noFill/>
-                </a:ln>
-                <a:solidFill>
-                  <a:prstClr val="white"/>
-                </a:solidFill>
-                <a:effectLst/>
-                <a:uLnTx/>
-                <a:uFillTx/>
-                <a:latin typeface="Microsoft YaHei" panose="020B0503020204020204" pitchFamily="34" charset="-122"/>
-                <a:ea typeface="Microsoft YaHei" panose="020B0503020204020204" pitchFamily="34" charset="-122"/>
-                <a:cs typeface="Arial" panose="020B0604020202020204" pitchFamily="34" charset="0"/>
-                <a:sym typeface="+mn-ea"/>
-              </a:endParaRPr>
             </a:p>
           </p:txBody>
         </p:sp>
@@ -7844,7 +10623,7 @@
         </p:nvGrpSpPr>
         <p:grpSpPr>
           <a:xfrm>
-            <a:off x="8032750" y="1241425"/>
+            <a:off x="8014494" y="1079974"/>
             <a:ext cx="3272315" cy="690563"/>
             <a:chOff x="8033501" y="1575173"/>
             <a:chExt cx="3272072" cy="689487"/>
@@ -7873,6 +10652,7 @@
           </p:spPr>
           <p:txBody>
             <a:bodyPr anchor="t" anchorCtr="0"/>
+            <a:lstStyle/>
             <a:p>
               <a:endParaRPr lang="zh-CN" altLang="en-US" dirty="0">
                 <a:solidFill>
@@ -7963,21 +10743,6 @@
                 </a:rPr>
                 <a:t>Đồ ăn đặc trưng</a:t>
               </a:r>
-              <a:endParaRPr kumimoji="0" lang="en-US" altLang="zh-CN" sz="1600" b="0" i="0" u="none" strike="noStrike" kern="1200" cap="none" spc="300" normalizeH="0" baseline="0" noProof="0" dirty="0">
-                <a:ln>
-                  <a:noFill/>
-                </a:ln>
-                <a:solidFill>
-                  <a:prstClr val="white"/>
-                </a:solidFill>
-                <a:effectLst/>
-                <a:uLnTx/>
-                <a:uFillTx/>
-                <a:latin typeface="Microsoft YaHei" panose="020B0503020204020204" pitchFamily="34" charset="-122"/>
-                <a:ea typeface="Microsoft YaHei" panose="020B0503020204020204" pitchFamily="34" charset="-122"/>
-                <a:cs typeface="Arial" panose="020B0604020202020204" pitchFamily="34" charset="0"/>
-                <a:sym typeface="+mn-ea"/>
-              </a:endParaRPr>
             </a:p>
           </p:txBody>
         </p:sp>
@@ -8022,6 +10787,7 @@
                   <a:pos x="227807" y="92658"/>
                 </a:cxn>
               </a:cxnLst>
+              <a:rect l="0" t="0" r="0" b="0"/>
               <a:pathLst>
                 <a:path w="54" h="49">
                   <a:moveTo>
@@ -8075,8 +10841,9 @@
           </p:spPr>
           <p:txBody>
             <a:bodyPr/>
+            <a:lstStyle/>
             <a:p>
-              <a:endParaRPr lang="en-US"/>
+              <a:endParaRPr lang="en-US" dirty="0"/>
             </a:p>
           </p:txBody>
         </p:sp>
@@ -8089,7 +10856,7 @@
         </p:nvGrpSpPr>
         <p:grpSpPr>
           <a:xfrm>
-            <a:off x="1030288" y="3836988"/>
+            <a:off x="1103306" y="4704399"/>
             <a:ext cx="3235325" cy="692150"/>
             <a:chOff x="1029508" y="3836867"/>
             <a:chExt cx="3236673" cy="691684"/>
@@ -8118,6 +10885,7 @@
           </p:spPr>
           <p:txBody>
             <a:bodyPr anchor="t" anchorCtr="0"/>
+            <a:lstStyle/>
             <a:p>
               <a:endParaRPr lang="zh-CN" altLang="en-US" dirty="0">
                 <a:solidFill>
@@ -8208,21 +10976,6 @@
                 </a:rPr>
                 <a:t>Công nghệ</a:t>
               </a:r>
-              <a:endParaRPr kumimoji="0" lang="en-US" altLang="zh-CN" sz="1600" b="0" i="0" u="none" strike="noStrike" kern="1200" cap="none" spc="300" normalizeH="0" baseline="0" noProof="0" dirty="0">
-                <a:ln>
-                  <a:noFill/>
-                </a:ln>
-                <a:solidFill>
-                  <a:prstClr val="white"/>
-                </a:solidFill>
-                <a:effectLst/>
-                <a:uLnTx/>
-                <a:uFillTx/>
-                <a:latin typeface="Microsoft YaHei" panose="020B0503020204020204" pitchFamily="34" charset="-122"/>
-                <a:ea typeface="Microsoft YaHei" panose="020B0503020204020204" pitchFamily="34" charset="-122"/>
-                <a:cs typeface="Arial" panose="020B0604020202020204" pitchFamily="34" charset="0"/>
-                <a:sym typeface="+mn-ea"/>
-              </a:endParaRPr>
             </a:p>
           </p:txBody>
         </p:sp>
@@ -8267,6 +11020,7 @@
                   <a:pos x="218758" y="151514"/>
                 </a:cxn>
               </a:cxnLst>
+              <a:rect l="0" t="0" r="0" b="0"/>
               <a:pathLst>
                 <a:path w="40" h="43">
                   <a:moveTo>
@@ -8320,8 +11074,9 @@
           </p:spPr>
           <p:txBody>
             <a:bodyPr/>
+            <a:lstStyle/>
             <a:p>
-              <a:endParaRPr lang="en-US"/>
+              <a:endParaRPr lang="en-US" dirty="0"/>
             </a:p>
           </p:txBody>
         </p:sp>
@@ -8334,7 +11089,7 @@
         </p:nvGrpSpPr>
         <p:grpSpPr>
           <a:xfrm>
-            <a:off x="4516438" y="3836988"/>
+            <a:off x="4589456" y="4704399"/>
             <a:ext cx="3236912" cy="692150"/>
             <a:chOff x="4517157" y="3836867"/>
             <a:chExt cx="3236673" cy="691684"/>
@@ -8363,6 +11118,7 @@
           </p:spPr>
           <p:txBody>
             <a:bodyPr anchor="t" anchorCtr="0"/>
+            <a:lstStyle/>
             <a:p>
               <a:endParaRPr lang="zh-CN" altLang="en-US" dirty="0">
                 <a:solidFill>
@@ -8453,21 +11209,6 @@
                 </a:rPr>
                 <a:t>Thời gian</a:t>
               </a:r>
-              <a:endParaRPr kumimoji="0" lang="en-US" altLang="zh-CN" sz="1600" b="0" i="0" u="none" strike="noStrike" kern="1200" cap="none" spc="300" normalizeH="0" baseline="0" noProof="0" dirty="0">
-                <a:ln>
-                  <a:noFill/>
-                </a:ln>
-                <a:solidFill>
-                  <a:prstClr val="white"/>
-                </a:solidFill>
-                <a:effectLst/>
-                <a:uLnTx/>
-                <a:uFillTx/>
-                <a:latin typeface="Microsoft YaHei" panose="020B0503020204020204" pitchFamily="34" charset="-122"/>
-                <a:ea typeface="Microsoft YaHei" panose="020B0503020204020204" pitchFamily="34" charset="-122"/>
-                <a:cs typeface="Arial" panose="020B0604020202020204" pitchFamily="34" charset="0"/>
-                <a:sym typeface="+mn-ea"/>
-              </a:endParaRPr>
             </a:p>
           </p:txBody>
         </p:sp>
@@ -8512,6 +11253,7 @@
                   <a:pos x="253207" y="0"/>
                 </a:cxn>
               </a:cxnLst>
+              <a:rect l="0" t="0" r="0" b="0"/>
               <a:pathLst>
                 <a:path w="60" h="45">
                   <a:moveTo>
@@ -8565,8 +11307,9 @@
           </p:spPr>
           <p:txBody>
             <a:bodyPr/>
+            <a:lstStyle/>
             <a:p>
-              <a:endParaRPr lang="en-US"/>
+              <a:endParaRPr lang="en-US" dirty="0"/>
             </a:p>
           </p:txBody>
         </p:sp>
@@ -8579,7 +11322,7 @@
         </p:nvSpPr>
         <p:spPr>
           <a:xfrm>
-            <a:off x="952500" y="4700588"/>
+            <a:off x="1025518" y="5567999"/>
             <a:ext cx="3236913" cy="645160"/>
           </a:xfrm>
           <a:prstGeom prst="rect">
@@ -8594,6 +11337,7 @@
           <a:bodyPr anchor="t" anchorCtr="0">
             <a:spAutoFit/>
           </a:bodyPr>
+          <a:lstStyle/>
           <a:p>
             <a:r>
               <a:rPr lang="en-US" sz="1200" dirty="0">
@@ -8602,10 +11346,6 @@
               </a:rPr>
               <a:t>Website chỉ sử dụng Html/Css và chưa áp dụng thư viện Bootstrap để thiết kế giao diện.</a:t>
             </a:r>
-            <a:endParaRPr lang="en-US" sz="1200" dirty="0">
-              <a:latin typeface="Microsoft YaHei" panose="020B0503020204020204" pitchFamily="34" charset="-122"/>
-              <a:ea typeface="Microsoft YaHei" panose="020B0503020204020204" pitchFamily="34" charset="-122"/>
-            </a:endParaRPr>
           </a:p>
         </p:txBody>
       </p:sp>
@@ -8617,7 +11357,7 @@
         </p:nvSpPr>
         <p:spPr>
           <a:xfrm>
-            <a:off x="4429125" y="2063750"/>
+            <a:off x="4429125" y="1911736"/>
             <a:ext cx="3236913" cy="829945"/>
           </a:xfrm>
           <a:prstGeom prst="rect">
@@ -8632,6 +11372,7 @@
           <a:bodyPr anchor="t" anchorCtr="0">
             <a:spAutoFit/>
           </a:bodyPr>
+          <a:lstStyle/>
           <a:p>
             <a:r>
               <a:rPr lang="en-US" sz="1200" dirty="0">
@@ -8640,10 +11381,6 @@
               </a:rPr>
               <a:t>Câu truyện lôi cuốn như một cuộc phiêu lưu của ba bạn sinh viên du học tại Việt Nam cùng nhau lên ý tưởng kinh doanh kiếm tiền trang trải học phí.</a:t>
             </a:r>
-            <a:endParaRPr lang="en-US" sz="1200" dirty="0">
-              <a:latin typeface="Microsoft YaHei" panose="020B0503020204020204" pitchFamily="34" charset="-122"/>
-              <a:ea typeface="Microsoft YaHei" panose="020B0503020204020204" pitchFamily="34" charset="-122"/>
-            </a:endParaRPr>
           </a:p>
         </p:txBody>
       </p:sp>
@@ -8655,7 +11392,7 @@
         </p:nvSpPr>
         <p:spPr>
           <a:xfrm>
-            <a:off x="4419600" y="4665663"/>
+            <a:off x="4492618" y="5533074"/>
             <a:ext cx="3236913" cy="460375"/>
           </a:xfrm>
           <a:prstGeom prst="rect">
@@ -8670,6 +11407,7 @@
           <a:bodyPr anchor="t" anchorCtr="0">
             <a:spAutoFit/>
           </a:bodyPr>
+          <a:lstStyle/>
           <a:p>
             <a:r>
               <a:rPr lang="en-US" sz="1200" dirty="0">
@@ -8678,10 +11416,6 @@
               </a:rPr>
               <a:t>Chúng em muốn làm nhiều trang hơn nhưng chỉ đủ trong thời gian giới hạn.</a:t>
             </a:r>
-            <a:endParaRPr lang="en-US" sz="1200" dirty="0">
-              <a:latin typeface="Microsoft YaHei" panose="020B0503020204020204" pitchFamily="34" charset="-122"/>
-              <a:ea typeface="Microsoft YaHei" panose="020B0503020204020204" pitchFamily="34" charset="-122"/>
-            </a:endParaRPr>
           </a:p>
         </p:txBody>
       </p:sp>
@@ -8693,7 +11427,7 @@
         </p:nvSpPr>
         <p:spPr>
           <a:xfrm>
-            <a:off x="7929563" y="2070100"/>
+            <a:off x="7911307" y="1908649"/>
             <a:ext cx="3236912" cy="645160"/>
           </a:xfrm>
           <a:prstGeom prst="rect">
@@ -8708,6 +11442,7 @@
           <a:bodyPr anchor="t" anchorCtr="0">
             <a:spAutoFit/>
           </a:bodyPr>
+          <a:lstStyle/>
           <a:p>
             <a:r>
               <a:rPr lang="en-US" sz="1200" dirty="0">
@@ -8716,10 +11451,6 @@
               </a:rPr>
               <a:t>Nhóm bạn kinh doanh đồ ăn, hoa quả, nước uống đều là những đặc sản phổ biến và nổi tiếng ở Việt Nam.</a:t>
             </a:r>
-            <a:endParaRPr lang="en-US" sz="1200" dirty="0">
-              <a:latin typeface="Microsoft YaHei" panose="020B0503020204020204" pitchFamily="34" charset="-122"/>
-              <a:ea typeface="Microsoft YaHei" panose="020B0503020204020204" pitchFamily="34" charset="-122"/>
-            </a:endParaRPr>
           </a:p>
         </p:txBody>
       </p:sp>
@@ -8731,7 +11462,7 @@
         </p:nvGrpSpPr>
         <p:grpSpPr>
           <a:xfrm>
-            <a:off x="307340" y="3246755"/>
+            <a:off x="380358" y="4114166"/>
             <a:ext cx="417513" cy="355600"/>
             <a:chOff x="705193" y="4082415"/>
             <a:chExt cx="666407" cy="568960"/>
@@ -8776,6 +11507,7 @@
           </p:style>
           <p:txBody>
             <a:bodyPr anchor="ctr"/>
+            <a:lstStyle/>
             <a:p>
               <a:pPr marL="0" marR="0" lvl="0" indent="0" algn="ctr" defTabSz="914400" rtl="0" eaLnBrk="1" fontAlgn="auto" latinLnBrk="0" hangingPunct="1">
                 <a:lnSpc>
@@ -8849,6 +11581,7 @@
           </p:style>
           <p:txBody>
             <a:bodyPr anchor="ctr"/>
+            <a:lstStyle/>
             <a:p>
               <a:pPr marL="0" marR="0" lvl="0" indent="0" algn="ctr" defTabSz="914400" rtl="0" eaLnBrk="1" fontAlgn="auto" latinLnBrk="0" hangingPunct="1">
                 <a:lnSpc>
@@ -8892,7 +11625,7 @@
         </p:nvSpPr>
         <p:spPr>
           <a:xfrm>
-            <a:off x="804545" y="3275330"/>
+            <a:off x="877563" y="4142741"/>
             <a:ext cx="5750560" cy="368300"/>
           </a:xfrm>
           <a:prstGeom prst="rect">
@@ -8907,6 +11640,7 @@
           <a:bodyPr wrap="square" anchor="t" anchorCtr="0">
             <a:spAutoFit/>
           </a:bodyPr>
+          <a:lstStyle/>
           <a:p>
             <a:r>
               <a:rPr lang="zh-CN" altLang="en-US" b="1" dirty="0">
@@ -8918,13 +11652,6 @@
               </a:rPr>
               <a:t>Nhược điểm</a:t>
             </a:r>
-            <a:endParaRPr lang="zh-CN" altLang="en-US" b="1" dirty="0">
-              <a:solidFill>
-                <a:srgbClr val="262626"/>
-              </a:solidFill>
-              <a:latin typeface="Microsoft YaHei" panose="020B0503020204020204" pitchFamily="34" charset="-122"/>
-              <a:ea typeface="Microsoft YaHei" panose="020B0503020204020204" pitchFamily="34" charset="-122"/>
-            </a:endParaRPr>
           </a:p>
         </p:txBody>
       </p:sp>
@@ -8936,7 +11663,7 @@
         </p:nvSpPr>
         <p:spPr>
           <a:xfrm>
-            <a:off x="4745360" y="1406255"/>
+            <a:off x="4775180" y="1234662"/>
             <a:ext cx="455647" cy="413394"/>
           </a:xfrm>
           <a:custGeom>
@@ -8969,6 +11696,7 @@
                 <a:pos x="227807" y="92658"/>
               </a:cxn>
             </a:cxnLst>
+            <a:rect l="0" t="0" r="0" b="0"/>
             <a:pathLst>
               <a:path w="54" h="49">
                 <a:moveTo>
@@ -9022,7 +11750,1055 @@
         </p:spPr>
         <p:txBody>
           <a:bodyPr/>
+          <a:lstStyle/>
           <a:p>
+            <a:endParaRPr lang="en-US" dirty="0"/>
+          </a:p>
+        </p:txBody>
+      </p:sp>
+      <p:sp>
+        <p:nvSpPr>
+          <p:cNvPr id="12" name="矩形 1">
+            <a:extLst>
+              <a:ext uri="{FF2B5EF4-FFF2-40B4-BE49-F238E27FC236}">
+                <a16:creationId xmlns:a16="http://schemas.microsoft.com/office/drawing/2014/main" id="{590B52BA-6972-FC7A-6BC3-9691A7697795}"/>
+              </a:ext>
+            </a:extLst>
+          </p:cNvPr>
+          <p:cNvSpPr/>
+          <p:nvPr/>
+        </p:nvSpPr>
+        <p:spPr>
+          <a:xfrm>
+            <a:off x="952500" y="3592165"/>
+            <a:ext cx="3236913" cy="646331"/>
+          </a:xfrm>
+          <a:prstGeom prst="rect">
+            <a:avLst/>
+          </a:prstGeom>
+          <a:noFill/>
+          <a:ln w="9525">
+            <a:noFill/>
+          </a:ln>
+        </p:spPr>
+        <p:txBody>
+          <a:bodyPr anchor="t" anchorCtr="0">
+            <a:spAutoFit/>
+          </a:bodyPr>
+          <a:lstStyle/>
+          <a:p>
+            <a:r>
+              <a:rPr lang="en-US" sz="1200" dirty="0">
+                <a:latin typeface="Microsoft YaHei" panose="020B0503020204020204" pitchFamily="34" charset="-122"/>
+                <a:ea typeface="Microsoft YaHei" panose="020B0503020204020204" pitchFamily="34" charset="-122"/>
+              </a:rPr>
+              <a:t>Blog hay </a:t>
+            </a:r>
+            <a:r>
+              <a:rPr lang="en-US" sz="1200" dirty="0" err="1">
+                <a:latin typeface="Microsoft YaHei" panose="020B0503020204020204" pitchFamily="34" charset="-122"/>
+                <a:ea typeface="Microsoft YaHei" panose="020B0503020204020204" pitchFamily="34" charset="-122"/>
+              </a:rPr>
+              <a:t>những</a:t>
+            </a:r>
+            <a:r>
+              <a:rPr lang="en-US" sz="1200" dirty="0">
+                <a:latin typeface="Microsoft YaHei" panose="020B0503020204020204" pitchFamily="34" charset="-122"/>
+                <a:ea typeface="Microsoft YaHei" panose="020B0503020204020204" pitchFamily="34" charset="-122"/>
+              </a:rPr>
+              <a:t> </a:t>
+            </a:r>
+            <a:r>
+              <a:rPr lang="en-US" sz="1200" dirty="0" err="1">
+                <a:latin typeface="Microsoft YaHei" panose="020B0503020204020204" pitchFamily="34" charset="-122"/>
+                <a:ea typeface="Microsoft YaHei" panose="020B0503020204020204" pitchFamily="34" charset="-122"/>
+              </a:rPr>
+              <a:t>đánh</a:t>
+            </a:r>
+            <a:r>
+              <a:rPr lang="en-US" sz="1200" dirty="0">
+                <a:latin typeface="Microsoft YaHei" panose="020B0503020204020204" pitchFamily="34" charset="-122"/>
+                <a:ea typeface="Microsoft YaHei" panose="020B0503020204020204" pitchFamily="34" charset="-122"/>
+              </a:rPr>
+              <a:t> </a:t>
+            </a:r>
+            <a:r>
+              <a:rPr lang="en-US" sz="1200" dirty="0" err="1">
+                <a:latin typeface="Microsoft YaHei" panose="020B0503020204020204" pitchFamily="34" charset="-122"/>
+                <a:ea typeface="Microsoft YaHei" panose="020B0503020204020204" pitchFamily="34" charset="-122"/>
+              </a:rPr>
+              <a:t>giá</a:t>
+            </a:r>
+            <a:r>
+              <a:rPr lang="en-US" sz="1200" dirty="0">
+                <a:latin typeface="Microsoft YaHei" panose="020B0503020204020204" pitchFamily="34" charset="-122"/>
+                <a:ea typeface="Microsoft YaHei" panose="020B0503020204020204" pitchFamily="34" charset="-122"/>
+              </a:rPr>
+              <a:t> </a:t>
+            </a:r>
+            <a:r>
+              <a:rPr lang="en-US" sz="1200" dirty="0" err="1">
+                <a:latin typeface="Microsoft YaHei" panose="020B0503020204020204" pitchFamily="34" charset="-122"/>
+                <a:ea typeface="Microsoft YaHei" panose="020B0503020204020204" pitchFamily="34" charset="-122"/>
+              </a:rPr>
+              <a:t>cộng</a:t>
+            </a:r>
+            <a:r>
+              <a:rPr lang="en-US" sz="1200" dirty="0">
+                <a:latin typeface="Microsoft YaHei" panose="020B0503020204020204" pitchFamily="34" charset="-122"/>
+                <a:ea typeface="Microsoft YaHei" panose="020B0503020204020204" pitchFamily="34" charset="-122"/>
+              </a:rPr>
+              <a:t> </a:t>
+            </a:r>
+            <a:r>
+              <a:rPr lang="en-US" sz="1200" dirty="0" err="1">
+                <a:latin typeface="Microsoft YaHei" panose="020B0503020204020204" pitchFamily="34" charset="-122"/>
+                <a:ea typeface="Microsoft YaHei" panose="020B0503020204020204" pitchFamily="34" charset="-122"/>
+              </a:rPr>
+              <a:t>đồng</a:t>
+            </a:r>
+            <a:r>
+              <a:rPr lang="en-US" sz="1200" dirty="0">
+                <a:latin typeface="Microsoft YaHei" panose="020B0503020204020204" pitchFamily="34" charset="-122"/>
+                <a:ea typeface="Microsoft YaHei" panose="020B0503020204020204" pitchFamily="34" charset="-122"/>
+              </a:rPr>
+              <a:t> </a:t>
+            </a:r>
+            <a:r>
+              <a:rPr lang="en-US" sz="1200" dirty="0" err="1">
+                <a:latin typeface="Microsoft YaHei" panose="020B0503020204020204" pitchFamily="34" charset="-122"/>
+                <a:ea typeface="Microsoft YaHei" panose="020B0503020204020204" pitchFamily="34" charset="-122"/>
+              </a:rPr>
+              <a:t>là</a:t>
+            </a:r>
+            <a:r>
+              <a:rPr lang="en-US" sz="1200" dirty="0">
+                <a:latin typeface="Microsoft YaHei" panose="020B0503020204020204" pitchFamily="34" charset="-122"/>
+                <a:ea typeface="Microsoft YaHei" panose="020B0503020204020204" pitchFamily="34" charset="-122"/>
+              </a:rPr>
+              <a:t> </a:t>
+            </a:r>
+            <a:r>
+              <a:rPr lang="en-US" sz="1200" dirty="0" err="1">
+                <a:latin typeface="Microsoft YaHei" panose="020B0503020204020204" pitchFamily="34" charset="-122"/>
+                <a:ea typeface="Microsoft YaHei" panose="020B0503020204020204" pitchFamily="34" charset="-122"/>
+              </a:rPr>
+              <a:t>những</a:t>
+            </a:r>
+            <a:r>
+              <a:rPr lang="en-US" sz="1200" dirty="0">
+                <a:latin typeface="Microsoft YaHei" panose="020B0503020204020204" pitchFamily="34" charset="-122"/>
+                <a:ea typeface="Microsoft YaHei" panose="020B0503020204020204" pitchFamily="34" charset="-122"/>
+              </a:rPr>
+              <a:t> </a:t>
+            </a:r>
+            <a:r>
+              <a:rPr lang="en-US" sz="1200" dirty="0" err="1">
+                <a:latin typeface="Microsoft YaHei" panose="020B0503020204020204" pitchFamily="34" charset="-122"/>
+                <a:ea typeface="Microsoft YaHei" panose="020B0503020204020204" pitchFamily="34" charset="-122"/>
+              </a:rPr>
+              <a:t>bài</a:t>
+            </a:r>
+            <a:r>
+              <a:rPr lang="en-US" sz="1200" dirty="0">
+                <a:latin typeface="Microsoft YaHei" panose="020B0503020204020204" pitchFamily="34" charset="-122"/>
+                <a:ea typeface="Microsoft YaHei" panose="020B0503020204020204" pitchFamily="34" charset="-122"/>
+              </a:rPr>
+              <a:t> </a:t>
+            </a:r>
+            <a:r>
+              <a:rPr lang="en-US" sz="1200" dirty="0" err="1">
+                <a:latin typeface="Microsoft YaHei" panose="020B0503020204020204" pitchFamily="34" charset="-122"/>
+                <a:ea typeface="Microsoft YaHei" panose="020B0503020204020204" pitchFamily="34" charset="-122"/>
+              </a:rPr>
+              <a:t>đăng</a:t>
+            </a:r>
+            <a:r>
+              <a:rPr lang="en-US" sz="1200" dirty="0">
+                <a:latin typeface="Microsoft YaHei" panose="020B0503020204020204" pitchFamily="34" charset="-122"/>
+                <a:ea typeface="Microsoft YaHei" panose="020B0503020204020204" pitchFamily="34" charset="-122"/>
+              </a:rPr>
+              <a:t> </a:t>
+            </a:r>
+            <a:r>
+              <a:rPr lang="en-US" sz="1200" dirty="0" err="1">
+                <a:latin typeface="Microsoft YaHei" panose="020B0503020204020204" pitchFamily="34" charset="-122"/>
+                <a:ea typeface="Microsoft YaHei" panose="020B0503020204020204" pitchFamily="34" charset="-122"/>
+              </a:rPr>
+              <a:t>về</a:t>
+            </a:r>
+            <a:r>
+              <a:rPr lang="en-US" sz="1200" dirty="0">
+                <a:latin typeface="Microsoft YaHei" panose="020B0503020204020204" pitchFamily="34" charset="-122"/>
+                <a:ea typeface="Microsoft YaHei" panose="020B0503020204020204" pitchFamily="34" charset="-122"/>
+              </a:rPr>
+              <a:t> </a:t>
+            </a:r>
+            <a:r>
+              <a:rPr lang="en-US" sz="1200" dirty="0" err="1">
+                <a:latin typeface="Microsoft YaHei" panose="020B0503020204020204" pitchFamily="34" charset="-122"/>
+                <a:ea typeface="Microsoft YaHei" panose="020B0503020204020204" pitchFamily="34" charset="-122"/>
+              </a:rPr>
+              <a:t>dịch</a:t>
+            </a:r>
+            <a:r>
+              <a:rPr lang="en-US" sz="1200" dirty="0">
+                <a:latin typeface="Microsoft YaHei" panose="020B0503020204020204" pitchFamily="34" charset="-122"/>
+                <a:ea typeface="Microsoft YaHei" panose="020B0503020204020204" pitchFamily="34" charset="-122"/>
+              </a:rPr>
+              <a:t> </a:t>
+            </a:r>
+            <a:r>
+              <a:rPr lang="en-US" sz="1200" dirty="0" err="1">
+                <a:latin typeface="Microsoft YaHei" panose="020B0503020204020204" pitchFamily="34" charset="-122"/>
+                <a:ea typeface="Microsoft YaHei" panose="020B0503020204020204" pitchFamily="34" charset="-122"/>
+              </a:rPr>
+              <a:t>vụ</a:t>
+            </a:r>
+            <a:r>
+              <a:rPr lang="en-US" sz="1200" dirty="0">
+                <a:latin typeface="Microsoft YaHei" panose="020B0503020204020204" pitchFamily="34" charset="-122"/>
+                <a:ea typeface="Microsoft YaHei" panose="020B0503020204020204" pitchFamily="34" charset="-122"/>
+              </a:rPr>
+              <a:t> </a:t>
+            </a:r>
+            <a:r>
+              <a:rPr lang="en-US" sz="1200" dirty="0" err="1">
+                <a:latin typeface="Microsoft YaHei" panose="020B0503020204020204" pitchFamily="34" charset="-122"/>
+                <a:ea typeface="Microsoft YaHei" panose="020B0503020204020204" pitchFamily="34" charset="-122"/>
+              </a:rPr>
+              <a:t>của</a:t>
+            </a:r>
+            <a:r>
+              <a:rPr lang="en-US" sz="1200" dirty="0">
+                <a:latin typeface="Microsoft YaHei" panose="020B0503020204020204" pitchFamily="34" charset="-122"/>
+                <a:ea typeface="Microsoft YaHei" panose="020B0503020204020204" pitchFamily="34" charset="-122"/>
+              </a:rPr>
+              <a:t> </a:t>
+            </a:r>
+            <a:r>
+              <a:rPr lang="en-US" sz="1200" dirty="0" err="1">
+                <a:latin typeface="Microsoft YaHei" panose="020B0503020204020204" pitchFamily="34" charset="-122"/>
+                <a:ea typeface="Microsoft YaHei" panose="020B0503020204020204" pitchFamily="34" charset="-122"/>
+              </a:rPr>
+              <a:t>trang</a:t>
+            </a:r>
+            <a:r>
+              <a:rPr lang="en-US" sz="1200" dirty="0">
+                <a:latin typeface="Microsoft YaHei" panose="020B0503020204020204" pitchFamily="34" charset="-122"/>
+                <a:ea typeface="Microsoft YaHei" panose="020B0503020204020204" pitchFamily="34" charset="-122"/>
+              </a:rPr>
+              <a:t> web </a:t>
+            </a:r>
+            <a:r>
+              <a:rPr lang="en-US" sz="1200" dirty="0" err="1">
+                <a:latin typeface="Microsoft YaHei" panose="020B0503020204020204" pitchFamily="34" charset="-122"/>
+                <a:ea typeface="Microsoft YaHei" panose="020B0503020204020204" pitchFamily="34" charset="-122"/>
+              </a:rPr>
+              <a:t>chúng</a:t>
+            </a:r>
+            <a:r>
+              <a:rPr lang="en-US" sz="1200" dirty="0">
+                <a:latin typeface="Microsoft YaHei" panose="020B0503020204020204" pitchFamily="34" charset="-122"/>
+                <a:ea typeface="Microsoft YaHei" panose="020B0503020204020204" pitchFamily="34" charset="-122"/>
+              </a:rPr>
+              <a:t> </a:t>
+            </a:r>
+            <a:r>
+              <a:rPr lang="en-US" sz="1200" dirty="0" err="1">
+                <a:latin typeface="Microsoft YaHei" panose="020B0503020204020204" pitchFamily="34" charset="-122"/>
+                <a:ea typeface="Microsoft YaHei" panose="020B0503020204020204" pitchFamily="34" charset="-122"/>
+              </a:rPr>
+              <a:t>em</a:t>
+            </a:r>
+            <a:r>
+              <a:rPr lang="en-US" sz="1200" dirty="0">
+                <a:latin typeface="Microsoft YaHei" panose="020B0503020204020204" pitchFamily="34" charset="-122"/>
+                <a:ea typeface="Microsoft YaHei" panose="020B0503020204020204" pitchFamily="34" charset="-122"/>
+              </a:rPr>
+              <a:t>.</a:t>
+            </a:r>
+          </a:p>
+        </p:txBody>
+      </p:sp>
+      <p:grpSp>
+        <p:nvGrpSpPr>
+          <p:cNvPr id="14" name="组合 8">
+            <a:extLst>
+              <a:ext uri="{FF2B5EF4-FFF2-40B4-BE49-F238E27FC236}">
+                <a16:creationId xmlns:a16="http://schemas.microsoft.com/office/drawing/2014/main" id="{E55E4672-1FD7-DF3F-FD9B-6539B595B2A1}"/>
+              </a:ext>
+            </a:extLst>
+          </p:cNvPr>
+          <p:cNvGrpSpPr/>
+          <p:nvPr/>
+        </p:nvGrpSpPr>
+        <p:grpSpPr>
+          <a:xfrm>
+            <a:off x="1030288" y="2734915"/>
+            <a:ext cx="3235325" cy="690563"/>
+            <a:chOff x="1029508" y="1575173"/>
+            <a:chExt cx="3236673" cy="689487"/>
+          </a:xfrm>
+        </p:grpSpPr>
+        <p:sp>
+          <p:nvSpPr>
+            <p:cNvPr id="16" name="Rectangle 631">
+              <a:extLst>
+                <a:ext uri="{FF2B5EF4-FFF2-40B4-BE49-F238E27FC236}">
+                  <a16:creationId xmlns:a16="http://schemas.microsoft.com/office/drawing/2014/main" id="{801BF21D-C257-4E50-DDCD-87BDBCD47D46}"/>
+                </a:ext>
+              </a:extLst>
+            </p:cNvPr>
+            <p:cNvSpPr/>
+            <p:nvPr/>
+          </p:nvSpPr>
+          <p:spPr>
+            <a:xfrm>
+              <a:off x="1029508" y="1575173"/>
+              <a:ext cx="3236673" cy="689487"/>
+            </a:xfrm>
+            <a:prstGeom prst="rect">
+              <a:avLst/>
+            </a:prstGeom>
+            <a:solidFill>
+              <a:srgbClr val="F8941C"/>
+            </a:solidFill>
+            <a:ln w="9525">
+              <a:noFill/>
+            </a:ln>
+          </p:spPr>
+          <p:txBody>
+            <a:bodyPr anchor="t" anchorCtr="0"/>
+            <a:lstStyle/>
+            <a:p>
+              <a:endParaRPr lang="zh-CN" altLang="en-US" dirty="0">
+                <a:solidFill>
+                  <a:srgbClr val="000000"/>
+                </a:solidFill>
+                <a:latin typeface="等线" pitchFamily="2" charset="-122"/>
+                <a:ea typeface="等线" pitchFamily="2" charset="-122"/>
+              </a:endParaRPr>
+            </a:p>
+          </p:txBody>
+        </p:sp>
+        <p:sp>
+          <p:nvSpPr>
+            <p:cNvPr id="18" name="TextBox 707">
+              <a:extLst>
+                <a:ext uri="{FF2B5EF4-FFF2-40B4-BE49-F238E27FC236}">
+                  <a16:creationId xmlns:a16="http://schemas.microsoft.com/office/drawing/2014/main" id="{EB277350-0B14-95D7-99D7-A63995C85E4C}"/>
+                </a:ext>
+              </a:extLst>
+            </p:cNvPr>
+            <p:cNvSpPr txBox="1"/>
+            <p:nvPr/>
+          </p:nvSpPr>
+          <p:spPr>
+            <a:xfrm>
+              <a:off x="2147960" y="1750091"/>
+              <a:ext cx="1595974" cy="338026"/>
+            </a:xfrm>
+            <a:prstGeom prst="rect">
+              <a:avLst/>
+            </a:prstGeom>
+            <a:noFill/>
+          </p:spPr>
+          <p:txBody>
+            <a:bodyPr wrap="none">
+              <a:spAutoFit/>
+            </a:bodyPr>
+            <a:lstStyle>
+              <a:defPPr>
+                <a:defRPr lang="zh-CN"/>
+              </a:defPPr>
+              <a:lvl1pPr algn="ctr" fontAlgn="auto">
+                <a:spcBef>
+                  <a:spcPts val="0"/>
+                </a:spcBef>
+                <a:spcAft>
+                  <a:spcPts val="0"/>
+                </a:spcAft>
+                <a:defRPr sz="700" spc="300">
+                  <a:solidFill>
+                    <a:schemeClr val="tx1">
+                      <a:lumMod val="65000"/>
+                      <a:lumOff val="35000"/>
+                    </a:schemeClr>
+                  </a:solidFill>
+                  <a:latin typeface="Microsoft YaHei" panose="020B0503020204020204" pitchFamily="34" charset="-122"/>
+                  <a:ea typeface="Microsoft YaHei" panose="020B0503020204020204" pitchFamily="34" charset="-122"/>
+                  <a:cs typeface="Arial" panose="020B0604020202020204" pitchFamily="34" charset="0"/>
+                </a:defRPr>
+              </a:lvl1pPr>
+            </a:lstStyle>
+            <a:p>
+              <a:pPr marL="0" marR="0" lvl="0" indent="0" algn="ctr" defTabSz="914400" rtl="0" eaLnBrk="1" fontAlgn="auto" latinLnBrk="0" hangingPunct="1">
+                <a:lnSpc>
+                  <a:spcPct val="100000"/>
+                </a:lnSpc>
+                <a:spcBef>
+                  <a:spcPts val="0"/>
+                </a:spcBef>
+                <a:spcAft>
+                  <a:spcPts val="0"/>
+                </a:spcAft>
+                <a:buClrTx/>
+                <a:buSzTx/>
+                <a:buFontTx/>
+                <a:buNone/>
+                <a:defRPr/>
+              </a:pPr>
+              <a:r>
+                <a:rPr lang="en-US" altLang="zh-CN" sz="1600" dirty="0" err="1">
+                  <a:solidFill>
+                    <a:prstClr val="white"/>
+                  </a:solidFill>
+                  <a:sym typeface="+mn-ea"/>
+                </a:rPr>
+                <a:t>Cộng</a:t>
+              </a:r>
+              <a:r>
+                <a:rPr lang="en-US" altLang="zh-CN" sz="1600" dirty="0">
+                  <a:solidFill>
+                    <a:prstClr val="white"/>
+                  </a:solidFill>
+                  <a:sym typeface="+mn-ea"/>
+                </a:rPr>
+                <a:t> </a:t>
+              </a:r>
+              <a:r>
+                <a:rPr lang="en-US" altLang="zh-CN" sz="1600" dirty="0" err="1">
+                  <a:solidFill>
+                    <a:prstClr val="white"/>
+                  </a:solidFill>
+                  <a:sym typeface="+mn-ea"/>
+                </a:rPr>
+                <a:t>đồng</a:t>
+              </a:r>
+              <a:endParaRPr kumimoji="0" lang="en-US" altLang="zh-CN" sz="1600" b="0" i="0" u="none" strike="noStrike" kern="1200" cap="none" spc="300" normalizeH="0" baseline="0" noProof="0" dirty="0">
+                <a:ln>
+                  <a:noFill/>
+                </a:ln>
+                <a:solidFill>
+                  <a:prstClr val="white"/>
+                </a:solidFill>
+                <a:effectLst/>
+                <a:uLnTx/>
+                <a:uFillTx/>
+                <a:latin typeface="Microsoft YaHei" panose="020B0503020204020204" pitchFamily="34" charset="-122"/>
+                <a:ea typeface="Microsoft YaHei" panose="020B0503020204020204" pitchFamily="34" charset="-122"/>
+                <a:cs typeface="Arial" panose="020B0604020202020204" pitchFamily="34" charset="0"/>
+                <a:sym typeface="+mn-ea"/>
+              </a:endParaRPr>
+            </a:p>
+          </p:txBody>
+        </p:sp>
+      </p:grpSp>
+      <p:sp>
+        <p:nvSpPr>
+          <p:cNvPr id="34" name="Freeform 71">
+            <a:extLst>
+              <a:ext uri="{FF2B5EF4-FFF2-40B4-BE49-F238E27FC236}">
+                <a16:creationId xmlns:a16="http://schemas.microsoft.com/office/drawing/2014/main" id="{AA8CDE96-26BF-6DDD-D6D8-1D29844F51EB}"/>
+              </a:ext>
+            </a:extLst>
+          </p:cNvPr>
+          <p:cNvSpPr/>
+          <p:nvPr/>
+        </p:nvSpPr>
+        <p:spPr>
+          <a:xfrm>
+            <a:off x="1289834" y="2902048"/>
+            <a:ext cx="336410" cy="362194"/>
+          </a:xfrm>
+          <a:custGeom>
+            <a:avLst/>
+            <a:gdLst/>
+            <a:ahLst/>
+            <a:cxnLst>
+              <a:cxn ang="0">
+                <a:pos x="218758" y="151514"/>
+              </a:cxn>
+              <a:cxn ang="0">
+                <a:pos x="252413" y="84174"/>
+              </a:cxn>
+              <a:cxn ang="0">
+                <a:pos x="168275" y="0"/>
+              </a:cxn>
+              <a:cxn ang="0">
+                <a:pos x="84138" y="84174"/>
+              </a:cxn>
+              <a:cxn ang="0">
+                <a:pos x="117793" y="151514"/>
+              </a:cxn>
+              <a:cxn ang="0">
+                <a:pos x="0" y="361950"/>
+              </a:cxn>
+              <a:cxn ang="0">
+                <a:pos x="336550" y="361950"/>
+              </a:cxn>
+              <a:cxn ang="0">
+                <a:pos x="218758" y="151514"/>
+              </a:cxn>
+            </a:cxnLst>
+            <a:rect l="0" t="0" r="0" b="0"/>
+            <a:pathLst>
+              <a:path w="40" h="43">
+                <a:moveTo>
+                  <a:pt x="26" y="18"/>
+                </a:moveTo>
+                <a:cubicBezTo>
+                  <a:pt x="28" y="16"/>
+                  <a:pt x="30" y="13"/>
+                  <a:pt x="30" y="10"/>
+                </a:cubicBezTo>
+                <a:cubicBezTo>
+                  <a:pt x="30" y="4"/>
+                  <a:pt x="26" y="0"/>
+                  <a:pt x="20" y="0"/>
+                </a:cubicBezTo>
+                <a:cubicBezTo>
+                  <a:pt x="14" y="0"/>
+                  <a:pt x="10" y="4"/>
+                  <a:pt x="10" y="10"/>
+                </a:cubicBezTo>
+                <a:cubicBezTo>
+                  <a:pt x="10" y="13"/>
+                  <a:pt x="11" y="16"/>
+                  <a:pt x="14" y="18"/>
+                </a:cubicBezTo>
+                <a:cubicBezTo>
+                  <a:pt x="7" y="22"/>
+                  <a:pt x="1" y="31"/>
+                  <a:pt x="0" y="43"/>
+                </a:cubicBezTo>
+                <a:cubicBezTo>
+                  <a:pt x="40" y="43"/>
+                  <a:pt x="40" y="43"/>
+                  <a:pt x="40" y="43"/>
+                </a:cubicBezTo>
+                <a:cubicBezTo>
+                  <a:pt x="39" y="31"/>
+                  <a:pt x="33" y="22"/>
+                  <a:pt x="26" y="18"/>
+                </a:cubicBezTo>
+                <a:close/>
+              </a:path>
+            </a:pathLst>
+          </a:custGeom>
+          <a:solidFill>
+            <a:srgbClr val="FFFFFF"/>
+          </a:solidFill>
+          <a:ln w="9525">
+            <a:noFill/>
+          </a:ln>
+        </p:spPr>
+        <p:txBody>
+          <a:bodyPr/>
+          <a:lstStyle/>
+          <a:p>
+            <a:endParaRPr lang="en-US" dirty="0"/>
+          </a:p>
+        </p:txBody>
+      </p:sp>
+      <p:sp>
+        <p:nvSpPr>
+          <p:cNvPr id="35" name="矩形 1">
+            <a:extLst>
+              <a:ext uri="{FF2B5EF4-FFF2-40B4-BE49-F238E27FC236}">
+                <a16:creationId xmlns:a16="http://schemas.microsoft.com/office/drawing/2014/main" id="{D796ECCD-723E-BA57-F0DA-20980C7CF38C}"/>
+              </a:ext>
+            </a:extLst>
+          </p:cNvPr>
+          <p:cNvSpPr/>
+          <p:nvPr/>
+        </p:nvSpPr>
+        <p:spPr>
+          <a:xfrm>
+            <a:off x="4366569" y="3571222"/>
+            <a:ext cx="3236913" cy="646331"/>
+          </a:xfrm>
+          <a:prstGeom prst="rect">
+            <a:avLst/>
+          </a:prstGeom>
+          <a:noFill/>
+          <a:ln w="9525">
+            <a:noFill/>
+          </a:ln>
+        </p:spPr>
+        <p:txBody>
+          <a:bodyPr anchor="t" anchorCtr="0">
+            <a:spAutoFit/>
+          </a:bodyPr>
+          <a:lstStyle/>
+          <a:p>
+            <a:r>
+              <a:rPr lang="en-US" sz="1200" dirty="0">
+                <a:latin typeface="Microsoft YaHei" panose="020B0503020204020204" pitchFamily="34" charset="-122"/>
+                <a:ea typeface="Microsoft YaHei" panose="020B0503020204020204" pitchFamily="34" charset="-122"/>
+              </a:rPr>
+              <a:t>Page </a:t>
+            </a:r>
+            <a:r>
+              <a:rPr lang="en-US" sz="1200" dirty="0" err="1">
+                <a:latin typeface="Microsoft YaHei" panose="020B0503020204020204" pitchFamily="34" charset="-122"/>
+                <a:ea typeface="Microsoft YaHei" panose="020B0503020204020204" pitchFamily="34" charset="-122"/>
+              </a:rPr>
+              <a:t>chứa</a:t>
+            </a:r>
+            <a:r>
+              <a:rPr lang="en-US" sz="1200" dirty="0">
+                <a:latin typeface="Microsoft YaHei" panose="020B0503020204020204" pitchFamily="34" charset="-122"/>
+                <a:ea typeface="Microsoft YaHei" panose="020B0503020204020204" pitchFamily="34" charset="-122"/>
+              </a:rPr>
+              <a:t> </a:t>
+            </a:r>
+            <a:r>
+              <a:rPr lang="en-US" sz="1200" dirty="0" err="1">
+                <a:latin typeface="Microsoft YaHei" panose="020B0503020204020204" pitchFamily="34" charset="-122"/>
+                <a:ea typeface="Microsoft YaHei" panose="020B0503020204020204" pitchFamily="34" charset="-122"/>
+              </a:rPr>
+              <a:t>những</a:t>
+            </a:r>
+            <a:r>
+              <a:rPr lang="en-US" sz="1200" dirty="0">
+                <a:latin typeface="Microsoft YaHei" panose="020B0503020204020204" pitchFamily="34" charset="-122"/>
+                <a:ea typeface="Microsoft YaHei" panose="020B0503020204020204" pitchFamily="34" charset="-122"/>
+              </a:rPr>
+              <a:t> </a:t>
+            </a:r>
+            <a:r>
+              <a:rPr lang="en-US" sz="1200" dirty="0" err="1">
+                <a:latin typeface="Microsoft YaHei" panose="020B0503020204020204" pitchFamily="34" charset="-122"/>
+                <a:ea typeface="Microsoft YaHei" panose="020B0503020204020204" pitchFamily="34" charset="-122"/>
+              </a:rPr>
+              <a:t>câu</a:t>
+            </a:r>
+            <a:r>
+              <a:rPr lang="en-US" sz="1200" dirty="0">
+                <a:latin typeface="Microsoft YaHei" panose="020B0503020204020204" pitchFamily="34" charset="-122"/>
+                <a:ea typeface="Microsoft YaHei" panose="020B0503020204020204" pitchFamily="34" charset="-122"/>
+              </a:rPr>
+              <a:t> </a:t>
+            </a:r>
+            <a:r>
+              <a:rPr lang="en-US" sz="1200" dirty="0" err="1">
+                <a:latin typeface="Microsoft YaHei" panose="020B0503020204020204" pitchFamily="34" charset="-122"/>
+                <a:ea typeface="Microsoft YaHei" panose="020B0503020204020204" pitchFamily="34" charset="-122"/>
+              </a:rPr>
+              <a:t>hỏi</a:t>
+            </a:r>
+            <a:r>
+              <a:rPr lang="en-US" sz="1200" dirty="0">
+                <a:latin typeface="Microsoft YaHei" panose="020B0503020204020204" pitchFamily="34" charset="-122"/>
+                <a:ea typeface="Microsoft YaHei" panose="020B0503020204020204" pitchFamily="34" charset="-122"/>
+              </a:rPr>
+              <a:t> </a:t>
+            </a:r>
+            <a:r>
+              <a:rPr lang="en-US" sz="1200" dirty="0" err="1">
+                <a:latin typeface="Microsoft YaHei" panose="020B0503020204020204" pitchFamily="34" charset="-122"/>
+                <a:ea typeface="Microsoft YaHei" panose="020B0503020204020204" pitchFamily="34" charset="-122"/>
+              </a:rPr>
+              <a:t>về</a:t>
+            </a:r>
+            <a:r>
+              <a:rPr lang="en-US" sz="1200" dirty="0">
+                <a:latin typeface="Microsoft YaHei" panose="020B0503020204020204" pitchFamily="34" charset="-122"/>
+                <a:ea typeface="Microsoft YaHei" panose="020B0503020204020204" pitchFamily="34" charset="-122"/>
+              </a:rPr>
+              <a:t> </a:t>
+            </a:r>
+            <a:r>
+              <a:rPr lang="en-US" sz="1200" dirty="0" err="1">
+                <a:latin typeface="Microsoft YaHei" panose="020B0503020204020204" pitchFamily="34" charset="-122"/>
+                <a:ea typeface="Microsoft YaHei" panose="020B0503020204020204" pitchFamily="34" charset="-122"/>
+              </a:rPr>
+              <a:t>dịch</a:t>
+            </a:r>
+            <a:r>
+              <a:rPr lang="en-US" sz="1200" dirty="0">
+                <a:latin typeface="Microsoft YaHei" panose="020B0503020204020204" pitchFamily="34" charset="-122"/>
+                <a:ea typeface="Microsoft YaHei" panose="020B0503020204020204" pitchFamily="34" charset="-122"/>
+              </a:rPr>
+              <a:t> </a:t>
+            </a:r>
+            <a:r>
+              <a:rPr lang="en-US" sz="1200" dirty="0" err="1">
+                <a:latin typeface="Microsoft YaHei" panose="020B0503020204020204" pitchFamily="34" charset="-122"/>
+                <a:ea typeface="Microsoft YaHei" panose="020B0503020204020204" pitchFamily="34" charset="-122"/>
+              </a:rPr>
+              <a:t>vụ</a:t>
+            </a:r>
+            <a:r>
+              <a:rPr lang="en-US" sz="1200" dirty="0">
+                <a:latin typeface="Microsoft YaHei" panose="020B0503020204020204" pitchFamily="34" charset="-122"/>
+                <a:ea typeface="Microsoft YaHei" panose="020B0503020204020204" pitchFamily="34" charset="-122"/>
+              </a:rPr>
+              <a:t> </a:t>
+            </a:r>
+            <a:r>
+              <a:rPr lang="en-US" sz="1200" dirty="0" err="1">
+                <a:latin typeface="Microsoft YaHei" panose="020B0503020204020204" pitchFamily="34" charset="-122"/>
+                <a:ea typeface="Microsoft YaHei" panose="020B0503020204020204" pitchFamily="34" charset="-122"/>
+              </a:rPr>
+              <a:t>cũng</a:t>
+            </a:r>
+            <a:r>
+              <a:rPr lang="en-US" sz="1200" dirty="0">
+                <a:latin typeface="Microsoft YaHei" panose="020B0503020204020204" pitchFamily="34" charset="-122"/>
+                <a:ea typeface="Microsoft YaHei" panose="020B0503020204020204" pitchFamily="34" charset="-122"/>
+              </a:rPr>
+              <a:t> </a:t>
+            </a:r>
+            <a:r>
+              <a:rPr lang="en-US" sz="1200" dirty="0" err="1">
+                <a:latin typeface="Microsoft YaHei" panose="020B0503020204020204" pitchFamily="34" charset="-122"/>
+                <a:ea typeface="Microsoft YaHei" panose="020B0503020204020204" pitchFamily="34" charset="-122"/>
+              </a:rPr>
+              <a:t>như</a:t>
+            </a:r>
+            <a:r>
+              <a:rPr lang="en-US" sz="1200" dirty="0">
+                <a:latin typeface="Microsoft YaHei" panose="020B0503020204020204" pitchFamily="34" charset="-122"/>
+                <a:ea typeface="Microsoft YaHei" panose="020B0503020204020204" pitchFamily="34" charset="-122"/>
+              </a:rPr>
+              <a:t> </a:t>
+            </a:r>
+            <a:r>
+              <a:rPr lang="en-US" sz="1200" dirty="0" err="1">
+                <a:latin typeface="Microsoft YaHei" panose="020B0503020204020204" pitchFamily="34" charset="-122"/>
+                <a:ea typeface="Microsoft YaHei" panose="020B0503020204020204" pitchFamily="34" charset="-122"/>
+              </a:rPr>
+              <a:t>giải</a:t>
+            </a:r>
+            <a:r>
+              <a:rPr lang="en-US" sz="1200" dirty="0">
+                <a:latin typeface="Microsoft YaHei" panose="020B0503020204020204" pitchFamily="34" charset="-122"/>
+                <a:ea typeface="Microsoft YaHei" panose="020B0503020204020204" pitchFamily="34" charset="-122"/>
+              </a:rPr>
+              <a:t> </a:t>
+            </a:r>
+            <a:r>
+              <a:rPr lang="en-US" sz="1200" dirty="0" err="1">
+                <a:latin typeface="Microsoft YaHei" panose="020B0503020204020204" pitchFamily="34" charset="-122"/>
+                <a:ea typeface="Microsoft YaHei" panose="020B0503020204020204" pitchFamily="34" charset="-122"/>
+              </a:rPr>
+              <a:t>đáp</a:t>
+            </a:r>
+            <a:r>
+              <a:rPr lang="en-US" sz="1200" dirty="0">
+                <a:latin typeface="Microsoft YaHei" panose="020B0503020204020204" pitchFamily="34" charset="-122"/>
+                <a:ea typeface="Microsoft YaHei" panose="020B0503020204020204" pitchFamily="34" charset="-122"/>
+              </a:rPr>
+              <a:t> </a:t>
+            </a:r>
+            <a:r>
+              <a:rPr lang="en-US" sz="1200" dirty="0" err="1">
+                <a:latin typeface="Microsoft YaHei" panose="020B0503020204020204" pitchFamily="34" charset="-122"/>
+                <a:ea typeface="Microsoft YaHei" panose="020B0503020204020204" pitchFamily="34" charset="-122"/>
+              </a:rPr>
+              <a:t>thắc</a:t>
+            </a:r>
+            <a:r>
+              <a:rPr lang="en-US" sz="1200" dirty="0">
+                <a:latin typeface="Microsoft YaHei" panose="020B0503020204020204" pitchFamily="34" charset="-122"/>
+                <a:ea typeface="Microsoft YaHei" panose="020B0503020204020204" pitchFamily="34" charset="-122"/>
+              </a:rPr>
+              <a:t> </a:t>
+            </a:r>
+            <a:r>
+              <a:rPr lang="en-US" sz="1200" dirty="0" err="1">
+                <a:latin typeface="Microsoft YaHei" panose="020B0503020204020204" pitchFamily="34" charset="-122"/>
+                <a:ea typeface="Microsoft YaHei" panose="020B0503020204020204" pitchFamily="34" charset="-122"/>
+              </a:rPr>
+              <a:t>mắc</a:t>
+            </a:r>
+            <a:r>
+              <a:rPr lang="en-US" sz="1200" dirty="0">
+                <a:latin typeface="Microsoft YaHei" panose="020B0503020204020204" pitchFamily="34" charset="-122"/>
+                <a:ea typeface="Microsoft YaHei" panose="020B0503020204020204" pitchFamily="34" charset="-122"/>
+              </a:rPr>
+              <a:t> </a:t>
+            </a:r>
+            <a:r>
+              <a:rPr lang="en-US" sz="1200" dirty="0" err="1">
+                <a:latin typeface="Microsoft YaHei" panose="020B0503020204020204" pitchFamily="34" charset="-122"/>
+                <a:ea typeface="Microsoft YaHei" panose="020B0503020204020204" pitchFamily="34" charset="-122"/>
+              </a:rPr>
+              <a:t>về</a:t>
+            </a:r>
+            <a:r>
+              <a:rPr lang="en-US" sz="1200" dirty="0">
+                <a:latin typeface="Microsoft YaHei" panose="020B0503020204020204" pitchFamily="34" charset="-122"/>
+                <a:ea typeface="Microsoft YaHei" panose="020B0503020204020204" pitchFamily="34" charset="-122"/>
+              </a:rPr>
+              <a:t> </a:t>
+            </a:r>
+            <a:r>
+              <a:rPr lang="en-US" sz="1200" dirty="0" err="1">
+                <a:latin typeface="Microsoft YaHei" panose="020B0503020204020204" pitchFamily="34" charset="-122"/>
+                <a:ea typeface="Microsoft YaHei" panose="020B0503020204020204" pitchFamily="34" charset="-122"/>
+              </a:rPr>
+              <a:t>những</a:t>
+            </a:r>
+            <a:r>
+              <a:rPr lang="en-US" sz="1200" dirty="0">
+                <a:latin typeface="Microsoft YaHei" panose="020B0503020204020204" pitchFamily="34" charset="-122"/>
+                <a:ea typeface="Microsoft YaHei" panose="020B0503020204020204" pitchFamily="34" charset="-122"/>
+              </a:rPr>
+              <a:t> </a:t>
+            </a:r>
+            <a:r>
+              <a:rPr lang="en-US" sz="1200" dirty="0" err="1">
+                <a:latin typeface="Microsoft YaHei" panose="020B0503020204020204" pitchFamily="34" charset="-122"/>
+                <a:ea typeface="Microsoft YaHei" panose="020B0503020204020204" pitchFamily="34" charset="-122"/>
+              </a:rPr>
+              <a:t>dịch</a:t>
+            </a:r>
+            <a:r>
+              <a:rPr lang="en-US" sz="1200" dirty="0">
+                <a:latin typeface="Microsoft YaHei" panose="020B0503020204020204" pitchFamily="34" charset="-122"/>
+                <a:ea typeface="Microsoft YaHei" panose="020B0503020204020204" pitchFamily="34" charset="-122"/>
+              </a:rPr>
+              <a:t> </a:t>
+            </a:r>
+            <a:r>
+              <a:rPr lang="en-US" sz="1200" dirty="0" err="1">
+                <a:latin typeface="Microsoft YaHei" panose="020B0503020204020204" pitchFamily="34" charset="-122"/>
+                <a:ea typeface="Microsoft YaHei" panose="020B0503020204020204" pitchFamily="34" charset="-122"/>
+              </a:rPr>
+              <a:t>vụ</a:t>
+            </a:r>
+            <a:r>
+              <a:rPr lang="en-US" sz="1200" dirty="0">
+                <a:latin typeface="Microsoft YaHei" panose="020B0503020204020204" pitchFamily="34" charset="-122"/>
+                <a:ea typeface="Microsoft YaHei" panose="020B0503020204020204" pitchFamily="34" charset="-122"/>
+              </a:rPr>
+              <a:t> </a:t>
+            </a:r>
+            <a:r>
+              <a:rPr lang="en-US" sz="1200" dirty="0" err="1">
+                <a:latin typeface="Microsoft YaHei" panose="020B0503020204020204" pitchFamily="34" charset="-122"/>
+                <a:ea typeface="Microsoft YaHei" panose="020B0503020204020204" pitchFamily="34" charset="-122"/>
+              </a:rPr>
+              <a:t>ngoài</a:t>
+            </a:r>
+            <a:r>
+              <a:rPr lang="en-US" sz="1200" dirty="0">
+                <a:latin typeface="Microsoft YaHei" panose="020B0503020204020204" pitchFamily="34" charset="-122"/>
+                <a:ea typeface="Microsoft YaHei" panose="020B0503020204020204" pitchFamily="34" charset="-122"/>
+              </a:rPr>
+              <a:t> !</a:t>
+            </a:r>
+          </a:p>
+        </p:txBody>
+      </p:sp>
+      <p:grpSp>
+        <p:nvGrpSpPr>
+          <p:cNvPr id="36" name="组合 8">
+            <a:extLst>
+              <a:ext uri="{FF2B5EF4-FFF2-40B4-BE49-F238E27FC236}">
+                <a16:creationId xmlns:a16="http://schemas.microsoft.com/office/drawing/2014/main" id="{2E5A1B2F-347B-A26E-C182-F80F0BE725F6}"/>
+              </a:ext>
+            </a:extLst>
+          </p:cNvPr>
+          <p:cNvGrpSpPr/>
+          <p:nvPr/>
+        </p:nvGrpSpPr>
+        <p:grpSpPr>
+          <a:xfrm>
+            <a:off x="4463108" y="2747520"/>
+            <a:ext cx="3235325" cy="690563"/>
+            <a:chOff x="1029508" y="1575173"/>
+            <a:chExt cx="3236673" cy="689487"/>
+          </a:xfrm>
+          <a:solidFill>
+            <a:srgbClr val="353F48"/>
+          </a:solidFill>
+        </p:grpSpPr>
+        <p:sp>
+          <p:nvSpPr>
+            <p:cNvPr id="37" name="Rectangle 631">
+              <a:extLst>
+                <a:ext uri="{FF2B5EF4-FFF2-40B4-BE49-F238E27FC236}">
+                  <a16:creationId xmlns:a16="http://schemas.microsoft.com/office/drawing/2014/main" id="{39EEA7DF-D50E-8000-B948-6C61778A62DF}"/>
+                </a:ext>
+              </a:extLst>
+            </p:cNvPr>
+            <p:cNvSpPr/>
+            <p:nvPr/>
+          </p:nvSpPr>
+          <p:spPr>
+            <a:xfrm>
+              <a:off x="1029508" y="1575173"/>
+              <a:ext cx="3236673" cy="689487"/>
+            </a:xfrm>
+            <a:prstGeom prst="rect">
+              <a:avLst/>
+            </a:prstGeom>
+            <a:grpFill/>
+            <a:ln w="9525">
+              <a:noFill/>
+            </a:ln>
+          </p:spPr>
+          <p:txBody>
+            <a:bodyPr anchor="t" anchorCtr="0"/>
+            <a:lstStyle/>
+            <a:p>
+              <a:endParaRPr lang="zh-CN" altLang="en-US" dirty="0">
+                <a:solidFill>
+                  <a:srgbClr val="000000"/>
+                </a:solidFill>
+                <a:latin typeface="等线" pitchFamily="2" charset="-122"/>
+                <a:ea typeface="等线" pitchFamily="2" charset="-122"/>
+              </a:endParaRPr>
+            </a:p>
+          </p:txBody>
+        </p:sp>
+        <p:sp>
+          <p:nvSpPr>
+            <p:cNvPr id="38" name="TextBox 707">
+              <a:extLst>
+                <a:ext uri="{FF2B5EF4-FFF2-40B4-BE49-F238E27FC236}">
+                  <a16:creationId xmlns:a16="http://schemas.microsoft.com/office/drawing/2014/main" id="{836F6C95-5F1D-9AC7-915D-1D87AD760F46}"/>
+                </a:ext>
+              </a:extLst>
+            </p:cNvPr>
+            <p:cNvSpPr txBox="1"/>
+            <p:nvPr/>
+          </p:nvSpPr>
+          <p:spPr>
+            <a:xfrm>
+              <a:off x="1903216" y="1689443"/>
+              <a:ext cx="2085813" cy="460946"/>
+            </a:xfrm>
+            <a:prstGeom prst="rect">
+              <a:avLst/>
+            </a:prstGeom>
+            <a:grpFill/>
+          </p:spPr>
+          <p:txBody>
+            <a:bodyPr wrap="square">
+              <a:spAutoFit/>
+            </a:bodyPr>
+            <a:lstStyle>
+              <a:defPPr>
+                <a:defRPr lang="zh-CN"/>
+              </a:defPPr>
+              <a:lvl1pPr algn="ctr" fontAlgn="auto">
+                <a:spcBef>
+                  <a:spcPts val="0"/>
+                </a:spcBef>
+                <a:spcAft>
+                  <a:spcPts val="0"/>
+                </a:spcAft>
+                <a:defRPr sz="700" spc="300">
+                  <a:solidFill>
+                    <a:schemeClr val="tx1">
+                      <a:lumMod val="65000"/>
+                      <a:lumOff val="35000"/>
+                    </a:schemeClr>
+                  </a:solidFill>
+                  <a:latin typeface="Microsoft YaHei" panose="020B0503020204020204" pitchFamily="34" charset="-122"/>
+                  <a:ea typeface="Microsoft YaHei" panose="020B0503020204020204" pitchFamily="34" charset="-122"/>
+                  <a:cs typeface="Arial" panose="020B0604020202020204" pitchFamily="34" charset="0"/>
+                </a:defRPr>
+              </a:lvl1pPr>
+            </a:lstStyle>
+            <a:p>
+              <a:pPr marL="0" marR="0" lvl="0" indent="0" algn="ctr" defTabSz="914400" rtl="0" eaLnBrk="1" fontAlgn="auto" latinLnBrk="0" hangingPunct="1">
+                <a:lnSpc>
+                  <a:spcPct val="100000"/>
+                </a:lnSpc>
+                <a:spcBef>
+                  <a:spcPts val="0"/>
+                </a:spcBef>
+                <a:spcAft>
+                  <a:spcPts val="0"/>
+                </a:spcAft>
+                <a:buClrTx/>
+                <a:buSzTx/>
+                <a:buFontTx/>
+                <a:buNone/>
+                <a:defRPr/>
+              </a:pPr>
+              <a:r>
+                <a:rPr lang="en-US" altLang="zh-CN" sz="2400" dirty="0">
+                  <a:solidFill>
+                    <a:prstClr val="white"/>
+                  </a:solidFill>
+                  <a:sym typeface="+mn-ea"/>
+                </a:rPr>
+                <a:t>FAQ</a:t>
+              </a:r>
+              <a:endParaRPr kumimoji="0" lang="en-US" altLang="zh-CN" sz="2400" b="0" i="0" u="none" strike="noStrike" kern="1200" cap="none" spc="300" normalizeH="0" baseline="0" noProof="0" dirty="0">
+                <a:ln>
+                  <a:noFill/>
+                </a:ln>
+                <a:solidFill>
+                  <a:prstClr val="white"/>
+                </a:solidFill>
+                <a:effectLst/>
+                <a:uLnTx/>
+                <a:uFillTx/>
+                <a:latin typeface="Microsoft YaHei" panose="020B0503020204020204" pitchFamily="34" charset="-122"/>
+                <a:ea typeface="Microsoft YaHei" panose="020B0503020204020204" pitchFamily="34" charset="-122"/>
+                <a:cs typeface="Arial" panose="020B0604020202020204" pitchFamily="34" charset="0"/>
+                <a:sym typeface="+mn-ea"/>
+              </a:endParaRPr>
+            </a:p>
+          </p:txBody>
+        </p:sp>
+      </p:grpSp>
+      <p:sp>
+        <p:nvSpPr>
+          <p:cNvPr id="40" name="Star: 4 Points 39">
+            <a:extLst>
+              <a:ext uri="{FF2B5EF4-FFF2-40B4-BE49-F238E27FC236}">
+                <a16:creationId xmlns:a16="http://schemas.microsoft.com/office/drawing/2014/main" id="{C49319BD-1FED-00C4-8F10-D65BF06D7B8A}"/>
+              </a:ext>
+            </a:extLst>
+          </p:cNvPr>
+          <p:cNvSpPr/>
+          <p:nvPr/>
+        </p:nvSpPr>
+        <p:spPr>
+          <a:xfrm>
+            <a:off x="4715804" y="2802007"/>
+            <a:ext cx="515023" cy="529335"/>
+          </a:xfrm>
+          <a:prstGeom prst="star4">
+            <a:avLst/>
+          </a:prstGeom>
+          <a:solidFill>
+            <a:schemeClr val="bg1">
+              <a:lumMod val="95000"/>
+            </a:schemeClr>
+          </a:solidFill>
+        </p:spPr>
+        <p:style>
+          <a:lnRef idx="2">
+            <a:schemeClr val="accent1">
+              <a:shade val="15000"/>
+            </a:schemeClr>
+          </a:lnRef>
+          <a:fillRef idx="1">
+            <a:schemeClr val="accent1"/>
+          </a:fillRef>
+          <a:effectRef idx="0">
+            <a:schemeClr val="accent1"/>
+          </a:effectRef>
+          <a:fontRef idx="minor">
+            <a:schemeClr val="lt1"/>
+          </a:fontRef>
+        </p:style>
+        <p:txBody>
+          <a:bodyPr rtlCol="0" anchor="ctr"/>
+          <a:lstStyle/>
+          <a:p>
+            <a:pPr algn="ctr"/>
             <a:endParaRPr lang="en-US"/>
           </a:p>
         </p:txBody>
@@ -9822,6 +13598,344 @@
                             </p:childTnLst>
                           </p:cTn>
                         </p:par>
+                        <p:par>
+                          <p:cTn id="56" fill="hold">
+                            <p:stCondLst>
+                              <p:cond delay="2500"/>
+                            </p:stCondLst>
+                            <p:childTnLst>
+                              <p:par>
+                                <p:cTn id="57" presetID="2" presetClass="entr" presetSubtype="2" fill="hold" nodeType="afterEffect">
+                                  <p:stCondLst>
+                                    <p:cond delay="0"/>
+                                  </p:stCondLst>
+                                  <p:childTnLst>
+                                    <p:set>
+                                      <p:cBhvr>
+                                        <p:cTn id="58" dur="1" fill="hold">
+                                          <p:stCondLst>
+                                            <p:cond delay="0"/>
+                                          </p:stCondLst>
+                                        </p:cTn>
+                                        <p:tgtEl>
+                                          <p:spTgt spid="14"/>
+                                        </p:tgtEl>
+                                        <p:attrNameLst>
+                                          <p:attrName>style.visibility</p:attrName>
+                                        </p:attrNameLst>
+                                      </p:cBhvr>
+                                      <p:to>
+                                        <p:strVal val="visible"/>
+                                      </p:to>
+                                    </p:set>
+                                    <p:anim calcmode="lin" valueType="num">
+                                      <p:cBhvr additive="base">
+                                        <p:cTn id="59" dur="1000" fill="hold"/>
+                                        <p:tgtEl>
+                                          <p:spTgt spid="14"/>
+                                        </p:tgtEl>
+                                        <p:attrNameLst>
+                                          <p:attrName>ppt_x</p:attrName>
+                                        </p:attrNameLst>
+                                      </p:cBhvr>
+                                      <p:tavLst>
+                                        <p:tav tm="0">
+                                          <p:val>
+                                            <p:strVal val="1+#ppt_w/2"/>
+                                          </p:val>
+                                        </p:tav>
+                                        <p:tav tm="100000">
+                                          <p:val>
+                                            <p:strVal val="#ppt_x"/>
+                                          </p:val>
+                                        </p:tav>
+                                      </p:tavLst>
+                                    </p:anim>
+                                    <p:anim calcmode="lin" valueType="num">
+                                      <p:cBhvr additive="base">
+                                        <p:cTn id="60" dur="1000" fill="hold"/>
+                                        <p:tgtEl>
+                                          <p:spTgt spid="14"/>
+                                        </p:tgtEl>
+                                        <p:attrNameLst>
+                                          <p:attrName>ppt_y</p:attrName>
+                                        </p:attrNameLst>
+                                      </p:cBhvr>
+                                      <p:tavLst>
+                                        <p:tav tm="0">
+                                          <p:val>
+                                            <p:strVal val="#ppt_y"/>
+                                          </p:val>
+                                        </p:tav>
+                                        <p:tav tm="100000">
+                                          <p:val>
+                                            <p:strVal val="#ppt_y"/>
+                                          </p:val>
+                                        </p:tav>
+                                      </p:tavLst>
+                                    </p:anim>
+                                  </p:childTnLst>
+                                </p:cTn>
+                              </p:par>
+                              <p:par>
+                                <p:cTn id="61" presetID="8" presetClass="emph" presetSubtype="0" fill="hold" nodeType="withEffect">
+                                  <p:stCondLst>
+                                    <p:cond delay="0"/>
+                                  </p:stCondLst>
+                                  <p:childTnLst>
+                                    <p:animRot by="21600000">
+                                      <p:cBhvr>
+                                        <p:cTn id="62" dur="1000" fill="hold"/>
+                                        <p:tgtEl>
+                                          <p:spTgt spid="14"/>
+                                        </p:tgtEl>
+                                        <p:attrNameLst>
+                                          <p:attrName>r</p:attrName>
+                                        </p:attrNameLst>
+                                      </p:cBhvr>
+                                    </p:animRot>
+                                  </p:childTnLst>
+                                </p:cTn>
+                              </p:par>
+                            </p:childTnLst>
+                          </p:cTn>
+                        </p:par>
+                        <p:par>
+                          <p:cTn id="63" fill="hold">
+                            <p:stCondLst>
+                              <p:cond delay="3500"/>
+                            </p:stCondLst>
+                            <p:childTnLst>
+                              <p:par>
+                                <p:cTn id="64" presetID="12" presetClass="entr" presetSubtype="1" fill="hold" grpId="0" nodeType="afterEffect">
+                                  <p:stCondLst>
+                                    <p:cond delay="0"/>
+                                  </p:stCondLst>
+                                  <p:childTnLst>
+                                    <p:set>
+                                      <p:cBhvr>
+                                        <p:cTn id="65" dur="1" fill="hold">
+                                          <p:stCondLst>
+                                            <p:cond delay="0"/>
+                                          </p:stCondLst>
+                                        </p:cTn>
+                                        <p:tgtEl>
+                                          <p:spTgt spid="12"/>
+                                        </p:tgtEl>
+                                        <p:attrNameLst>
+                                          <p:attrName>style.visibility</p:attrName>
+                                        </p:attrNameLst>
+                                      </p:cBhvr>
+                                      <p:to>
+                                        <p:strVal val="visible"/>
+                                      </p:to>
+                                    </p:set>
+                                    <p:anim calcmode="lin" valueType="num">
+                                      <p:cBhvr additive="base">
+                                        <p:cTn id="66" dur="500"/>
+                                        <p:tgtEl>
+                                          <p:spTgt spid="12"/>
+                                        </p:tgtEl>
+                                        <p:attrNameLst>
+                                          <p:attrName>ppt_y</p:attrName>
+                                        </p:attrNameLst>
+                                      </p:cBhvr>
+                                      <p:tavLst>
+                                        <p:tav tm="0">
+                                          <p:val>
+                                            <p:strVal val="#ppt_y-#ppt_h*1.125000"/>
+                                          </p:val>
+                                        </p:tav>
+                                        <p:tav tm="100000">
+                                          <p:val>
+                                            <p:strVal val="#ppt_y"/>
+                                          </p:val>
+                                        </p:tav>
+                                      </p:tavLst>
+                                    </p:anim>
+                                    <p:animEffect transition="in" filter="wipe(down)">
+                                      <p:cBhvr>
+                                        <p:cTn id="67" dur="500"/>
+                                        <p:tgtEl>
+                                          <p:spTgt spid="12"/>
+                                        </p:tgtEl>
+                                      </p:cBhvr>
+                                    </p:animEffect>
+                                  </p:childTnLst>
+                                </p:cTn>
+                              </p:par>
+                            </p:childTnLst>
+                          </p:cTn>
+                        </p:par>
+                        <p:par>
+                          <p:cTn id="68" fill="hold">
+                            <p:stCondLst>
+                              <p:cond delay="4000"/>
+                            </p:stCondLst>
+                            <p:childTnLst>
+                              <p:par>
+                                <p:cTn id="69" presetID="2" presetClass="entr" presetSubtype="2" fill="hold" nodeType="afterEffect">
+                                  <p:stCondLst>
+                                    <p:cond delay="0"/>
+                                  </p:stCondLst>
+                                  <p:childTnLst>
+                                    <p:set>
+                                      <p:cBhvr>
+                                        <p:cTn id="70" dur="1" fill="hold">
+                                          <p:stCondLst>
+                                            <p:cond delay="0"/>
+                                          </p:stCondLst>
+                                        </p:cTn>
+                                        <p:tgtEl>
+                                          <p:spTgt spid="36"/>
+                                        </p:tgtEl>
+                                        <p:attrNameLst>
+                                          <p:attrName>style.visibility</p:attrName>
+                                        </p:attrNameLst>
+                                      </p:cBhvr>
+                                      <p:to>
+                                        <p:strVal val="visible"/>
+                                      </p:to>
+                                    </p:set>
+                                    <p:anim calcmode="lin" valueType="num">
+                                      <p:cBhvr additive="base">
+                                        <p:cTn id="71" dur="1000" fill="hold"/>
+                                        <p:tgtEl>
+                                          <p:spTgt spid="36"/>
+                                        </p:tgtEl>
+                                        <p:attrNameLst>
+                                          <p:attrName>ppt_x</p:attrName>
+                                        </p:attrNameLst>
+                                      </p:cBhvr>
+                                      <p:tavLst>
+                                        <p:tav tm="0">
+                                          <p:val>
+                                            <p:strVal val="1+#ppt_w/2"/>
+                                          </p:val>
+                                        </p:tav>
+                                        <p:tav tm="100000">
+                                          <p:val>
+                                            <p:strVal val="#ppt_x"/>
+                                          </p:val>
+                                        </p:tav>
+                                      </p:tavLst>
+                                    </p:anim>
+                                    <p:anim calcmode="lin" valueType="num">
+                                      <p:cBhvr additive="base">
+                                        <p:cTn id="72" dur="1000" fill="hold"/>
+                                        <p:tgtEl>
+                                          <p:spTgt spid="36"/>
+                                        </p:tgtEl>
+                                        <p:attrNameLst>
+                                          <p:attrName>ppt_y</p:attrName>
+                                        </p:attrNameLst>
+                                      </p:cBhvr>
+                                      <p:tavLst>
+                                        <p:tav tm="0">
+                                          <p:val>
+                                            <p:strVal val="#ppt_y"/>
+                                          </p:val>
+                                        </p:tav>
+                                        <p:tav tm="100000">
+                                          <p:val>
+                                            <p:strVal val="#ppt_y"/>
+                                          </p:val>
+                                        </p:tav>
+                                      </p:tavLst>
+                                    </p:anim>
+                                  </p:childTnLst>
+                                </p:cTn>
+                              </p:par>
+                              <p:par>
+                                <p:cTn id="73" presetID="8" presetClass="emph" presetSubtype="0" fill="hold" nodeType="withEffect">
+                                  <p:stCondLst>
+                                    <p:cond delay="0"/>
+                                  </p:stCondLst>
+                                  <p:childTnLst>
+                                    <p:animRot by="21600000">
+                                      <p:cBhvr>
+                                        <p:cTn id="74" dur="1000" fill="hold"/>
+                                        <p:tgtEl>
+                                          <p:spTgt spid="36"/>
+                                        </p:tgtEl>
+                                        <p:attrNameLst>
+                                          <p:attrName>r</p:attrName>
+                                        </p:attrNameLst>
+                                      </p:cBhvr>
+                                    </p:animRot>
+                                  </p:childTnLst>
+                                </p:cTn>
+                              </p:par>
+                            </p:childTnLst>
+                          </p:cTn>
+                        </p:par>
+                        <p:par>
+                          <p:cTn id="75" fill="hold">
+                            <p:stCondLst>
+                              <p:cond delay="5000"/>
+                            </p:stCondLst>
+                            <p:childTnLst>
+                              <p:par>
+                                <p:cTn id="76" presetID="12" presetClass="entr" presetSubtype="1" fill="hold" grpId="0" nodeType="afterEffect">
+                                  <p:stCondLst>
+                                    <p:cond delay="0"/>
+                                  </p:stCondLst>
+                                  <p:childTnLst>
+                                    <p:set>
+                                      <p:cBhvr>
+                                        <p:cTn id="77" dur="1" fill="hold">
+                                          <p:stCondLst>
+                                            <p:cond delay="0"/>
+                                          </p:stCondLst>
+                                        </p:cTn>
+                                        <p:tgtEl>
+                                          <p:spTgt spid="35"/>
+                                        </p:tgtEl>
+                                        <p:attrNameLst>
+                                          <p:attrName>style.visibility</p:attrName>
+                                        </p:attrNameLst>
+                                      </p:cBhvr>
+                                      <p:to>
+                                        <p:strVal val="visible"/>
+                                      </p:to>
+                                    </p:set>
+                                    <p:anim calcmode="lin" valueType="num">
+                                      <p:cBhvr additive="base">
+                                        <p:cTn id="78" dur="500"/>
+                                        <p:tgtEl>
+                                          <p:spTgt spid="35"/>
+                                        </p:tgtEl>
+                                        <p:attrNameLst>
+                                          <p:attrName>ppt_y</p:attrName>
+                                        </p:attrNameLst>
+                                      </p:cBhvr>
+                                      <p:tavLst>
+                                        <p:tav tm="0">
+                                          <p:val>
+                                            <p:strVal val="#ppt_y-#ppt_h*1.125000"/>
+                                          </p:val>
+                                        </p:tav>
+                                        <p:tav tm="100000">
+                                          <p:val>
+                                            <p:strVal val="#ppt_y"/>
+                                          </p:val>
+                                        </p:tav>
+                                      </p:tavLst>
+                                    </p:anim>
+                                    <p:animEffect transition="in" filter="wipe(down)">
+                                      <p:cBhvr>
+                                        <p:cTn id="79" dur="500"/>
+                                        <p:tgtEl>
+                                          <p:spTgt spid="35"/>
+                                        </p:tgtEl>
+                                      </p:cBhvr>
+                                    </p:animEffect>
+                                  </p:childTnLst>
+                                </p:cTn>
+                              </p:par>
+                            </p:childTnLst>
+                          </p:cTn>
+                        </p:par>
                       </p:childTnLst>
                     </p:cTn>
                   </p:par>
@@ -9852,12 +13966,14 @@
       <p:bldP spid="30" grpId="0"/>
       <p:bldP spid="31" grpId="0"/>
       <p:bldP spid="33" grpId="0"/>
+      <p:bldP spid="12" grpId="0"/>
+      <p:bldP spid="35" grpId="0"/>
     </p:bldLst>
   </p:timing>
 </p:sld>
 </file>
 
-<file path=ppt/slides/slide7.xml><?xml version="1.0" encoding="utf-8"?>
+<file path=ppt/slides/slide8.xml><?xml version="1.0" encoding="utf-8"?>
 <p:sld xmlns:a="http://schemas.openxmlformats.org/drawingml/2006/main" xmlns:r="http://schemas.openxmlformats.org/officeDocument/2006/relationships" xmlns:p="http://schemas.openxmlformats.org/presentationml/2006/main">
   <p:cSld>
     <p:spTree>
@@ -9866,7 +13982,14 @@
         <p:cNvGrpSpPr/>
         <p:nvPr/>
       </p:nvGrpSpPr>
-      <p:grpSpPr/>
+      <p:grpSpPr>
+        <a:xfrm>
+          <a:off x="0" y="0"/>
+          <a:ext cx="0" cy="0"/>
+          <a:chOff x="0" y="0"/>
+          <a:chExt cx="0" cy="0"/>
+        </a:xfrm>
+      </p:grpSpPr>
       <p:grpSp>
         <p:nvGrpSpPr>
           <p:cNvPr id="18433" name="组合 5"/>
@@ -10147,6 +14270,7 @@
             <a:bodyPr wrap="square" lIns="90000" tIns="45000" rIns="90000" bIns="45000" anchor="t" anchorCtr="0">
               <a:spAutoFit/>
             </a:bodyPr>
+            <a:lstStyle/>
             <a:p>
               <a:pPr defTabSz="914400">
                 <a:tabLst>
@@ -10169,13 +14293,6 @@
                 </a:rPr>
                 <a:t>4. Học một ngôn ngữ lập trình để có thể phát triển một website động hoàn chỉnh cho trang web.</a:t>
               </a:r>
-              <a:endParaRPr lang="en-US" altLang="zh-CN" dirty="0">
-                <a:solidFill>
-                  <a:srgbClr val="000000"/>
-                </a:solidFill>
-                <a:latin typeface="Microsoft YaHei" panose="020B0503020204020204" pitchFamily="34" charset="-122"/>
-                <a:ea typeface="Microsoft YaHei" panose="020B0503020204020204" pitchFamily="34" charset="-122"/>
-              </a:endParaRPr>
             </a:p>
           </p:txBody>
         </p:sp>
@@ -12610,7 +16727,7 @@
         </p:nvGrpSpPr>
         <p:grpSpPr>
           <a:xfrm>
-            <a:off x="1270000" y="3563934"/>
+            <a:off x="1291477" y="3659979"/>
             <a:ext cx="4338320" cy="649291"/>
             <a:chOff x="1349460" y="2619209"/>
             <a:chExt cx="4339760" cy="652487"/>
@@ -12719,6 +16836,7 @@
             <a:bodyPr wrap="square" lIns="90000" tIns="45000" rIns="90000" bIns="45000" anchor="t" anchorCtr="0">
               <a:spAutoFit/>
             </a:bodyPr>
+            <a:lstStyle/>
             <a:p>
               <a:pPr defTabSz="914400">
                 <a:tabLst>
@@ -12741,13 +16859,6 @@
                 </a:rPr>
                 <a:t>3. Nâng cấp giao diện với nhiều hiệu ứng hơn.</a:t>
               </a:r>
-              <a:endParaRPr lang="en-US" altLang="zh-CN" dirty="0">
-                <a:solidFill>
-                  <a:srgbClr val="000000"/>
-                </a:solidFill>
-                <a:latin typeface="Microsoft YaHei" panose="020B0503020204020204" pitchFamily="34" charset="-122"/>
-                <a:ea typeface="Microsoft YaHei" panose="020B0503020204020204" pitchFamily="34" charset="-122"/>
-              </a:endParaRPr>
             </a:p>
           </p:txBody>
         </p:sp>
@@ -12760,7 +16871,7 @@
         </p:nvGrpSpPr>
         <p:grpSpPr>
           <a:xfrm>
-            <a:off x="1270000" y="2701913"/>
+            <a:off x="1260370" y="2777437"/>
             <a:ext cx="4456113" cy="642620"/>
             <a:chOff x="1349460" y="1863826"/>
             <a:chExt cx="4456980" cy="642998"/>
@@ -12869,6 +16980,7 @@
             <a:bodyPr wrap="square" lIns="90000" tIns="45000" rIns="90000" bIns="45000" anchor="t" anchorCtr="0">
               <a:spAutoFit/>
             </a:bodyPr>
+            <a:lstStyle/>
             <a:p>
               <a:pPr defTabSz="914400">
                 <a:tabLst>
@@ -12891,13 +17003,6 @@
                 </a:rPr>
                 <a:t>2. Nghiên cứu và áp dụng JavaScript vào website.</a:t>
               </a:r>
-              <a:endParaRPr lang="en-US" altLang="zh-CN" dirty="0">
-                <a:solidFill>
-                  <a:srgbClr val="000000"/>
-                </a:solidFill>
-                <a:latin typeface="Microsoft YaHei" panose="020B0503020204020204" pitchFamily="34" charset="-122"/>
-                <a:ea typeface="Microsoft YaHei" panose="020B0503020204020204" pitchFamily="34" charset="-122"/>
-              </a:endParaRPr>
             </a:p>
           </p:txBody>
         </p:sp>
@@ -12910,10 +17015,10 @@
         </p:nvGrpSpPr>
         <p:grpSpPr>
           <a:xfrm>
-            <a:off x="1270000" y="2068513"/>
-            <a:ext cx="5124450" cy="365760"/>
-            <a:chOff x="1349460" y="1383488"/>
-            <a:chExt cx="5124492" cy="365975"/>
+            <a:off x="1243557" y="2081036"/>
+            <a:ext cx="5124450" cy="644877"/>
+            <a:chOff x="1349460" y="1413392"/>
+            <a:chExt cx="5124492" cy="645256"/>
           </a:xfrm>
         </p:grpSpPr>
         <p:sp>
@@ -13004,8 +17109,8 @@
           </p:nvSpPr>
           <p:spPr>
             <a:xfrm>
-              <a:off x="1349460" y="1383488"/>
-              <a:ext cx="4858425" cy="365975"/>
+              <a:off x="1372954" y="1413392"/>
+              <a:ext cx="4858425" cy="645256"/>
             </a:xfrm>
             <a:prstGeom prst="rect">
               <a:avLst/>
@@ -13019,6 +17124,7 @@
             <a:bodyPr wrap="square" lIns="90000" tIns="45000" rIns="90000" bIns="45000" anchor="t" anchorCtr="0">
               <a:spAutoFit/>
             </a:bodyPr>
+            <a:lstStyle/>
             <a:p>
               <a:pPr defTabSz="914400">
                 <a:tabLst>
@@ -13039,15 +17145,168 @@
                   <a:latin typeface="Microsoft YaHei" panose="020B0503020204020204" pitchFamily="34" charset="-122"/>
                   <a:ea typeface="Microsoft YaHei" panose="020B0503020204020204" pitchFamily="34" charset="-122"/>
                 </a:rPr>
-                <a:t>1. Phát triển thêm các trang phụ.</a:t>
+                <a:t>1. </a:t>
               </a:r>
-              <a:endParaRPr lang="en-US" altLang="zh-CN" dirty="0">
-                <a:solidFill>
-                  <a:srgbClr val="000000"/>
-                </a:solidFill>
-                <a:latin typeface="Microsoft YaHei" panose="020B0503020204020204" pitchFamily="34" charset="-122"/>
-                <a:ea typeface="Microsoft YaHei" panose="020B0503020204020204" pitchFamily="34" charset="-122"/>
-              </a:endParaRPr>
+              <a:r>
+                <a:rPr lang="en-US" altLang="zh-CN" dirty="0" err="1">
+                  <a:solidFill>
+                    <a:srgbClr val="000000"/>
+                  </a:solidFill>
+                  <a:latin typeface="Microsoft YaHei" panose="020B0503020204020204" pitchFamily="34" charset="-122"/>
+                  <a:ea typeface="Microsoft YaHei" panose="020B0503020204020204" pitchFamily="34" charset="-122"/>
+                </a:rPr>
+                <a:t>Tương</a:t>
+              </a:r>
+              <a:r>
+                <a:rPr lang="en-US" altLang="zh-CN" dirty="0">
+                  <a:solidFill>
+                    <a:srgbClr val="000000"/>
+                  </a:solidFill>
+                  <a:latin typeface="Microsoft YaHei" panose="020B0503020204020204" pitchFamily="34" charset="-122"/>
+                  <a:ea typeface="Microsoft YaHei" panose="020B0503020204020204" pitchFamily="34" charset="-122"/>
+                </a:rPr>
+                <a:t> </a:t>
+              </a:r>
+              <a:r>
+                <a:rPr lang="en-US" altLang="zh-CN" dirty="0" err="1">
+                  <a:solidFill>
+                    <a:srgbClr val="000000"/>
+                  </a:solidFill>
+                  <a:latin typeface="Microsoft YaHei" panose="020B0503020204020204" pitchFamily="34" charset="-122"/>
+                  <a:ea typeface="Microsoft YaHei" panose="020B0503020204020204" pitchFamily="34" charset="-122"/>
+                </a:rPr>
+                <a:t>tác</a:t>
+              </a:r>
+              <a:r>
+                <a:rPr lang="en-US" altLang="zh-CN" dirty="0">
+                  <a:solidFill>
+                    <a:srgbClr val="000000"/>
+                  </a:solidFill>
+                  <a:latin typeface="Microsoft YaHei" panose="020B0503020204020204" pitchFamily="34" charset="-122"/>
+                  <a:ea typeface="Microsoft YaHei" panose="020B0503020204020204" pitchFamily="34" charset="-122"/>
+                </a:rPr>
+                <a:t> </a:t>
+              </a:r>
+              <a:r>
+                <a:rPr lang="en-US" altLang="zh-CN" dirty="0" err="1">
+                  <a:solidFill>
+                    <a:srgbClr val="000000"/>
+                  </a:solidFill>
+                  <a:latin typeface="Microsoft YaHei" panose="020B0503020204020204" pitchFamily="34" charset="-122"/>
+                  <a:ea typeface="Microsoft YaHei" panose="020B0503020204020204" pitchFamily="34" charset="-122"/>
+                </a:rPr>
+                <a:t>được</a:t>
+              </a:r>
+              <a:r>
+                <a:rPr lang="en-US" altLang="zh-CN" dirty="0">
+                  <a:solidFill>
+                    <a:srgbClr val="000000"/>
+                  </a:solidFill>
+                  <a:latin typeface="Microsoft YaHei" panose="020B0503020204020204" pitchFamily="34" charset="-122"/>
+                  <a:ea typeface="Microsoft YaHei" panose="020B0503020204020204" pitchFamily="34" charset="-122"/>
+                </a:rPr>
+                <a:t> </a:t>
+              </a:r>
+              <a:r>
+                <a:rPr lang="en-US" altLang="zh-CN" dirty="0" err="1">
+                  <a:solidFill>
+                    <a:srgbClr val="000000"/>
+                  </a:solidFill>
+                  <a:latin typeface="Microsoft YaHei" panose="020B0503020204020204" pitchFamily="34" charset="-122"/>
+                  <a:ea typeface="Microsoft YaHei" panose="020B0503020204020204" pitchFamily="34" charset="-122"/>
+                </a:rPr>
+                <a:t>các</a:t>
+              </a:r>
+              <a:r>
+                <a:rPr lang="en-US" altLang="zh-CN" dirty="0">
+                  <a:solidFill>
+                    <a:srgbClr val="000000"/>
+                  </a:solidFill>
+                  <a:latin typeface="Microsoft YaHei" panose="020B0503020204020204" pitchFamily="34" charset="-122"/>
+                  <a:ea typeface="Microsoft YaHei" panose="020B0503020204020204" pitchFamily="34" charset="-122"/>
+                </a:rPr>
+                <a:t> </a:t>
+              </a:r>
+              <a:r>
+                <a:rPr lang="en-US" altLang="zh-CN" dirty="0" err="1">
+                  <a:solidFill>
+                    <a:srgbClr val="000000"/>
+                  </a:solidFill>
+                  <a:latin typeface="Microsoft YaHei" panose="020B0503020204020204" pitchFamily="34" charset="-122"/>
+                  <a:ea typeface="Microsoft YaHei" panose="020B0503020204020204" pitchFamily="34" charset="-122"/>
+                </a:rPr>
+                <a:t>chức</a:t>
+              </a:r>
+              <a:r>
+                <a:rPr lang="en-US" altLang="zh-CN" dirty="0">
+                  <a:solidFill>
+                    <a:srgbClr val="000000"/>
+                  </a:solidFill>
+                  <a:latin typeface="Microsoft YaHei" panose="020B0503020204020204" pitchFamily="34" charset="-122"/>
+                  <a:ea typeface="Microsoft YaHei" panose="020B0503020204020204" pitchFamily="34" charset="-122"/>
+                </a:rPr>
+                <a:t> </a:t>
+              </a:r>
+              <a:r>
+                <a:rPr lang="en-US" altLang="zh-CN" dirty="0" err="1">
+                  <a:solidFill>
+                    <a:srgbClr val="000000"/>
+                  </a:solidFill>
+                  <a:latin typeface="Microsoft YaHei" panose="020B0503020204020204" pitchFamily="34" charset="-122"/>
+                  <a:ea typeface="Microsoft YaHei" panose="020B0503020204020204" pitchFamily="34" charset="-122"/>
+                </a:rPr>
+                <a:t>năng</a:t>
+              </a:r>
+              <a:r>
+                <a:rPr lang="en-US" altLang="zh-CN" dirty="0">
+                  <a:solidFill>
+                    <a:srgbClr val="000000"/>
+                  </a:solidFill>
+                  <a:latin typeface="Microsoft YaHei" panose="020B0503020204020204" pitchFamily="34" charset="-122"/>
+                  <a:ea typeface="Microsoft YaHei" panose="020B0503020204020204" pitchFamily="34" charset="-122"/>
+                </a:rPr>
+                <a:t> </a:t>
+              </a:r>
+              <a:r>
+                <a:rPr lang="en-US" altLang="zh-CN" dirty="0" err="1">
+                  <a:solidFill>
+                    <a:srgbClr val="000000"/>
+                  </a:solidFill>
+                  <a:latin typeface="Microsoft YaHei" panose="020B0503020204020204" pitchFamily="34" charset="-122"/>
+                  <a:ea typeface="Microsoft YaHei" panose="020B0503020204020204" pitchFamily="34" charset="-122"/>
+                </a:rPr>
+                <a:t>trong</a:t>
+              </a:r>
+              <a:r>
+                <a:rPr lang="en-US" altLang="zh-CN" dirty="0">
+                  <a:solidFill>
+                    <a:srgbClr val="000000"/>
+                  </a:solidFill>
+                  <a:latin typeface="Microsoft YaHei" panose="020B0503020204020204" pitchFamily="34" charset="-122"/>
+                  <a:ea typeface="Microsoft YaHei" panose="020B0503020204020204" pitchFamily="34" charset="-122"/>
+                </a:rPr>
+                <a:t> </a:t>
+              </a:r>
+              <a:r>
+                <a:rPr lang="en-US" altLang="zh-CN" dirty="0" err="1">
+                  <a:solidFill>
+                    <a:srgbClr val="000000"/>
+                  </a:solidFill>
+                  <a:latin typeface="Microsoft YaHei" panose="020B0503020204020204" pitchFamily="34" charset="-122"/>
+                  <a:ea typeface="Microsoft YaHei" panose="020B0503020204020204" pitchFamily="34" charset="-122"/>
+                </a:rPr>
+                <a:t>trang</a:t>
+              </a:r>
+              <a:r>
+                <a:rPr lang="en-US" altLang="zh-CN" dirty="0">
+                  <a:solidFill>
+                    <a:srgbClr val="000000"/>
+                  </a:solidFill>
+                  <a:latin typeface="Microsoft YaHei" panose="020B0503020204020204" pitchFamily="34" charset="-122"/>
+                  <a:ea typeface="Microsoft YaHei" panose="020B0503020204020204" pitchFamily="34" charset="-122"/>
+                </a:rPr>
+                <a:t> web</a:t>
+              </a:r>
             </a:p>
           </p:txBody>
         </p:sp>
@@ -13089,6 +17348,7 @@
           </p:spPr>
           <p:txBody>
             <a:bodyPr anchor="t" anchorCtr="0"/>
+            <a:lstStyle/>
             <a:p>
               <a:pPr eaLnBrk="0" hangingPunct="0"/>
               <a:endParaRPr lang="zh-CN" altLang="en-US">
@@ -13142,6 +17402,7 @@
                   <a:pos x="52388" y="68729"/>
                 </a:cxn>
               </a:cxnLst>
+              <a:rect l="0" t="0" r="0" b="0"/>
               <a:pathLst>
                 <a:path w="17" h="17">
                   <a:moveTo>
@@ -13200,8 +17461,9 @@
           </p:spPr>
           <p:txBody>
             <a:bodyPr/>
+            <a:lstStyle/>
             <a:p>
-              <a:endParaRPr lang="en-US"/>
+              <a:endParaRPr lang="en-US" dirty="0"/>
             </a:p>
           </p:txBody>
         </p:sp>
@@ -13264,6 +17526,7 @@
                   <a:pos x="122238" y="891235"/>
                 </a:cxn>
               </a:cxnLst>
+              <a:rect l="0" t="0" r="0" b="0"/>
               <a:pathLst>
                 <a:path w="16" h="54">
                   <a:moveTo>
@@ -13347,8 +17610,9 @@
           </p:spPr>
           <p:txBody>
             <a:bodyPr/>
+            <a:lstStyle/>
             <a:p>
-              <a:endParaRPr lang="en-US"/>
+              <a:endParaRPr lang="en-US" dirty="0"/>
             </a:p>
           </p:txBody>
         </p:sp>
@@ -13423,6 +17687,7 @@
                   <a:pos x="227013" y="496858"/>
                 </a:cxn>
               </a:cxnLst>
+              <a:rect l="0" t="0" r="0" b="0"/>
               <a:pathLst>
                 <a:path w="16" h="53">
                   <a:moveTo>
@@ -13526,8 +17791,9 @@
           </p:spPr>
           <p:txBody>
             <a:bodyPr/>
+            <a:lstStyle/>
             <a:p>
-              <a:endParaRPr lang="en-US"/>
+              <a:endParaRPr lang="en-US" dirty="0"/>
             </a:p>
           </p:txBody>
         </p:sp>
@@ -13590,6 +17856,7 @@
                   <a:pos x="17426" y="360045"/>
                 </a:cxn>
               </a:cxnLst>
+              <a:rect l="0" t="0" r="0" b="0"/>
               <a:pathLst>
                 <a:path w="44" h="25">
                   <a:moveTo>
@@ -13673,8 +17940,9 @@
           </p:spPr>
           <p:txBody>
             <a:bodyPr/>
+            <a:lstStyle/>
             <a:p>
-              <a:endParaRPr lang="en-US"/>
+              <a:endParaRPr lang="en-US" dirty="0"/>
             </a:p>
           </p:txBody>
         </p:sp>
@@ -13734,6 +18002,7 @@
                   <a:pos x="417740" y="0"/>
                 </a:cxn>
               </a:cxnLst>
+              <a:rect l="0" t="0" r="0" b="0"/>
               <a:pathLst>
                 <a:path w="28" h="24">
                   <a:moveTo>
@@ -13812,8 +18081,9 @@
           </p:spPr>
           <p:txBody>
             <a:bodyPr/>
+            <a:lstStyle/>
             <a:p>
-              <a:endParaRPr lang="en-US"/>
+              <a:endParaRPr lang="en-US" dirty="0"/>
             </a:p>
           </p:txBody>
         </p:sp>
@@ -13876,6 +18146,7 @@
                   <a:pos x="0" y="1029608"/>
                 </a:cxn>
               </a:cxnLst>
+              <a:rect l="0" t="0" r="0" b="0"/>
               <a:pathLst>
                 <a:path w="17" h="63">
                   <a:moveTo>
@@ -13959,8 +18230,9 @@
           </p:spPr>
           <p:txBody>
             <a:bodyPr/>
+            <a:lstStyle/>
             <a:p>
-              <a:endParaRPr lang="en-US"/>
+              <a:endParaRPr lang="en-US" dirty="0"/>
             </a:p>
           </p:txBody>
         </p:sp>
@@ -14050,6 +18322,7 @@
                   <a:pos x="244475" y="240242"/>
                 </a:cxn>
               </a:cxnLst>
+              <a:rect l="0" t="0" r="0" b="0"/>
               <a:pathLst>
                 <a:path w="16" h="63">
                   <a:moveTo>
@@ -14178,8 +18451,9 @@
           </p:spPr>
           <p:txBody>
             <a:bodyPr/>
+            <a:lstStyle/>
             <a:p>
-              <a:endParaRPr lang="en-US"/>
+              <a:endParaRPr lang="en-US" dirty="0"/>
             </a:p>
           </p:txBody>
         </p:sp>
@@ -14236,6 +18510,7 @@
                   <a:pos x="34925" y="1011863"/>
                 </a:cxn>
               </a:cxnLst>
+              <a:rect l="0" t="0" r="0" b="0"/>
               <a:pathLst>
                 <a:path w="35" h="61">
                   <a:moveTo>
@@ -14309,8 +18584,9 @@
           </p:spPr>
           <p:txBody>
             <a:bodyPr/>
+            <a:lstStyle/>
             <a:p>
-              <a:endParaRPr lang="en-US"/>
+              <a:endParaRPr lang="en-US" dirty="0"/>
             </a:p>
           </p:txBody>
         </p:sp>
@@ -14340,6 +18616,7 @@
                   <a:pos x="17463" y="0"/>
                 </a:cxn>
               </a:cxnLst>
+              <a:rect l="0" t="0" r="0" b="0"/>
               <a:pathLst>
                 <a:path w="1" h="1">
                   <a:moveTo>
@@ -14368,8 +18645,9 @@
           </p:spPr>
           <p:txBody>
             <a:bodyPr/>
+            <a:lstStyle/>
             <a:p>
-              <a:endParaRPr lang="en-US"/>
+              <a:endParaRPr lang="en-US" dirty="0"/>
             </a:p>
           </p:txBody>
         </p:sp>
@@ -14399,6 +18677,7 @@
                   <a:pos x="0" y="0"/>
                 </a:cxn>
               </a:cxnLst>
+              <a:rect l="0" t="0" r="0" b="0"/>
               <a:pathLst>
                 <a:path>
                   <a:moveTo>
@@ -14427,8 +18706,9 @@
           </p:spPr>
           <p:txBody>
             <a:bodyPr/>
+            <a:lstStyle/>
             <a:p>
-              <a:endParaRPr lang="en-US"/>
+              <a:endParaRPr lang="en-US" dirty="0"/>
             </a:p>
           </p:txBody>
         </p:sp>
@@ -14554,6 +18834,7 @@
                   <a:pos x="296863" y="995363"/>
                 </a:cxn>
               </a:cxnLst>
+              <a:rect l="0" t="0" r="0" b="0"/>
               <a:pathLst>
                 <a:path w="28" h="58">
                   <a:moveTo>
@@ -14742,8 +19023,9 @@
           </p:spPr>
           <p:txBody>
             <a:bodyPr/>
+            <a:lstStyle/>
             <a:p>
-              <a:endParaRPr lang="en-US"/>
+              <a:endParaRPr lang="en-US" dirty="0"/>
             </a:p>
           </p:txBody>
         </p:sp>
@@ -14788,6 +19070,7 @@
                   <a:pos x="34925" y="479425"/>
                 </a:cxn>
               </a:cxnLst>
+              <a:rect l="0" t="0" r="0" b="0"/>
               <a:pathLst>
                 <a:path w="16" h="28">
                   <a:moveTo>
@@ -14841,8 +19124,9 @@
           </p:spPr>
           <p:txBody>
             <a:bodyPr/>
+            <a:lstStyle/>
             <a:p>
-              <a:endParaRPr lang="en-US"/>
+              <a:endParaRPr lang="en-US" dirty="0"/>
             </a:p>
           </p:txBody>
         </p:sp>
@@ -14935,6 +19219,7 @@
                   <a:pos x="87007" y="137042"/>
                 </a:cxn>
               </a:cxnLst>
+              <a:rect l="0" t="0" r="0" b="0"/>
               <a:pathLst>
                 <a:path w="26" h="43">
                   <a:moveTo>
@@ -15068,8 +19353,9 @@
           </p:spPr>
           <p:txBody>
             <a:bodyPr/>
+            <a:lstStyle/>
             <a:p>
-              <a:endParaRPr lang="en-US"/>
+              <a:endParaRPr lang="en-US" dirty="0"/>
             </a:p>
           </p:txBody>
         </p:sp>
@@ -15108,6 +19394,7 @@
                   <a:pos x="0" y="34396"/>
                 </a:cxn>
               </a:cxnLst>
+              <a:rect l="0" t="0" r="0" b="0"/>
               <a:pathLst>
                 <a:path w="4" h="6">
                   <a:moveTo>
@@ -15149,8 +19436,9 @@
           </p:spPr>
           <p:txBody>
             <a:bodyPr/>
+            <a:lstStyle/>
             <a:p>
-              <a:endParaRPr lang="en-US"/>
+              <a:endParaRPr lang="en-US" dirty="0"/>
             </a:p>
           </p:txBody>
         </p:sp>
@@ -15195,6 +19483,7 @@
                   <a:pos x="209550" y="171450"/>
                 </a:cxn>
               </a:cxnLst>
+              <a:rect l="0" t="0" r="0" b="0"/>
               <a:pathLst>
                 <a:path w="12" h="15">
                   <a:moveTo>
@@ -15248,8 +19537,9 @@
           </p:spPr>
           <p:txBody>
             <a:bodyPr/>
+            <a:lstStyle/>
             <a:p>
-              <a:endParaRPr lang="en-US"/>
+              <a:endParaRPr lang="en-US" dirty="0"/>
             </a:p>
           </p:txBody>
         </p:sp>
@@ -15288,6 +19578,7 @@
                   <a:pos x="69850" y="188058"/>
                 </a:cxn>
               </a:cxnLst>
+              <a:rect l="0" t="0" r="0" b="0"/>
               <a:pathLst>
                 <a:path w="5" h="13">
                   <a:moveTo>
@@ -15331,8 +19622,9 @@
           </p:spPr>
           <p:txBody>
             <a:bodyPr/>
+            <a:lstStyle/>
             <a:p>
-              <a:endParaRPr lang="en-US"/>
+              <a:endParaRPr lang="en-US" dirty="0"/>
             </a:p>
           </p:txBody>
         </p:sp>
@@ -15425,6 +19717,7 @@
                   <a:pos x="17424" y="205978"/>
                 </a:cxn>
               </a:cxnLst>
+              <a:rect l="0" t="0" r="0" b="0"/>
               <a:pathLst>
                 <a:path w="41" h="32">
                   <a:moveTo>
@@ -15558,8 +19851,9 @@
           </p:spPr>
           <p:txBody>
             <a:bodyPr/>
+            <a:lstStyle/>
             <a:p>
-              <a:endParaRPr lang="en-US"/>
+              <a:endParaRPr lang="en-US" dirty="0"/>
             </a:p>
           </p:txBody>
         </p:sp>
@@ -15697,6 +19991,7 @@
                   <a:pos x="471488" y="360208"/>
                 </a:cxn>
               </a:cxnLst>
+              <a:rect l="0" t="0" r="0" b="0"/>
               <a:pathLst>
                 <a:path w="32" h="41">
                   <a:moveTo>
@@ -15905,8 +20200,9 @@
           </p:spPr>
           <p:txBody>
             <a:bodyPr/>
+            <a:lstStyle/>
             <a:p>
-              <a:endParaRPr lang="en-US"/>
+              <a:endParaRPr lang="en-US" dirty="0"/>
             </a:p>
           </p:txBody>
         </p:sp>
@@ -15933,6 +20229,7 @@
           </p:spPr>
           <p:txBody>
             <a:bodyPr anchor="t" anchorCtr="0"/>
+            <a:lstStyle/>
             <a:p>
               <a:endParaRPr lang="zh-CN" altLang="en-US" dirty="0">
                 <a:solidFill>
@@ -16015,6 +20312,7 @@
                   <a:pos x="139700" y="342900"/>
                 </a:cxn>
               </a:cxnLst>
+              <a:rect l="0" t="0" r="0" b="0"/>
               <a:pathLst>
                 <a:path w="18" h="20">
                   <a:moveTo>
@@ -16118,8 +20416,9 @@
           </p:spPr>
           <p:txBody>
             <a:bodyPr/>
+            <a:lstStyle/>
             <a:p>
-              <a:endParaRPr lang="en-US"/>
+              <a:endParaRPr lang="en-US" dirty="0"/>
             </a:p>
           </p:txBody>
         </p:sp>
@@ -16194,6 +20493,7 @@
                   <a:pos x="69533" y="686110"/>
                 </a:cxn>
               </a:cxnLst>
+              <a:rect l="0" t="0" r="0" b="0"/>
               <a:pathLst>
                 <a:path w="20" h="41">
                   <a:moveTo>
@@ -16297,8 +20597,9 @@
           </p:spPr>
           <p:txBody>
             <a:bodyPr/>
+            <a:lstStyle/>
             <a:p>
-              <a:endParaRPr lang="en-US"/>
+              <a:endParaRPr lang="en-US" dirty="0"/>
             </a:p>
           </p:txBody>
         </p:sp>
@@ -16331,6 +20632,7 @@
                   <a:pos x="0" y="16933"/>
                 </a:cxn>
               </a:cxnLst>
+              <a:rect l="0" t="0" r="0" b="0"/>
               <a:pathLst>
                 <a:path w="3" h="3">
                   <a:moveTo>
@@ -16364,8 +20666,9 @@
           </p:spPr>
           <p:txBody>
             <a:bodyPr/>
+            <a:lstStyle/>
             <a:p>
-              <a:endParaRPr lang="en-US"/>
+              <a:endParaRPr lang="en-US" dirty="0"/>
             </a:p>
           </p:txBody>
         </p:sp>
@@ -16446,6 +20749,7 @@
                   <a:pos x="469900" y="188346"/>
                 </a:cxn>
               </a:cxnLst>
+              <a:rect l="0" t="0" r="0" b="0"/>
               <a:pathLst>
                 <a:path w="27" h="28">
                   <a:moveTo>
@@ -16559,8 +20863,9 @@
           </p:spPr>
           <p:txBody>
             <a:bodyPr/>
+            <a:lstStyle/>
             <a:p>
-              <a:endParaRPr lang="en-US"/>
+              <a:endParaRPr lang="en-US" dirty="0"/>
             </a:p>
           </p:txBody>
         </p:sp>
@@ -16590,6 +20895,7 @@
                   <a:pos x="0" y="33338"/>
                 </a:cxn>
               </a:cxnLst>
+              <a:rect l="0" t="0" r="0" b="0"/>
               <a:pathLst>
                 <a:path w="1" h="2">
                   <a:moveTo>
@@ -16618,8 +20924,9 @@
           </p:spPr>
           <p:txBody>
             <a:bodyPr/>
+            <a:lstStyle/>
             <a:p>
-              <a:endParaRPr lang="en-US"/>
+              <a:endParaRPr lang="en-US" dirty="0"/>
             </a:p>
           </p:txBody>
         </p:sp>
@@ -16667,6 +20974,7 @@
                   <a:pos x="52388" y="86431"/>
                 </a:cxn>
               </a:cxnLst>
+              <a:rect l="0" t="0" r="0" b="0"/>
               <a:pathLst>
                 <a:path w="6" h="9">
                   <a:moveTo>
@@ -16723,8 +21031,9 @@
           </p:spPr>
           <p:txBody>
             <a:bodyPr/>
+            <a:lstStyle/>
             <a:p>
-              <a:endParaRPr lang="en-US"/>
+              <a:endParaRPr lang="en-US" dirty="0"/>
             </a:p>
           </p:txBody>
         </p:sp>
@@ -16760,6 +21069,7 @@
                   <a:pos x="0" y="187325"/>
                 </a:cxn>
               </a:cxnLst>
+              <a:rect l="0" t="0" r="0" b="0"/>
               <a:pathLst>
                 <a:path w="7" h="11">
                   <a:moveTo>
@@ -16796,8 +21106,9 @@
           </p:spPr>
           <p:txBody>
             <a:bodyPr/>
+            <a:lstStyle/>
             <a:p>
-              <a:endParaRPr lang="en-US"/>
+              <a:endParaRPr lang="en-US" dirty="0"/>
             </a:p>
           </p:txBody>
         </p:sp>
@@ -16884,6 +21195,7 @@
                   <a:pos x="296863" y="34257"/>
                 </a:cxn>
               </a:cxnLst>
+              <a:rect l="0" t="0" r="0" b="0"/>
               <a:pathLst>
                 <a:path w="18" h="19">
                   <a:moveTo>
@@ -17007,8 +21319,9 @@
           </p:spPr>
           <p:txBody>
             <a:bodyPr/>
+            <a:lstStyle/>
             <a:p>
-              <a:endParaRPr lang="en-US"/>
+              <a:endParaRPr lang="en-US" dirty="0"/>
             </a:p>
           </p:txBody>
         </p:sp>
@@ -17036,6 +21349,7 @@
           <a:bodyPr anchor="t" anchorCtr="0">
             <a:spAutoFit/>
           </a:bodyPr>
+          <a:lstStyle/>
           <a:p>
             <a:r>
               <a:rPr lang="en-US" altLang="zh-CN" b="1" dirty="0">
@@ -17047,13 +21361,6 @@
               </a:rPr>
               <a:t>Kế hoạch tương lai</a:t>
             </a:r>
-            <a:endParaRPr lang="en-US" altLang="zh-CN" b="1" dirty="0">
-              <a:solidFill>
-                <a:srgbClr val="262626"/>
-              </a:solidFill>
-              <a:latin typeface="Microsoft YaHei" panose="020B0503020204020204" pitchFamily="34" charset="-122"/>
-              <a:ea typeface="Microsoft YaHei" panose="020B0503020204020204" pitchFamily="34" charset="-122"/>
-            </a:endParaRPr>
           </a:p>
         </p:txBody>
       </p:sp>
@@ -17065,7 +21372,7 @@
 </p:sld>
 </file>
 
-<file path=ppt/slides/slide8.xml><?xml version="1.0" encoding="utf-8"?>
+<file path=ppt/slides/slide9.xml><?xml version="1.0" encoding="utf-8"?>
 <p:sld xmlns:a="http://schemas.openxmlformats.org/drawingml/2006/main" xmlns:r="http://schemas.openxmlformats.org/officeDocument/2006/relationships" xmlns:p="http://schemas.openxmlformats.org/presentationml/2006/main">
   <p:cSld>
     <p:bg>
@@ -17082,7 +21389,14 @@
         <p:cNvGrpSpPr/>
         <p:nvPr/>
       </p:nvGrpSpPr>
-      <p:grpSpPr/>
+      <p:grpSpPr>
+        <a:xfrm>
+          <a:off x="0" y="0"/>
+          <a:ext cx="0" cy="0"/>
+          <a:chOff x="0" y="0"/>
+          <a:chExt cx="0" cy="0"/>
+        </a:xfrm>
+      </p:grpSpPr>
       <p:sp>
         <p:nvSpPr>
           <p:cNvPr id="26626" name="文本框 6"/>
@@ -17106,6 +21420,7 @@
           <a:bodyPr anchor="t" anchorCtr="0">
             <a:spAutoFit/>
           </a:bodyPr>
+          <a:lstStyle/>
           <a:p>
             <a:r>
               <a:rPr lang="en-US" altLang="zh-CN" sz="7200" b="1" dirty="0">
@@ -17150,6 +21465,7 @@
           <a:bodyPr wrap="square" anchor="t" anchorCtr="0">
             <a:spAutoFit/>
           </a:bodyPr>
+          <a:lstStyle/>
           <a:p>
             <a:pPr algn="l"/>
             <a:r>
@@ -17160,7 +21476,107 @@
                 <a:latin typeface="Microsoft YaHei" panose="020B0503020204020204" pitchFamily="34" charset="-122"/>
                 <a:ea typeface="Microsoft YaHei" panose="020B0503020204020204" pitchFamily="34" charset="-122"/>
               </a:rPr>
-              <a:t>Chúng em xin cảm ơn thầy cô các bạn!.</a:t>
+              <a:t>Chúng em xin cảm ơn thầy cô </a:t>
+            </a:r>
+            <a:r>
+              <a:rPr lang="en-US" altLang="zh-CN" dirty="0" err="1">
+                <a:solidFill>
+                  <a:srgbClr val="FFFFFF"/>
+                </a:solidFill>
+                <a:latin typeface="Microsoft YaHei" panose="020B0503020204020204" pitchFamily="34" charset="-122"/>
+                <a:ea typeface="Microsoft YaHei" panose="020B0503020204020204" pitchFamily="34" charset="-122"/>
+              </a:rPr>
+              <a:t>các</a:t>
+            </a:r>
+            <a:r>
+              <a:rPr lang="en-US" altLang="zh-CN" dirty="0">
+                <a:solidFill>
+                  <a:srgbClr val="FFFFFF"/>
+                </a:solidFill>
+                <a:latin typeface="Microsoft YaHei" panose="020B0503020204020204" pitchFamily="34" charset="-122"/>
+                <a:ea typeface="Microsoft YaHei" panose="020B0503020204020204" pitchFamily="34" charset="-122"/>
+              </a:rPr>
+              <a:t> </a:t>
+            </a:r>
+            <a:r>
+              <a:rPr lang="en-US" altLang="zh-CN" dirty="0" err="1">
+                <a:solidFill>
+                  <a:srgbClr val="FFFFFF"/>
+                </a:solidFill>
+                <a:latin typeface="Microsoft YaHei" panose="020B0503020204020204" pitchFamily="34" charset="-122"/>
+                <a:ea typeface="Microsoft YaHei" panose="020B0503020204020204" pitchFamily="34" charset="-122"/>
+              </a:rPr>
+              <a:t>bạn</a:t>
+            </a:r>
+            <a:r>
+              <a:rPr lang="en-US" altLang="zh-CN" dirty="0">
+                <a:solidFill>
+                  <a:srgbClr val="FFFFFF"/>
+                </a:solidFill>
+                <a:latin typeface="Microsoft YaHei" panose="020B0503020204020204" pitchFamily="34" charset="-122"/>
+                <a:ea typeface="Microsoft YaHei" panose="020B0503020204020204" pitchFamily="34" charset="-122"/>
+              </a:rPr>
+              <a:t> </a:t>
+            </a:r>
+            <a:r>
+              <a:rPr lang="en-US" altLang="zh-CN" dirty="0" err="1">
+                <a:solidFill>
+                  <a:srgbClr val="FFFFFF"/>
+                </a:solidFill>
+                <a:latin typeface="Microsoft YaHei" panose="020B0503020204020204" pitchFamily="34" charset="-122"/>
+                <a:ea typeface="Microsoft YaHei" panose="020B0503020204020204" pitchFamily="34" charset="-122"/>
+              </a:rPr>
+              <a:t>đã</a:t>
+            </a:r>
+            <a:r>
+              <a:rPr lang="en-US" altLang="zh-CN" dirty="0">
+                <a:solidFill>
+                  <a:srgbClr val="FFFFFF"/>
+                </a:solidFill>
+                <a:latin typeface="Microsoft YaHei" panose="020B0503020204020204" pitchFamily="34" charset="-122"/>
+                <a:ea typeface="Microsoft YaHei" panose="020B0503020204020204" pitchFamily="34" charset="-122"/>
+              </a:rPr>
+              <a:t> </a:t>
+            </a:r>
+            <a:r>
+              <a:rPr lang="en-US" altLang="zh-CN" dirty="0" err="1">
+                <a:solidFill>
+                  <a:srgbClr val="FFFFFF"/>
+                </a:solidFill>
+                <a:latin typeface="Microsoft YaHei" panose="020B0503020204020204" pitchFamily="34" charset="-122"/>
+                <a:ea typeface="Microsoft YaHei" panose="020B0503020204020204" pitchFamily="34" charset="-122"/>
+              </a:rPr>
+              <a:t>lắng</a:t>
+            </a:r>
+            <a:r>
+              <a:rPr lang="en-US" altLang="zh-CN" dirty="0">
+                <a:solidFill>
+                  <a:srgbClr val="FFFFFF"/>
+                </a:solidFill>
+                <a:latin typeface="Microsoft YaHei" panose="020B0503020204020204" pitchFamily="34" charset="-122"/>
+                <a:ea typeface="Microsoft YaHei" panose="020B0503020204020204" pitchFamily="34" charset="-122"/>
+              </a:rPr>
+              <a:t> </a:t>
+            </a:r>
+            <a:r>
+              <a:rPr lang="en-US" altLang="zh-CN" dirty="0" err="1">
+                <a:solidFill>
+                  <a:srgbClr val="FFFFFF"/>
+                </a:solidFill>
+                <a:latin typeface="Microsoft YaHei" panose="020B0503020204020204" pitchFamily="34" charset="-122"/>
+                <a:ea typeface="Microsoft YaHei" panose="020B0503020204020204" pitchFamily="34" charset="-122"/>
+              </a:rPr>
+              <a:t>nghe</a:t>
+            </a:r>
+            <a:r>
+              <a:rPr lang="en-US" altLang="zh-CN" dirty="0">
+                <a:solidFill>
+                  <a:srgbClr val="FFFFFF"/>
+                </a:solidFill>
+                <a:latin typeface="Microsoft YaHei" panose="020B0503020204020204" pitchFamily="34" charset="-122"/>
+                <a:ea typeface="Microsoft YaHei" panose="020B0503020204020204" pitchFamily="34" charset="-122"/>
+              </a:rPr>
+              <a:t>!.</a:t>
             </a:r>
             <a:endParaRPr lang="zh-CN" altLang="en-US" dirty="0">
               <a:solidFill>
@@ -17721,6 +22137,8 @@
       </a:bgFillStyleLst>
     </a:fmtScheme>
   </a:themeElements>
+  <a:objectDefaults/>
+  <a:extraClrSchemeLst/>
   <a:extLst>
     <a:ext uri="{05A4C25C-085E-4340-85A3-A5531E510DB2}">
       <thm15:themeFamily xmlns:thm15="http://schemas.microsoft.com/office/thememl/2012/main" name="Office Theme" id="{62F939B6-93AF-4DB8-9C6B-D6C7DFDC589F}" vid="{4A3C46E8-61CC-4603-A589-7422A47A8E4A}"/>
@@ -17980,6 +22398,8 @@
       </a:bgFillStyleLst>
     </a:fmtScheme>
   </a:themeElements>
+  <a:objectDefaults/>
+  <a:extraClrSchemeLst/>
   <a:extLst>
     <a:ext uri="{05A4C25C-085E-4340-85A3-A5531E510DB2}">
       <thm15:themeFamily xmlns:thm15="http://schemas.microsoft.com/office/thememl/2012/main" name="Office Theme" id="{62F939B6-93AF-4DB8-9C6B-D6C7DFDC589F}" vid="{4A3C46E8-61CC-4603-A589-7422A47A8E4A}"/>
@@ -18239,6 +22659,8 @@
       </a:bgFillStyleLst>
     </a:fmtScheme>
   </a:themeElements>
+  <a:objectDefaults/>
+  <a:extraClrSchemeLst/>
   <a:extLst>
     <a:ext uri="{05A4C25C-085E-4340-85A3-A5531E510DB2}">
       <thm15:themeFamily xmlns:thm15="http://schemas.microsoft.com/office/thememl/2012/main" name="Office Theme" id="{62F939B6-93AF-4DB8-9C6B-D6C7DFDC589F}" vid="{4A3C46E8-61CC-4603-A589-7422A47A8E4A}"/>
